--- a/Slides/Lesson 4.4 More Recursive Data Types.pptx
+++ b/Slides/Lesson 4.4 More Recursive Data Types.pptx
@@ -5,34 +5,36 @@
     <p:sldMasterId id="2147483660" r:id="rId1"/>
   </p:sldMasterIdLst>
   <p:notesMasterIdLst>
-    <p:notesMasterId r:id="rId22"/>
+    <p:notesMasterId r:id="rId24"/>
   </p:notesMasterIdLst>
   <p:sldIdLst>
     <p:sldId id="396" r:id="rId2"/>
     <p:sldId id="397" r:id="rId3"/>
     <p:sldId id="408" r:id="rId4"/>
-    <p:sldId id="417" r:id="rId5"/>
-    <p:sldId id="418" r:id="rId6"/>
-    <p:sldId id="419" r:id="rId7"/>
-    <p:sldId id="420" r:id="rId8"/>
-    <p:sldId id="421" r:id="rId9"/>
-    <p:sldId id="422" r:id="rId10"/>
-    <p:sldId id="423" r:id="rId11"/>
-    <p:sldId id="424" r:id="rId12"/>
-    <p:sldId id="428" r:id="rId13"/>
-    <p:sldId id="434" r:id="rId14"/>
-    <p:sldId id="431" r:id="rId15"/>
-    <p:sldId id="430" r:id="rId16"/>
-    <p:sldId id="432" r:id="rId17"/>
-    <p:sldId id="433" r:id="rId18"/>
-    <p:sldId id="435" r:id="rId19"/>
-    <p:sldId id="411" r:id="rId20"/>
-    <p:sldId id="412" r:id="rId21"/>
+    <p:sldId id="436" r:id="rId5"/>
+    <p:sldId id="437" r:id="rId6"/>
+    <p:sldId id="438" r:id="rId7"/>
+    <p:sldId id="439" r:id="rId8"/>
+    <p:sldId id="440" r:id="rId9"/>
+    <p:sldId id="441" r:id="rId10"/>
+    <p:sldId id="417" r:id="rId11"/>
+    <p:sldId id="418" r:id="rId12"/>
+    <p:sldId id="443" r:id="rId13"/>
+    <p:sldId id="444" r:id="rId14"/>
+    <p:sldId id="445" r:id="rId15"/>
+    <p:sldId id="419" r:id="rId16"/>
+    <p:sldId id="420" r:id="rId17"/>
+    <p:sldId id="421" r:id="rId18"/>
+    <p:sldId id="422" r:id="rId19"/>
+    <p:sldId id="423" r:id="rId20"/>
+    <p:sldId id="424" r:id="rId21"/>
+    <p:sldId id="411" r:id="rId22"/>
+    <p:sldId id="412" r:id="rId23"/>
   </p:sldIdLst>
   <p:sldSz cx="9144000" cy="6858000" type="screen4x3"/>
   <p:notesSz cx="6858000" cy="9144000"/>
   <p:custDataLst>
-    <p:tags r:id="rId23"/>
+    <p:tags r:id="rId25"/>
   </p:custDataLst>
   <p:defaultTextStyle>
     <a:defPPr>
@@ -231,7 +233,7 @@
             <a:fld id="{CF8F25F6-E1EF-4065-8525-42EDEBD9BD22}" type="datetimeFigureOut">
               <a:rPr lang="en-US" smtClean="0"/>
               <a:pPr/>
-              <a:t>8/17/2016</a:t>
+              <a:t>8/22/2016</a:t>
             </a:fld>
             <a:endParaRPr lang="en-US"/>
           </a:p>
@@ -675,6 +677,91 @@
 </p:notes>
 </file>
 
+<file path=ppt/notesSlides/notesSlide3.xml><?xml version="1.0" encoding="utf-8"?>
+<p:notes xmlns:a="http://schemas.openxmlformats.org/drawingml/2006/main" xmlns:r="http://schemas.openxmlformats.org/officeDocument/2006/relationships" xmlns:p="http://schemas.openxmlformats.org/presentationml/2006/main">
+  <p:cSld>
+    <p:spTree>
+      <p:nvGrpSpPr>
+        <p:cNvPr id="1" name=""/>
+        <p:cNvGrpSpPr/>
+        <p:nvPr/>
+      </p:nvGrpSpPr>
+      <p:grpSpPr>
+        <a:xfrm>
+          <a:off x="0" y="0"/>
+          <a:ext cx="0" cy="0"/>
+          <a:chOff x="0" y="0"/>
+          <a:chExt cx="0" cy="0"/>
+        </a:xfrm>
+      </p:grpSpPr>
+      <p:sp>
+        <p:nvSpPr>
+          <p:cNvPr id="2" name="Slide Image Placeholder 1"/>
+          <p:cNvSpPr>
+            <a:spLocks noGrp="1" noRot="1" noChangeAspect="1"/>
+          </p:cNvSpPr>
+          <p:nvPr>
+            <p:ph type="sldImg"/>
+          </p:nvPr>
+        </p:nvSpPr>
+        <p:spPr/>
+      </p:sp>
+      <p:sp>
+        <p:nvSpPr>
+          <p:cNvPr id="3" name="Notes Placeholder 2"/>
+          <p:cNvSpPr>
+            <a:spLocks noGrp="1"/>
+          </p:cNvSpPr>
+          <p:nvPr>
+            <p:ph type="body" idx="1"/>
+          </p:nvPr>
+        </p:nvSpPr>
+        <p:spPr/>
+        <p:txBody>
+          <a:bodyPr/>
+          <a:lstStyle/>
+          <a:p>
+            <a:endParaRPr lang="en-US" dirty="0"/>
+          </a:p>
+        </p:txBody>
+      </p:sp>
+      <p:sp>
+        <p:nvSpPr>
+          <p:cNvPr id="4" name="Slide Number Placeholder 3"/>
+          <p:cNvSpPr>
+            <a:spLocks noGrp="1"/>
+          </p:cNvSpPr>
+          <p:nvPr>
+            <p:ph type="sldNum" sz="quarter" idx="10"/>
+          </p:nvPr>
+        </p:nvSpPr>
+        <p:spPr/>
+        <p:txBody>
+          <a:bodyPr/>
+          <a:lstStyle/>
+          <a:p>
+            <a:fld id="{00E1DFD8-B619-4FFF-B366-BDCC98D08110}" type="slidenum">
+              <a:rPr lang="en-US" smtClean="0"/>
+              <a:pPr/>
+              <a:t>6</a:t>
+            </a:fld>
+            <a:endParaRPr lang="en-US"/>
+          </a:p>
+        </p:txBody>
+      </p:sp>
+    </p:spTree>
+    <p:extLst>
+      <p:ext uri="{BB962C8B-B14F-4D97-AF65-F5344CB8AC3E}">
+        <p14:creationId xmlns:p14="http://schemas.microsoft.com/office/powerpoint/2010/main" val="3915890268"/>
+      </p:ext>
+    </p:extLst>
+  </p:cSld>
+  <p:clrMapOvr>
+    <a:masterClrMapping/>
+  </p:clrMapOvr>
+</p:notes>
+</file>
+
 <file path=ppt/slideLayouts/slideLayout1.xml><?xml version="1.0" encoding="utf-8"?>
 <p:sldLayout xmlns:a="http://schemas.openxmlformats.org/drawingml/2006/main" xmlns:r="http://schemas.openxmlformats.org/officeDocument/2006/relationships" xmlns:p="http://schemas.openxmlformats.org/presentationml/2006/main" type="title" preserve="1">
   <p:cSld name="Title Slide">
@@ -854,7 +941,7 @@
           <a:p>
             <a:fld id="{2F1F79F5-7BEC-496A-AFC7-876E38F64D71}" type="datetime1">
               <a:rPr lang="en-US" smtClean="0"/>
-              <a:t>8/17/2016</a:t>
+              <a:t>8/22/2016</a:t>
             </a:fld>
             <a:endParaRPr lang="en-US"/>
           </a:p>
@@ -949,7 +1036,7 @@
           <a:p>
             <a:fld id="{0A05703A-7669-4FEA-9056-25299B4D29D4}" type="datetime1">
               <a:rPr lang="en-US" smtClean="0"/>
-              <a:t>8/17/2016</a:t>
+              <a:t>8/22/2016</a:t>
             </a:fld>
             <a:endParaRPr lang="en-US"/>
           </a:p>
@@ -1224,7 +1311,7 @@
           <a:p>
             <a:fld id="{6E5077B5-BB57-49DB-88CA-226A139E5C01}" type="datetime1">
               <a:rPr lang="en-US" smtClean="0"/>
-              <a:t>8/17/2016</a:t>
+              <a:t>8/22/2016</a:t>
             </a:fld>
             <a:endParaRPr lang="en-US"/>
           </a:p>
@@ -1476,7 +1563,7 @@
           <a:p>
             <a:fld id="{C48D9447-CBD6-49A1-89FD-8512A8CF8999}" type="datetime1">
               <a:rPr lang="en-US" smtClean="0"/>
-              <a:t>8/17/2016</a:t>
+              <a:t>8/22/2016</a:t>
             </a:fld>
             <a:endParaRPr lang="en-US"/>
           </a:p>
@@ -1644,7 +1731,7 @@
           <a:p>
             <a:fld id="{A3639A2A-823D-48B7-9ACE-7FAF42870BA9}" type="datetime1">
               <a:rPr lang="en-US" smtClean="0"/>
-              <a:t>8/17/2016</a:t>
+              <a:t>8/22/2016</a:t>
             </a:fld>
             <a:endParaRPr lang="en-US"/>
           </a:p>
@@ -1822,7 +1909,7 @@
           <a:p>
             <a:fld id="{ED1B6996-82E9-463C-972C-7B56056E426C}" type="datetime1">
               <a:rPr lang="en-US" smtClean="0"/>
-              <a:t>8/17/2016</a:t>
+              <a:t>8/22/2016</a:t>
             </a:fld>
             <a:endParaRPr lang="en-US"/>
           </a:p>
@@ -1996,7 +2083,7 @@
           <a:p>
             <a:fld id="{E22ED4DA-448D-4BB1-B935-CC112220207B}" type="datetime1">
               <a:rPr lang="en-US" smtClean="0"/>
-              <a:t>8/17/2016</a:t>
+              <a:t>8/22/2016</a:t>
             </a:fld>
             <a:endParaRPr lang="en-US"/>
           </a:p>
@@ -2169,7 +2256,7 @@
           <a:p>
             <a:fld id="{E22ED4DA-448D-4BB1-B935-CC112220207B}" type="datetime1">
               <a:rPr lang="en-US" smtClean="0"/>
-              <a:t>8/17/2016</a:t>
+              <a:t>8/22/2016</a:t>
             </a:fld>
             <a:endParaRPr lang="en-US"/>
           </a:p>
@@ -2429,7 +2516,7 @@
           <a:p>
             <a:fld id="{FF5D65A6-AB94-4435-B0B7-3743215FA46C}" type="datetime1">
               <a:rPr lang="en-US" smtClean="0"/>
-              <a:t>8/17/2016</a:t>
+              <a:t>8/22/2016</a:t>
             </a:fld>
             <a:endParaRPr lang="en-US"/>
           </a:p>
@@ -2605,7 +2692,7 @@
           <a:p>
             <a:fld id="{FF5D65A6-AB94-4435-B0B7-3743215FA46C}" type="datetime1">
               <a:rPr lang="en-US" smtClean="0"/>
-              <a:t>8/17/2016</a:t>
+              <a:t>8/22/2016</a:t>
             </a:fld>
             <a:endParaRPr lang="en-US"/>
           </a:p>
@@ -2899,7 +2986,7 @@
           <a:p>
             <a:fld id="{7C193DC4-6EF0-48C9-B29C-616106A645E1}" type="datetime1">
               <a:rPr lang="en-US" smtClean="0"/>
-              <a:t>8/17/2016</a:t>
+              <a:t>8/22/2016</a:t>
             </a:fld>
             <a:endParaRPr lang="en-US"/>
           </a:p>
@@ -3184,7 +3271,7 @@
           <a:p>
             <a:fld id="{5D1846AD-9252-4647-9435-4C2AC365653A}" type="datetime1">
               <a:rPr lang="en-US" smtClean="0"/>
-              <a:t>8/17/2016</a:t>
+              <a:t>8/22/2016</a:t>
             </a:fld>
             <a:endParaRPr lang="en-US"/>
           </a:p>
@@ -3603,7 +3690,7 @@
           <a:p>
             <a:fld id="{CE56DC10-3561-4063-A6AF-C1CC7A41040A}" type="datetime1">
               <a:rPr lang="en-US" smtClean="0"/>
-              <a:t>8/17/2016</a:t>
+              <a:t>8/22/2016</a:t>
             </a:fld>
             <a:endParaRPr lang="en-US"/>
           </a:p>
@@ -3720,7 +3807,7 @@
           <a:p>
             <a:fld id="{2F7B77F5-1464-4F6B-92A8-64FC8A508293}" type="datetime1">
               <a:rPr lang="en-US" smtClean="0"/>
-              <a:t>8/17/2016</a:t>
+              <a:t>8/22/2016</a:t>
             </a:fld>
             <a:endParaRPr lang="en-US"/>
           </a:p>
@@ -3943,7 +4030,7 @@
           <a:p>
             <a:fld id="{02B3F677-983B-48DB-ADFD-63FE6CBC7FB2}" type="datetime1">
               <a:rPr lang="en-US" smtClean="0"/>
-              <a:t>8/17/2016</a:t>
+              <a:t>8/22/2016</a:t>
             </a:fld>
             <a:endParaRPr lang="en-US"/>
           </a:p>
@@ -4613,12 +4700,14 @@
         </p:nvSpPr>
         <p:spPr/>
         <p:txBody>
-          <a:bodyPr/>
-          <a:lstStyle/>
-          <a:p>
-            <a:r>
-              <a:rPr lang="en-US" dirty="0"/>
-              <a:t>product</a:t>
+          <a:bodyPr>
+            <a:normAutofit fontScale="90000"/>
+          </a:bodyPr>
+          <a:lstStyle/>
+          <a:p>
+            <a:r>
+              <a:rPr lang="en-US" dirty="0"/>
+              <a:t>A data definition for the natural numbers</a:t>
             </a:r>
           </a:p>
         </p:txBody>
@@ -4640,51 +4729,19 @@
           <a:p>
             <a:r>
               <a:rPr lang="en-US" dirty="0"/>
-              <a:t>;; strategy: use template for </a:t>
-            </a:r>
-          </a:p>
-          <a:p>
-            <a:r>
-              <a:rPr lang="en-US" dirty="0"/>
-              <a:t>;; </a:t>
-            </a:r>
-            <a:r>
-              <a:rPr lang="en-US" dirty="0" err="1"/>
-              <a:t>NonNegInt</a:t>
-            </a:r>
-            <a:r>
-              <a:rPr lang="en-US" dirty="0"/>
-              <a:t> on y</a:t>
-            </a:r>
-          </a:p>
-          <a:p>
-            <a:r>
-              <a:rPr lang="en-US" dirty="0"/>
-              <a:t>(define (prod x y)</a:t>
-            </a:r>
-          </a:p>
-          <a:p>
-            <a:r>
-              <a:rPr lang="en-US" dirty="0"/>
-              <a:t>  (cond</a:t>
-            </a:r>
-          </a:p>
-          <a:p>
-            <a:r>
-              <a:rPr lang="en-US" dirty="0"/>
-              <a:t>    [(zero? y) 0]</a:t>
-            </a:r>
-          </a:p>
-          <a:p>
-            <a:r>
-              <a:rPr lang="en-US" dirty="0"/>
-              <a:t>    [else </a:t>
-            </a:r>
-          </a:p>
-          <a:p>
-            <a:r>
-              <a:rPr lang="en-US" dirty="0"/>
-              <a:t>      (sum x (prod x (- y 1)))]))</a:t>
+              <a:t>;; A Natural Number (Nat) is one of </a:t>
+            </a:r>
+          </a:p>
+          <a:p>
+            <a:r>
+              <a:rPr lang="en-US" dirty="0"/>
+              <a:t>;; -- 0</a:t>
+            </a:r>
+          </a:p>
+          <a:p>
+            <a:r>
+              <a:rPr lang="en-US" dirty="0"/>
+              <a:t>;; -- (add1 Nat)</a:t>
             </a:r>
           </a:p>
         </p:txBody>
@@ -4712,10 +4769,99 @@
           </a:p>
         </p:txBody>
       </p:sp>
+      <p:sp>
+        <p:nvSpPr>
+          <p:cNvPr id="5" name="Rectangle 4"/>
+          <p:cNvSpPr/>
+          <p:nvPr/>
+        </p:nvSpPr>
+        <p:spPr>
+          <a:xfrm>
+            <a:off x="4114800" y="4038600"/>
+            <a:ext cx="4343400" cy="2087563"/>
+          </a:xfrm>
+          <a:prstGeom prst="rect">
+            <a:avLst/>
+          </a:prstGeom>
+          <a:solidFill>
+            <a:schemeClr val="accent3">
+              <a:lumMod val="40000"/>
+              <a:lumOff val="60000"/>
+            </a:schemeClr>
+          </a:solidFill>
+          <a:ln/>
+        </p:spPr>
+        <p:style>
+          <a:lnRef idx="2">
+            <a:schemeClr val="accent1"/>
+          </a:lnRef>
+          <a:fillRef idx="1">
+            <a:schemeClr val="lt1"/>
+          </a:fillRef>
+          <a:effectRef idx="0">
+            <a:schemeClr val="accent1"/>
+          </a:effectRef>
+          <a:fontRef idx="minor">
+            <a:schemeClr val="dk1"/>
+          </a:fontRef>
+        </p:style>
+        <p:txBody>
+          <a:bodyPr rot="0" spcFirstLastPara="0" vertOverflow="overflow" horzOverflow="overflow" vert="horz" wrap="square" lIns="91440" tIns="45720" rIns="91440" bIns="45720" numCol="1" spcCol="0" rtlCol="0" fromWordArt="0" anchor="ctr" anchorCtr="0" forceAA="0" compatLnSpc="1">
+            <a:prstTxWarp prst="textNoShape">
+              <a:avLst/>
+            </a:prstTxWarp>
+            <a:noAutofit/>
+          </a:bodyPr>
+          <a:lstStyle/>
+          <a:p>
+            <a:pPr algn="ctr"/>
+            <a:r>
+              <a:rPr lang="en-US" sz="2400" dirty="0">
+                <a:solidFill>
+                  <a:schemeClr val="tx1"/>
+                </a:solidFill>
+              </a:rPr>
+              <a:t>Here we use the Racket function </a:t>
+            </a:r>
+            <a:r>
+              <a:rPr lang="en-US" sz="2400" b="1" dirty="0">
+                <a:solidFill>
+                  <a:schemeClr val="tx1"/>
+                </a:solidFill>
+              </a:rPr>
+              <a:t>add1</a:t>
+            </a:r>
+            <a:r>
+              <a:rPr lang="en-US" sz="2400" dirty="0">
+                <a:solidFill>
+                  <a:schemeClr val="tx1"/>
+                </a:solidFill>
+              </a:rPr>
+              <a:t>, which adds 1 to its argument.  We'll also use </a:t>
+            </a:r>
+            <a:r>
+              <a:rPr lang="en-US" sz="2400" b="1" dirty="0">
+                <a:solidFill>
+                  <a:schemeClr val="tx1"/>
+                </a:solidFill>
+              </a:rPr>
+              <a:t>sub1</a:t>
+            </a:r>
+            <a:r>
+              <a:rPr lang="en-US" sz="2400" dirty="0">
+                <a:solidFill>
+                  <a:schemeClr val="tx1"/>
+                </a:solidFill>
+              </a:rPr>
+              <a:t>, which subtracts 1 from its argument.</a:t>
+            </a:r>
+          </a:p>
+        </p:txBody>
+      </p:sp>
     </p:spTree>
     <p:extLst>
       <p:ext uri="{BB962C8B-B14F-4D97-AF65-F5344CB8AC3E}">
-        <p14:creationId xmlns:p14="http://schemas.microsoft.com/office/powerpoint/2010/main" val="3276743293"/>
+        <p14:creationId xmlns:p14="http://schemas.microsoft.com/office/powerpoint/2010/main" val="3429497423"/>
       </p:ext>
     </p:extLst>
   </p:cSld>
@@ -4754,12 +4900,14 @@
         </p:nvSpPr>
         <p:spPr/>
         <p:txBody>
-          <a:bodyPr/>
-          <a:lstStyle/>
-          <a:p>
-            <a:r>
-              <a:rPr lang="en-US" dirty="0"/>
-              <a:t>Example</a:t>
+          <a:bodyPr>
+            <a:normAutofit/>
+          </a:bodyPr>
+          <a:lstStyle/>
+          <a:p>
+            <a:r>
+              <a:rPr lang="en-US" dirty="0"/>
+              <a:t>Examples</a:t>
             </a:r>
           </a:p>
         </p:txBody>
@@ -4774,97 +4922,44 @@
             <p:ph idx="1"/>
           </p:nvPr>
         </p:nvSpPr>
-        <p:spPr>
-          <a:xfrm>
-            <a:off x="457200" y="1600200"/>
-            <a:ext cx="8534400" cy="4525963"/>
-          </a:xfrm>
-        </p:spPr>
-        <p:txBody>
-          <a:bodyPr/>
-          <a:lstStyle/>
-          <a:p>
-            <a:r>
-              <a:rPr lang="en-US" dirty="0"/>
-              <a:t>(</a:t>
-            </a:r>
-            <a:r>
-              <a:rPr lang="en-US" dirty="0">
-                <a:solidFill>
-                  <a:srgbClr val="FF0000"/>
-                </a:solidFill>
-              </a:rPr>
-              <a:t>prod</a:t>
-            </a:r>
-            <a:r>
-              <a:rPr lang="en-US" dirty="0"/>
-              <a:t> 2 3)</a:t>
-            </a:r>
-          </a:p>
-          <a:p>
-            <a:r>
-              <a:rPr lang="en-US" dirty="0"/>
-              <a:t>= (sum 2 (</a:t>
-            </a:r>
-            <a:r>
-              <a:rPr lang="en-US" dirty="0">
-                <a:solidFill>
-                  <a:srgbClr val="FF0000"/>
-                </a:solidFill>
-              </a:rPr>
-              <a:t>prod</a:t>
-            </a:r>
-            <a:r>
-              <a:rPr lang="en-US" dirty="0"/>
-              <a:t> 2 2))</a:t>
-            </a:r>
-          </a:p>
-          <a:p>
-            <a:r>
-              <a:rPr lang="en-US" dirty="0"/>
-              <a:t>= (sum 2 (sum 2 (</a:t>
-            </a:r>
-            <a:r>
-              <a:rPr lang="en-US" dirty="0">
-                <a:solidFill>
-                  <a:srgbClr val="FF0000"/>
-                </a:solidFill>
-              </a:rPr>
-              <a:t>prod</a:t>
-            </a:r>
-            <a:r>
-              <a:rPr lang="en-US" dirty="0"/>
-              <a:t> 2 1)))</a:t>
-            </a:r>
-          </a:p>
-          <a:p>
-            <a:r>
-              <a:rPr lang="en-US" dirty="0"/>
-              <a:t>= (sum 2 (sum 2 (sum 2 (</a:t>
-            </a:r>
-            <a:r>
-              <a:rPr lang="en-US" dirty="0">
-                <a:solidFill>
-                  <a:srgbClr val="FF0000"/>
-                </a:solidFill>
-              </a:rPr>
-              <a:t>prod </a:t>
-            </a:r>
-            <a:r>
-              <a:rPr lang="en-US" dirty="0"/>
-              <a:t>2 0))))</a:t>
-            </a:r>
-          </a:p>
-          <a:p>
-            <a:r>
-              <a:rPr lang="en-US" dirty="0"/>
-              <a:t>= (+ 2 (+ 2 (+ 2 0)))</a:t>
-            </a:r>
-          </a:p>
-          <a:p>
-            <a:r>
-              <a:rPr lang="en-US" dirty="0"/>
-              <a:t>= 6</a:t>
+        <p:spPr/>
+        <p:txBody>
+          <a:bodyPr/>
+          <a:lstStyle/>
+          <a:p>
+            <a:r>
+              <a:rPr lang="en-US" dirty="0"/>
+              <a:t>0</a:t>
+            </a:r>
+          </a:p>
+          <a:p>
+            <a:r>
+              <a:rPr lang="en-US" dirty="0"/>
+              <a:t>1  (because 1 = (add1 0))</a:t>
+            </a:r>
+          </a:p>
+          <a:p>
+            <a:r>
+              <a:rPr lang="en-US" dirty="0"/>
+              <a:t>2  (because 2 = (add1 1))</a:t>
+            </a:r>
+          </a:p>
+          <a:p>
+            <a:r>
+              <a:rPr lang="en-US" dirty="0"/>
+              <a:t>3  (because 3 = (add1 2))</a:t>
+            </a:r>
+          </a:p>
+          <a:p>
+            <a:r>
+              <a:rPr lang="en-US" dirty="0"/>
+              <a:t>4  (because 4 = (add1 3))</a:t>
+            </a:r>
+          </a:p>
+          <a:p>
+            <a:r>
+              <a:rPr lang="en-US" dirty="0"/>
+              <a:t>Etc...</a:t>
             </a:r>
           </a:p>
         </p:txBody>
@@ -4895,7 +4990,7 @@
     </p:spTree>
     <p:extLst>
       <p:ext uri="{BB962C8B-B14F-4D97-AF65-F5344CB8AC3E}">
-        <p14:creationId xmlns:p14="http://schemas.microsoft.com/office/powerpoint/2010/main" val="1019550017"/>
+        <p14:creationId xmlns:p14="http://schemas.microsoft.com/office/powerpoint/2010/main" val="1193448595"/>
       </p:ext>
     </p:extLst>
   </p:cSld>
@@ -4934,12 +5029,14 @@
         </p:nvSpPr>
         <p:spPr/>
         <p:txBody>
-          <a:bodyPr/>
-          <a:lstStyle/>
-          <a:p>
-            <a:r>
-              <a:rPr lang="en-US" dirty="0"/>
-              <a:t>Silly Lists</a:t>
+          <a:bodyPr>
+            <a:normAutofit/>
+          </a:bodyPr>
+          <a:lstStyle/>
+          <a:p>
+            <a:r>
+              <a:rPr lang="en-US" dirty="0"/>
+              <a:t>Is this a good data definition?</a:t>
             </a:r>
           </a:p>
         </p:txBody>
@@ -4961,34 +5058,24 @@
           <a:p>
             <a:r>
               <a:rPr lang="en-US" dirty="0"/>
-              <a:t>;; A Silly List (SL) is one of:</a:t>
-            </a:r>
-          </a:p>
-          <a:p>
-            <a:r>
-              <a:rPr lang="en-US" dirty="0"/>
-              <a:t>;; -- empty</a:t>
-            </a:r>
-          </a:p>
-          <a:p>
-            <a:r>
-              <a:rPr lang="en-US" dirty="0"/>
-              <a:t>;; -- (cons Number SL)</a:t>
-            </a:r>
-          </a:p>
-          <a:p>
-            <a:r>
-              <a:rPr lang="en-US" dirty="0"/>
-              <a:t>;; -- (cons String </a:t>
-            </a:r>
-            <a:r>
-              <a:rPr lang="en-US" dirty="0" err="1"/>
-              <a:t>String</a:t>
-            </a:r>
-            <a:r>
-              <a:rPr lang="en-US" dirty="0"/>
-              <a:t> SL)</a:t>
-            </a:r>
+              <a:t>Are the alternatives </a:t>
+            </a:r>
+            <a:r>
+              <a:rPr lang="en-US" i="1" dirty="0"/>
+              <a:t>mutually exclusive?</a:t>
+            </a:r>
+          </a:p>
+          <a:p>
+            <a:endParaRPr lang="en-US" i="1" dirty="0"/>
+          </a:p>
+          <a:p>
+            <a:r>
+              <a:rPr lang="en-US" dirty="0"/>
+              <a:t>Is it easy to tell the alternatives apart?</a:t>
+            </a:r>
+          </a:p>
+          <a:p>
+            <a:endParaRPr lang="en-US" dirty="0"/>
           </a:p>
         </p:txBody>
       </p:sp>
@@ -5017,14 +5104,2242 @@
       </p:sp>
       <p:sp>
         <p:nvSpPr>
+          <p:cNvPr id="6" name="Rectangle 5"/>
+          <p:cNvSpPr/>
+          <p:nvPr/>
+        </p:nvSpPr>
+        <p:spPr>
+          <a:xfrm>
+            <a:off x="5791200" y="2209800"/>
+            <a:ext cx="2590800" cy="685800"/>
+          </a:xfrm>
+          <a:prstGeom prst="rect">
+            <a:avLst/>
+          </a:prstGeom>
+          <a:solidFill>
+            <a:schemeClr val="accent6"/>
+          </a:solidFill>
+          <a:ln/>
+        </p:spPr>
+        <p:style>
+          <a:lnRef idx="2">
+            <a:schemeClr val="accent1"/>
+          </a:lnRef>
+          <a:fillRef idx="1">
+            <a:schemeClr val="lt1"/>
+          </a:fillRef>
+          <a:effectRef idx="0">
+            <a:schemeClr val="accent1"/>
+          </a:effectRef>
+          <a:fontRef idx="minor">
+            <a:schemeClr val="dk1"/>
+          </a:fontRef>
+        </p:style>
+        <p:txBody>
+          <a:bodyPr rot="0" spcFirstLastPara="0" vertOverflow="overflow" horzOverflow="overflow" vert="horz" wrap="square" lIns="91440" tIns="45720" rIns="91440" bIns="45720" numCol="1" spcCol="0" rtlCol="0" fromWordArt="0" anchor="ctr" anchorCtr="0" forceAA="0" compatLnSpc="1">
+            <a:prstTxWarp prst="textNoShape">
+              <a:avLst/>
+            </a:prstTxWarp>
+            <a:noAutofit/>
+          </a:bodyPr>
+          <a:lstStyle/>
+          <a:p>
+            <a:pPr algn="ctr"/>
+            <a:r>
+              <a:rPr lang="en-US" sz="2400" dirty="0">
+                <a:solidFill>
+                  <a:schemeClr val="tx1"/>
+                </a:solidFill>
+              </a:rPr>
+              <a:t>Answer: yes</a:t>
+            </a:r>
+          </a:p>
+        </p:txBody>
+      </p:sp>
+      <p:sp>
+        <p:nvSpPr>
+          <p:cNvPr id="7" name="Rectangle 6"/>
+          <p:cNvSpPr/>
+          <p:nvPr/>
+        </p:nvSpPr>
+        <p:spPr>
+          <a:xfrm>
+            <a:off x="5562600" y="3276600"/>
+            <a:ext cx="2819400" cy="762000"/>
+          </a:xfrm>
+          <a:prstGeom prst="rect">
+            <a:avLst/>
+          </a:prstGeom>
+          <a:solidFill>
+            <a:schemeClr val="accent6"/>
+          </a:solidFill>
+          <a:ln/>
+        </p:spPr>
+        <p:style>
+          <a:lnRef idx="2">
+            <a:schemeClr val="accent1"/>
+          </a:lnRef>
+          <a:fillRef idx="1">
+            <a:schemeClr val="lt1"/>
+          </a:fillRef>
+          <a:effectRef idx="0">
+            <a:schemeClr val="accent1"/>
+          </a:effectRef>
+          <a:fontRef idx="minor">
+            <a:schemeClr val="dk1"/>
+          </a:fontRef>
+        </p:style>
+        <p:txBody>
+          <a:bodyPr rot="0" spcFirstLastPara="0" vertOverflow="overflow" horzOverflow="overflow" vert="horz" wrap="square" lIns="91440" tIns="45720" rIns="91440" bIns="45720" numCol="1" spcCol="0" rtlCol="0" fromWordArt="0" anchor="ctr" anchorCtr="0" forceAA="0" compatLnSpc="1">
+            <a:prstTxWarp prst="textNoShape">
+              <a:avLst/>
+            </a:prstTxWarp>
+            <a:noAutofit/>
+          </a:bodyPr>
+          <a:lstStyle/>
+          <a:p>
+            <a:pPr algn="ctr"/>
+            <a:r>
+              <a:rPr lang="en-US" sz="2400" dirty="0">
+                <a:solidFill>
+                  <a:schemeClr val="tx1"/>
+                </a:solidFill>
+              </a:rPr>
+              <a:t>Answer: yes, with the predicate </a:t>
+            </a:r>
+            <a:r>
+              <a:rPr lang="en-US" sz="2400" b="1" dirty="0">
+                <a:solidFill>
+                  <a:schemeClr val="tx1"/>
+                </a:solidFill>
+              </a:rPr>
+              <a:t>zero?</a:t>
+            </a:r>
+          </a:p>
+        </p:txBody>
+      </p:sp>
+    </p:spTree>
+    <p:extLst>
+      <p:ext uri="{BB962C8B-B14F-4D97-AF65-F5344CB8AC3E}">
+        <p14:creationId xmlns:p14="http://schemas.microsoft.com/office/powerpoint/2010/main" val="3258370317"/>
+      </p:ext>
+    </p:extLst>
+  </p:cSld>
+  <p:clrMapOvr>
+    <a:masterClrMapping/>
+  </p:clrMapOvr>
+</p:sld>
+</file>
+
+<file path=ppt/slides/slide13.xml><?xml version="1.0" encoding="utf-8"?>
+<p:sld xmlns:a="http://schemas.openxmlformats.org/drawingml/2006/main" xmlns:r="http://schemas.openxmlformats.org/officeDocument/2006/relationships" xmlns:p="http://schemas.openxmlformats.org/presentationml/2006/main">
+  <p:cSld>
+    <p:spTree>
+      <p:nvGrpSpPr>
+        <p:cNvPr id="1" name=""/>
+        <p:cNvGrpSpPr/>
+        <p:nvPr/>
+      </p:nvGrpSpPr>
+      <p:grpSpPr>
+        <a:xfrm>
+          <a:off x="0" y="0"/>
+          <a:ext cx="0" cy="0"/>
+          <a:chOff x="0" y="0"/>
+          <a:chExt cx="0" cy="0"/>
+        </a:xfrm>
+      </p:grpSpPr>
+      <mc:AlternateContent xmlns:mc="http://schemas.openxmlformats.org/markup-compatibility/2006">
+        <mc:Choice xmlns:a14="http://schemas.microsoft.com/office/drawing/2010/main" Requires="a14">
+          <p:sp>
+            <p:nvSpPr>
+              <p:cNvPr id="3" name="Content Placeholder 2"/>
+              <p:cNvSpPr>
+                <a:spLocks noGrp="1"/>
+              </p:cNvSpPr>
+              <p:nvPr>
+                <p:ph idx="1"/>
+              </p:nvPr>
+            </p:nvSpPr>
+            <p:spPr>
+              <a:ln>
+                <a:solidFill>
+                  <a:schemeClr val="accent1"/>
+                </a:solidFill>
+              </a:ln>
+            </p:spPr>
+            <p:txBody>
+              <a:bodyPr/>
+              <a:lstStyle/>
+              <a:p>
+                <a:r>
+                  <a:rPr lang="en-US" dirty="0"/>
+                  <a:t>Is there one and only one way of building any value?</a:t>
+                </a:r>
+              </a:p>
+              <a:p>
+                <a:r>
+                  <a:rPr lang="en-US" dirty="0"/>
+                  <a:t>Answer: Yes.  There's only one way to build the number </a:t>
+                </a:r>
+                <a14:m>
+                  <m:oMath xmlns:m="http://schemas.openxmlformats.org/officeDocument/2006/math">
+                    <m:r>
+                      <a:rPr lang="en-US" i="1" dirty="0" smtClean="0">
+                        <a:latin typeface="Cambria Math" panose="02040503050406030204" pitchFamily="18" charset="0"/>
+                      </a:rPr>
+                      <m:t>𝑛</m:t>
+                    </m:r>
+                  </m:oMath>
+                </a14:m>
+                <a:r>
+                  <a:rPr lang="en-US" dirty="0"/>
+                  <a:t> :</a:t>
+                </a:r>
+              </a:p>
+              <a:p>
+                <a:endParaRPr lang="en-US" dirty="0"/>
+              </a:p>
+              <a:p>
+                <a:pPr marL="0" indent="0">
+                  <a:buNone/>
+                </a:pPr>
+                <a:r>
+                  <a:rPr lang="en-US" b="1" dirty="0">
+                    <a:latin typeface="Consolas" panose="020B0609020204030204" pitchFamily="49" charset="0"/>
+                  </a:rPr>
+                  <a:t>(add1 (add1 (add1 (add1 ... 0))))</a:t>
+                </a:r>
+              </a:p>
+            </p:txBody>
+          </p:sp>
+        </mc:Choice>
+        <mc:Fallback>
+          <p:sp>
+            <p:nvSpPr>
+              <p:cNvPr id="3" name="Content Placeholder 2"/>
+              <p:cNvSpPr>
+                <a:spLocks noGrp="1" noRot="1" noChangeAspect="1" noMove="1" noResize="1" noEditPoints="1" noAdjustHandles="1" noChangeArrowheads="1" noChangeShapeType="1" noTextEdit="1"/>
+              </p:cNvSpPr>
+              <p:nvPr>
+                <p:ph idx="1"/>
+              </p:nvPr>
+            </p:nvSpPr>
+            <p:spPr>
+              <a:blipFill>
+                <a:blip r:embed="rId2"/>
+                <a:stretch>
+                  <a:fillRect l="-1775" t="-1613" r="-222"/>
+                </a:stretch>
+              </a:blipFill>
+              <a:ln>
+                <a:solidFill>
+                  <a:schemeClr val="accent1"/>
+                </a:solidFill>
+              </a:ln>
+            </p:spPr>
+            <p:txBody>
+              <a:bodyPr/>
+              <a:lstStyle/>
+              <a:p>
+                <a:r>
+                  <a:rPr lang="en-US">
+                    <a:noFill/>
+                  </a:rPr>
+                  <a:t> </a:t>
+                </a:r>
+              </a:p>
+            </p:txBody>
+          </p:sp>
+        </mc:Fallback>
+      </mc:AlternateContent>
+      <p:sp>
+        <p:nvSpPr>
+          <p:cNvPr id="2" name="Title 1"/>
+          <p:cNvSpPr>
+            <a:spLocks noGrp="1"/>
+          </p:cNvSpPr>
+          <p:nvPr>
+            <p:ph type="title"/>
+          </p:nvPr>
+        </p:nvSpPr>
+        <p:spPr/>
+        <p:txBody>
+          <a:bodyPr/>
+          <a:lstStyle/>
+          <a:p>
+            <a:r>
+              <a:rPr lang="en-US" dirty="0"/>
+              <a:t>Is this a good data definition? (2)</a:t>
+            </a:r>
+          </a:p>
+        </p:txBody>
+      </p:sp>
+      <p:sp>
+        <p:nvSpPr>
+          <p:cNvPr id="4" name="Slide Number Placeholder 3"/>
+          <p:cNvSpPr>
+            <a:spLocks noGrp="1"/>
+          </p:cNvSpPr>
+          <p:nvPr>
+            <p:ph type="sldNum" sz="quarter" idx="12"/>
+          </p:nvPr>
+        </p:nvSpPr>
+        <p:spPr/>
+        <p:txBody>
+          <a:bodyPr/>
+          <a:lstStyle/>
+          <a:p>
+            <a:fld id="{2AF3B5EA-18B6-4040-9F78-6052AF49C681}" type="slidenum">
+              <a:rPr lang="en-US" smtClean="0"/>
+              <a:t>13</a:t>
+            </a:fld>
+            <a:endParaRPr lang="en-US"/>
+          </a:p>
+        </p:txBody>
+      </p:sp>
+      <p:sp>
+        <p:nvSpPr>
+          <p:cNvPr id="5" name="Right Brace 4"/>
+          <p:cNvSpPr/>
+          <p:nvPr/>
+        </p:nvSpPr>
+        <p:spPr>
+          <a:xfrm rot="16200000">
+            <a:off x="4114800" y="381000"/>
+            <a:ext cx="533400" cy="7543800"/>
+          </a:xfrm>
+          <a:prstGeom prst="rightBrace">
+            <a:avLst>
+              <a:gd name="adj1" fmla="val 8333"/>
+              <a:gd name="adj2" fmla="val 52556"/>
+            </a:avLst>
+          </a:prstGeom>
+          <a:ln w="25400">
+            <a:solidFill>
+              <a:schemeClr val="tx1"/>
+            </a:solidFill>
+            <a:headEnd type="none" w="med" len="med"/>
+            <a:tailEnd type="none" w="med" len="med"/>
+          </a:ln>
+        </p:spPr>
+        <p:style>
+          <a:lnRef idx="1">
+            <a:schemeClr val="accent1"/>
+          </a:lnRef>
+          <a:fillRef idx="0">
+            <a:schemeClr val="accent1"/>
+          </a:fillRef>
+          <a:effectRef idx="0">
+            <a:schemeClr val="accent1"/>
+          </a:effectRef>
+          <a:fontRef idx="minor">
+            <a:schemeClr val="tx1"/>
+          </a:fontRef>
+        </p:style>
+        <p:txBody>
+          <a:bodyPr rtlCol="0" anchor="ctr"/>
+          <a:lstStyle/>
+          <a:p>
+            <a:pPr algn="ctr"/>
+            <a:endParaRPr lang="en-US" dirty="0"/>
+          </a:p>
+        </p:txBody>
+      </p:sp>
+      <mc:AlternateContent xmlns:mc="http://schemas.openxmlformats.org/markup-compatibility/2006">
+        <mc:Choice xmlns:a14="http://schemas.microsoft.com/office/drawing/2010/main" Requires="a14">
+          <p:sp>
+            <p:nvSpPr>
+              <p:cNvPr id="6" name="TextBox 5"/>
+              <p:cNvSpPr txBox="1"/>
+              <p:nvPr/>
+            </p:nvSpPr>
+            <p:spPr>
+              <a:xfrm>
+                <a:off x="3962400" y="3362979"/>
+                <a:ext cx="1287275" cy="523220"/>
+              </a:xfrm>
+              <a:prstGeom prst="rect">
+                <a:avLst/>
+              </a:prstGeom>
+              <a:noFill/>
+            </p:spPr>
+            <p:txBody>
+              <a:bodyPr wrap="none" rtlCol="0">
+                <a:spAutoFit/>
+              </a:bodyPr>
+              <a:lstStyle/>
+              <a:p>
+                <a14:m>
+                  <m:oMath xmlns:m="http://schemas.openxmlformats.org/officeDocument/2006/math">
+                    <m:r>
+                      <a:rPr lang="en-US" sz="2800" i="1" dirty="0" smtClean="0">
+                        <a:latin typeface="Cambria Math" panose="02040503050406030204" pitchFamily="18" charset="0"/>
+                      </a:rPr>
+                      <m:t>𝑛</m:t>
+                    </m:r>
+                  </m:oMath>
+                </a14:m>
+                <a:r>
+                  <a:rPr lang="en-US" sz="2800" dirty="0"/>
+                  <a:t> times</a:t>
+                </a:r>
+              </a:p>
+            </p:txBody>
+          </p:sp>
+        </mc:Choice>
+        <mc:Fallback>
+          <p:sp>
+            <p:nvSpPr>
+              <p:cNvPr id="6" name="TextBox 5"/>
+              <p:cNvSpPr txBox="1">
+                <a:spLocks noRot="1" noChangeAspect="1" noMove="1" noResize="1" noEditPoints="1" noAdjustHandles="1" noChangeArrowheads="1" noChangeShapeType="1" noTextEdit="1"/>
+              </p:cNvSpPr>
+              <p:nvPr/>
+            </p:nvSpPr>
+            <p:spPr>
+              <a:xfrm>
+                <a:off x="3962400" y="3362979"/>
+                <a:ext cx="1287275" cy="523220"/>
+              </a:xfrm>
+              <a:prstGeom prst="rect">
+                <a:avLst/>
+              </a:prstGeom>
+              <a:blipFill>
+                <a:blip r:embed="rId3"/>
+                <a:stretch>
+                  <a:fillRect t="-11765" r="-8057" b="-34118"/>
+                </a:stretch>
+              </a:blipFill>
+            </p:spPr>
+            <p:txBody>
+              <a:bodyPr/>
+              <a:lstStyle/>
+              <a:p>
+                <a:r>
+                  <a:rPr lang="en-US">
+                    <a:noFill/>
+                  </a:rPr>
+                  <a:t> </a:t>
+                </a:r>
+              </a:p>
+            </p:txBody>
+          </p:sp>
+        </mc:Fallback>
+      </mc:AlternateContent>
+    </p:spTree>
+    <p:extLst>
+      <p:ext uri="{BB962C8B-B14F-4D97-AF65-F5344CB8AC3E}">
+        <p14:creationId xmlns:p14="http://schemas.microsoft.com/office/powerpoint/2010/main" val="4284431593"/>
+      </p:ext>
+    </p:extLst>
+  </p:cSld>
+  <p:clrMapOvr>
+    <a:masterClrMapping/>
+  </p:clrMapOvr>
+</p:sld>
+</file>
+
+<file path=ppt/slides/slide14.xml><?xml version="1.0" encoding="utf-8"?>
+<p:sld xmlns:a="http://schemas.openxmlformats.org/drawingml/2006/main" xmlns:r="http://schemas.openxmlformats.org/officeDocument/2006/relationships" xmlns:p="http://schemas.openxmlformats.org/presentationml/2006/main">
+  <p:cSld>
+    <p:spTree>
+      <p:nvGrpSpPr>
+        <p:cNvPr id="1" name=""/>
+        <p:cNvGrpSpPr/>
+        <p:nvPr/>
+      </p:nvGrpSpPr>
+      <p:grpSpPr>
+        <a:xfrm>
+          <a:off x="0" y="0"/>
+          <a:ext cx="0" cy="0"/>
+          <a:chOff x="0" y="0"/>
+          <a:chExt cx="0" cy="0"/>
+        </a:xfrm>
+      </p:grpSpPr>
+      <p:sp>
+        <p:nvSpPr>
+          <p:cNvPr id="2" name="Title 1"/>
+          <p:cNvSpPr>
+            <a:spLocks noGrp="1"/>
+          </p:cNvSpPr>
+          <p:nvPr>
+            <p:ph type="title"/>
+          </p:nvPr>
+        </p:nvSpPr>
+        <p:spPr/>
+        <p:txBody>
+          <a:bodyPr/>
+          <a:lstStyle/>
+          <a:p>
+            <a:r>
+              <a:rPr lang="en-US" dirty="0"/>
+              <a:t>Is this a good data definition? (3)</a:t>
+            </a:r>
+          </a:p>
+        </p:txBody>
+      </p:sp>
+      <p:sp>
+        <p:nvSpPr>
+          <p:cNvPr id="3" name="Content Placeholder 2"/>
+          <p:cNvSpPr>
+            <a:spLocks noGrp="1"/>
+          </p:cNvSpPr>
+          <p:nvPr>
+            <p:ph idx="1"/>
+          </p:nvPr>
+        </p:nvSpPr>
+        <p:spPr/>
+        <p:txBody>
+          <a:bodyPr/>
+          <a:lstStyle/>
+          <a:p>
+            <a:r>
+              <a:rPr lang="en-US" dirty="0"/>
+              <a:t>If we have a natural number </a:t>
+            </a:r>
+            <a:r>
+              <a:rPr lang="en-US" b="1" dirty="0"/>
+              <a:t>x</a:t>
+            </a:r>
+            <a:r>
+              <a:rPr lang="en-US" dirty="0"/>
+              <a:t> of the form </a:t>
+            </a:r>
+            <a:r>
+              <a:rPr lang="en-US" b="1" dirty="0"/>
+              <a:t>(add1 y)</a:t>
+            </a:r>
+            <a:r>
+              <a:rPr lang="en-US" dirty="0"/>
+              <a:t>,</a:t>
+            </a:r>
+            <a:r>
+              <a:rPr lang="en-US" b="1" dirty="0"/>
+              <a:t> </a:t>
+            </a:r>
+            <a:r>
+              <a:rPr lang="en-US" dirty="0"/>
+              <a:t>there's only one possible value of </a:t>
+            </a:r>
+            <a:r>
+              <a:rPr lang="en-US" b="1" dirty="0"/>
+              <a:t>y</a:t>
+            </a:r>
+            <a:r>
+              <a:rPr lang="en-US" dirty="0"/>
+              <a:t>.  Can we find it?</a:t>
+            </a:r>
+          </a:p>
+          <a:p>
+            <a:r>
+              <a:rPr lang="en-US" dirty="0"/>
+              <a:t>Answer:  sure.  If </a:t>
+            </a:r>
+            <a:r>
+              <a:rPr lang="en-US" b="1" dirty="0"/>
+              <a:t>x</a:t>
+            </a:r>
+            <a:r>
+              <a:rPr lang="en-US" dirty="0"/>
+              <a:t> = </a:t>
+            </a:r>
+            <a:r>
+              <a:rPr lang="en-US" b="1" dirty="0"/>
+              <a:t>(add1 y)</a:t>
+            </a:r>
+            <a:r>
+              <a:rPr lang="en-US" dirty="0"/>
+              <a:t>, then </a:t>
+            </a:r>
+            <a:r>
+              <a:rPr lang="en-US" b="1" dirty="0"/>
+              <a:t>y</a:t>
+            </a:r>
+            <a:r>
+              <a:rPr lang="en-US" dirty="0"/>
+              <a:t> = </a:t>
+            </a:r>
+            <a:r>
+              <a:rPr lang="en-US" b="1" dirty="0"/>
+              <a:t>(sub1 x)</a:t>
+            </a:r>
+            <a:r>
+              <a:rPr lang="en-US" dirty="0"/>
+              <a:t>.</a:t>
+            </a:r>
+          </a:p>
+          <a:p>
+            <a:r>
+              <a:rPr lang="en-US" dirty="0"/>
+              <a:t>So </a:t>
+            </a:r>
+            <a:r>
+              <a:rPr lang="en-US" b="1" dirty="0"/>
+              <a:t>add1</a:t>
+            </a:r>
+            <a:r>
+              <a:rPr lang="en-US" dirty="0"/>
+              <a:t> is like a constructor, and </a:t>
+            </a:r>
+            <a:r>
+              <a:rPr lang="en-US" b="1" dirty="0"/>
+              <a:t>sub1</a:t>
+            </a:r>
+            <a:r>
+              <a:rPr lang="en-US" dirty="0"/>
+              <a:t> is like an observer.</a:t>
+            </a:r>
+          </a:p>
+          <a:p>
+            <a:r>
+              <a:rPr lang="en-US" dirty="0"/>
+              <a:t>This leads us to a template:</a:t>
+            </a:r>
+          </a:p>
+          <a:p>
+            <a:endParaRPr lang="en-US" dirty="0"/>
+          </a:p>
+        </p:txBody>
+      </p:sp>
+      <p:sp>
+        <p:nvSpPr>
+          <p:cNvPr id="4" name="Slide Number Placeholder 3"/>
+          <p:cNvSpPr>
+            <a:spLocks noGrp="1"/>
+          </p:cNvSpPr>
+          <p:nvPr>
+            <p:ph type="sldNum" sz="quarter" idx="12"/>
+          </p:nvPr>
+        </p:nvSpPr>
+        <p:spPr/>
+        <p:txBody>
+          <a:bodyPr/>
+          <a:lstStyle/>
+          <a:p>
+            <a:fld id="{2AF3B5EA-18B6-4040-9F78-6052AF49C681}" type="slidenum">
+              <a:rPr lang="en-US" smtClean="0"/>
+              <a:t>14</a:t>
+            </a:fld>
+            <a:endParaRPr lang="en-US"/>
+          </a:p>
+        </p:txBody>
+      </p:sp>
+    </p:spTree>
+    <p:extLst>
+      <p:ext uri="{BB962C8B-B14F-4D97-AF65-F5344CB8AC3E}">
+        <p14:creationId xmlns:p14="http://schemas.microsoft.com/office/powerpoint/2010/main" val="1744675465"/>
+      </p:ext>
+    </p:extLst>
+  </p:cSld>
+  <p:clrMapOvr>
+    <a:masterClrMapping/>
+  </p:clrMapOvr>
+</p:sld>
+</file>
+
+<file path=ppt/slides/slide15.xml><?xml version="1.0" encoding="utf-8"?>
+<p:sld xmlns:a="http://schemas.openxmlformats.org/drawingml/2006/main" xmlns:r="http://schemas.openxmlformats.org/officeDocument/2006/relationships" xmlns:p="http://schemas.openxmlformats.org/presentationml/2006/main">
+  <p:cSld>
+    <p:spTree>
+      <p:nvGrpSpPr>
+        <p:cNvPr id="1" name=""/>
+        <p:cNvGrpSpPr/>
+        <p:nvPr/>
+      </p:nvGrpSpPr>
+      <p:grpSpPr>
+        <a:xfrm>
+          <a:off x="0" y="0"/>
+          <a:ext cx="0" cy="0"/>
+          <a:chOff x="0" y="0"/>
+          <a:chExt cx="0" cy="0"/>
+        </a:xfrm>
+      </p:grpSpPr>
+      <p:sp>
+        <p:nvSpPr>
+          <p:cNvPr id="2" name="Title 1"/>
+          <p:cNvSpPr>
+            <a:spLocks noGrp="1"/>
+          </p:cNvSpPr>
+          <p:nvPr>
+            <p:ph type="title"/>
+          </p:nvPr>
+        </p:nvSpPr>
+        <p:spPr/>
+        <p:txBody>
+          <a:bodyPr/>
+          <a:lstStyle/>
+          <a:p>
+            <a:r>
+              <a:rPr lang="en-US" dirty="0"/>
+              <a:t>Template</a:t>
+            </a:r>
+          </a:p>
+        </p:txBody>
+      </p:sp>
+      <p:sp>
+        <p:nvSpPr>
+          <p:cNvPr id="3" name="Content Placeholder 2"/>
+          <p:cNvSpPr>
+            <a:spLocks noGrp="1"/>
+          </p:cNvSpPr>
+          <p:nvPr>
+            <p:ph idx="1"/>
+          </p:nvPr>
+        </p:nvSpPr>
+        <p:spPr>
+          <a:xfrm>
+            <a:off x="457200" y="1600200"/>
+            <a:ext cx="8534400" cy="4525963"/>
+          </a:xfrm>
+        </p:spPr>
+        <p:txBody>
+          <a:bodyPr/>
+          <a:lstStyle/>
+          <a:p>
+            <a:r>
+              <a:rPr lang="en-US" dirty="0"/>
+              <a:t>;; </a:t>
+            </a:r>
+            <a:r>
+              <a:rPr lang="en-US" dirty="0" err="1"/>
+              <a:t>nat-fn</a:t>
+            </a:r>
+            <a:r>
+              <a:rPr lang="en-US" dirty="0"/>
+              <a:t> : Nat -&gt; ??</a:t>
+            </a:r>
+          </a:p>
+          <a:p>
+            <a:r>
+              <a:rPr lang="en-US" dirty="0"/>
+              <a:t>(define (</a:t>
+            </a:r>
+            <a:r>
+              <a:rPr lang="en-US" dirty="0" err="1"/>
+              <a:t>nat-fn</a:t>
+            </a:r>
+            <a:r>
+              <a:rPr lang="en-US" dirty="0"/>
+              <a:t> n)</a:t>
+            </a:r>
+          </a:p>
+          <a:p>
+            <a:r>
+              <a:rPr lang="en-US" dirty="0"/>
+              <a:t> (cond</a:t>
+            </a:r>
+          </a:p>
+          <a:p>
+            <a:r>
+              <a:rPr lang="en-US" dirty="0"/>
+              <a:t>  [(zero? n) ...]</a:t>
+            </a:r>
+          </a:p>
+          <a:p>
+            <a:r>
+              <a:rPr lang="en-US" dirty="0"/>
+              <a:t>  [else (... n (</a:t>
+            </a:r>
+            <a:r>
+              <a:rPr lang="en-US" dirty="0" err="1"/>
+              <a:t>nat-fn</a:t>
+            </a:r>
+            <a:r>
+              <a:rPr lang="en-US" dirty="0"/>
+              <a:t> (sub1 n)))]))</a:t>
+            </a:r>
+          </a:p>
+          <a:p>
+            <a:endParaRPr lang="en-US" dirty="0"/>
+          </a:p>
+        </p:txBody>
+      </p:sp>
+      <p:sp>
+        <p:nvSpPr>
+          <p:cNvPr id="4" name="Slide Number Placeholder 3"/>
+          <p:cNvSpPr>
+            <a:spLocks noGrp="1"/>
+          </p:cNvSpPr>
+          <p:nvPr>
+            <p:ph type="sldNum" sz="quarter" idx="12"/>
+          </p:nvPr>
+        </p:nvSpPr>
+        <p:spPr/>
+        <p:txBody>
+          <a:bodyPr/>
+          <a:lstStyle/>
+          <a:p>
+            <a:fld id="{2AF3B5EA-18B6-4040-9F78-6052AF49C681}" type="slidenum">
+              <a:rPr lang="en-US" smtClean="0"/>
+              <a:t>15</a:t>
+            </a:fld>
+            <a:endParaRPr lang="en-US"/>
+          </a:p>
+        </p:txBody>
+      </p:sp>
+    </p:spTree>
+    <p:extLst>
+      <p:ext uri="{BB962C8B-B14F-4D97-AF65-F5344CB8AC3E}">
+        <p14:creationId xmlns:p14="http://schemas.microsoft.com/office/powerpoint/2010/main" val="1198676815"/>
+      </p:ext>
+    </p:extLst>
+  </p:cSld>
+  <p:clrMapOvr>
+    <a:masterClrMapping/>
+  </p:clrMapOvr>
+</p:sld>
+</file>
+
+<file path=ppt/slides/slide16.xml><?xml version="1.0" encoding="utf-8"?>
+<p:sld xmlns:a="http://schemas.openxmlformats.org/drawingml/2006/main" xmlns:r="http://schemas.openxmlformats.org/officeDocument/2006/relationships" xmlns:p="http://schemas.openxmlformats.org/presentationml/2006/main">
+  <p:cSld>
+    <p:spTree>
+      <p:nvGrpSpPr>
+        <p:cNvPr id="1" name=""/>
+        <p:cNvGrpSpPr/>
+        <p:nvPr/>
+      </p:nvGrpSpPr>
+      <p:grpSpPr>
+        <a:xfrm>
+          <a:off x="0" y="0"/>
+          <a:ext cx="0" cy="0"/>
+          <a:chOff x="0" y="0"/>
+          <a:chExt cx="0" cy="0"/>
+        </a:xfrm>
+      </p:grpSpPr>
+      <p:sp>
+        <p:nvSpPr>
+          <p:cNvPr id="2" name="Title 1"/>
+          <p:cNvSpPr>
+            <a:spLocks noGrp="1"/>
+          </p:cNvSpPr>
+          <p:nvPr>
+            <p:ph type="title"/>
+          </p:nvPr>
+        </p:nvSpPr>
+        <p:spPr/>
+        <p:txBody>
+          <a:bodyPr/>
+          <a:lstStyle/>
+          <a:p>
+            <a:r>
+              <a:rPr lang="en-US" b="1" dirty="0"/>
+              <a:t>double</a:t>
+            </a:r>
+          </a:p>
+        </p:txBody>
+      </p:sp>
+      <p:sp>
+        <p:nvSpPr>
+          <p:cNvPr id="3" name="Content Placeholder 2"/>
+          <p:cNvSpPr>
+            <a:spLocks noGrp="1"/>
+          </p:cNvSpPr>
+          <p:nvPr>
+            <p:ph idx="1"/>
+          </p:nvPr>
+        </p:nvSpPr>
+        <p:spPr>
+          <a:xfrm>
+            <a:off x="457200" y="1600200"/>
+            <a:ext cx="8534400" cy="4525963"/>
+          </a:xfrm>
+        </p:spPr>
+        <p:txBody>
+          <a:bodyPr>
+            <a:normAutofit/>
+          </a:bodyPr>
+          <a:lstStyle/>
+          <a:p>
+            <a:r>
+              <a:rPr lang="en-US" dirty="0"/>
+              <a:t>;; double : Nat -&gt; Nat</a:t>
+            </a:r>
+          </a:p>
+          <a:p>
+            <a:r>
+              <a:rPr lang="en-US" dirty="0"/>
+              <a:t>;; strategy: use template for</a:t>
+            </a:r>
+          </a:p>
+          <a:p>
+            <a:r>
+              <a:rPr lang="en-US" dirty="0"/>
+              <a:t>;;   Nat on n</a:t>
+            </a:r>
+          </a:p>
+          <a:p>
+            <a:r>
+              <a:rPr lang="en-US" dirty="0"/>
+              <a:t>(define (double n)</a:t>
+            </a:r>
+          </a:p>
+          <a:p>
+            <a:r>
+              <a:rPr lang="en-US" dirty="0"/>
+              <a:t>  (cond</a:t>
+            </a:r>
+          </a:p>
+          <a:p>
+            <a:r>
+              <a:rPr lang="en-US" dirty="0"/>
+              <a:t>    [(zero? n) 0]</a:t>
+            </a:r>
+          </a:p>
+          <a:p>
+            <a:r>
+              <a:rPr lang="en-US" dirty="0"/>
+              <a:t>    [else (+ 2 (double (sub1 n)))]))</a:t>
+            </a:r>
+          </a:p>
+        </p:txBody>
+      </p:sp>
+      <p:sp>
+        <p:nvSpPr>
+          <p:cNvPr id="4" name="Slide Number Placeholder 3"/>
+          <p:cNvSpPr>
+            <a:spLocks noGrp="1"/>
+          </p:cNvSpPr>
+          <p:nvPr>
+            <p:ph type="sldNum" sz="quarter" idx="12"/>
+          </p:nvPr>
+        </p:nvSpPr>
+        <p:spPr/>
+        <p:txBody>
+          <a:bodyPr/>
+          <a:lstStyle/>
+          <a:p>
+            <a:fld id="{2AF3B5EA-18B6-4040-9F78-6052AF49C681}" type="slidenum">
+              <a:rPr lang="en-US" smtClean="0"/>
+              <a:t>16</a:t>
+            </a:fld>
+            <a:endParaRPr lang="en-US"/>
+          </a:p>
+        </p:txBody>
+      </p:sp>
+    </p:spTree>
+    <p:extLst>
+      <p:ext uri="{BB962C8B-B14F-4D97-AF65-F5344CB8AC3E}">
+        <p14:creationId xmlns:p14="http://schemas.microsoft.com/office/powerpoint/2010/main" val="921509194"/>
+      </p:ext>
+    </p:extLst>
+  </p:cSld>
+  <p:clrMapOvr>
+    <a:masterClrMapping/>
+  </p:clrMapOvr>
+</p:sld>
+</file>
+
+<file path=ppt/slides/slide17.xml><?xml version="1.0" encoding="utf-8"?>
+<p:sld xmlns:a="http://schemas.openxmlformats.org/drawingml/2006/main" xmlns:r="http://schemas.openxmlformats.org/officeDocument/2006/relationships" xmlns:p="http://schemas.openxmlformats.org/presentationml/2006/main">
+  <p:cSld>
+    <p:spTree>
+      <p:nvGrpSpPr>
+        <p:cNvPr id="1" name=""/>
+        <p:cNvGrpSpPr/>
+        <p:nvPr/>
+      </p:nvGrpSpPr>
+      <p:grpSpPr>
+        <a:xfrm>
+          <a:off x="0" y="0"/>
+          <a:ext cx="0" cy="0"/>
+          <a:chOff x="0" y="0"/>
+          <a:chExt cx="0" cy="0"/>
+        </a:xfrm>
+      </p:grpSpPr>
+      <p:sp>
+        <p:nvSpPr>
+          <p:cNvPr id="2" name="Title 1"/>
+          <p:cNvSpPr>
+            <a:spLocks noGrp="1"/>
+          </p:cNvSpPr>
+          <p:nvPr>
+            <p:ph type="title"/>
+          </p:nvPr>
+        </p:nvSpPr>
+        <p:spPr/>
+        <p:txBody>
+          <a:bodyPr/>
+          <a:lstStyle/>
+          <a:p>
+            <a:r>
+              <a:rPr lang="en-US" b="1" dirty="0"/>
+              <a:t>sum</a:t>
+            </a:r>
+          </a:p>
+        </p:txBody>
+      </p:sp>
+      <p:sp>
+        <p:nvSpPr>
+          <p:cNvPr id="3" name="Content Placeholder 2"/>
+          <p:cNvSpPr>
+            <a:spLocks noGrp="1"/>
+          </p:cNvSpPr>
+          <p:nvPr>
+            <p:ph idx="1"/>
+          </p:nvPr>
+        </p:nvSpPr>
+        <p:spPr/>
+        <p:txBody>
+          <a:bodyPr>
+            <a:normAutofit/>
+          </a:bodyPr>
+          <a:lstStyle/>
+          <a:p>
+            <a:r>
+              <a:rPr lang="en-US" dirty="0"/>
+              <a:t>;; sum : Nat </a:t>
+            </a:r>
+            <a:r>
+              <a:rPr lang="en-US" dirty="0" err="1"/>
+              <a:t>Nat</a:t>
+            </a:r>
+            <a:r>
+              <a:rPr lang="en-US" dirty="0"/>
+              <a:t> -&gt; Nat</a:t>
+            </a:r>
+          </a:p>
+          <a:p>
+            <a:r>
+              <a:rPr lang="en-US" dirty="0"/>
+              <a:t>;; strategy: use template for</a:t>
+            </a:r>
+          </a:p>
+          <a:p>
+            <a:r>
+              <a:rPr lang="en-US" dirty="0"/>
+              <a:t>;;   Nat on x</a:t>
+            </a:r>
+          </a:p>
+          <a:p>
+            <a:r>
+              <a:rPr lang="en-US" dirty="0"/>
+              <a:t>(define (sum x y)</a:t>
+            </a:r>
+          </a:p>
+          <a:p>
+            <a:r>
+              <a:rPr lang="en-US" dirty="0"/>
+              <a:t> (cond</a:t>
+            </a:r>
+          </a:p>
+          <a:p>
+            <a:r>
+              <a:rPr lang="en-US" dirty="0"/>
+              <a:t>   [(zero? x) y]</a:t>
+            </a:r>
+          </a:p>
+          <a:p>
+            <a:r>
+              <a:rPr lang="en-US" dirty="0"/>
+              <a:t>   [else (add1 (sum (sub1 x) y))]))</a:t>
+            </a:r>
+          </a:p>
+        </p:txBody>
+      </p:sp>
+      <p:sp>
+        <p:nvSpPr>
+          <p:cNvPr id="4" name="Slide Number Placeholder 3"/>
+          <p:cNvSpPr>
+            <a:spLocks noGrp="1"/>
+          </p:cNvSpPr>
+          <p:nvPr>
+            <p:ph type="sldNum" sz="quarter" idx="12"/>
+          </p:nvPr>
+        </p:nvSpPr>
+        <p:spPr/>
+        <p:txBody>
+          <a:bodyPr/>
+          <a:lstStyle/>
+          <a:p>
+            <a:fld id="{2AF3B5EA-18B6-4040-9F78-6052AF49C681}" type="slidenum">
+              <a:rPr lang="en-US" smtClean="0"/>
+              <a:t>17</a:t>
+            </a:fld>
+            <a:endParaRPr lang="en-US"/>
+          </a:p>
+        </p:txBody>
+      </p:sp>
+    </p:spTree>
+    <p:extLst>
+      <p:ext uri="{BB962C8B-B14F-4D97-AF65-F5344CB8AC3E}">
+        <p14:creationId xmlns:p14="http://schemas.microsoft.com/office/powerpoint/2010/main" val="482102373"/>
+      </p:ext>
+    </p:extLst>
+  </p:cSld>
+  <p:clrMapOvr>
+    <a:masterClrMapping/>
+  </p:clrMapOvr>
+</p:sld>
+</file>
+
+<file path=ppt/slides/slide18.xml><?xml version="1.0" encoding="utf-8"?>
+<p:sld xmlns:a="http://schemas.openxmlformats.org/drawingml/2006/main" xmlns:r="http://schemas.openxmlformats.org/officeDocument/2006/relationships" xmlns:p="http://schemas.openxmlformats.org/presentationml/2006/main">
+  <p:cSld>
+    <p:spTree>
+      <p:nvGrpSpPr>
+        <p:cNvPr id="1" name=""/>
+        <p:cNvGrpSpPr/>
+        <p:nvPr/>
+      </p:nvGrpSpPr>
+      <p:grpSpPr>
+        <a:xfrm>
+          <a:off x="0" y="0"/>
+          <a:ext cx="0" cy="0"/>
+          <a:chOff x="0" y="0"/>
+          <a:chExt cx="0" cy="0"/>
+        </a:xfrm>
+      </p:grpSpPr>
+      <p:sp>
+        <p:nvSpPr>
+          <p:cNvPr id="2" name="Title 1"/>
+          <p:cNvSpPr>
+            <a:spLocks noGrp="1"/>
+          </p:cNvSpPr>
+          <p:nvPr>
+            <p:ph type="title"/>
+          </p:nvPr>
+        </p:nvSpPr>
+        <p:spPr/>
+        <p:txBody>
+          <a:bodyPr/>
+          <a:lstStyle/>
+          <a:p>
+            <a:r>
+              <a:rPr lang="en-US" dirty="0"/>
+              <a:t>Example</a:t>
+            </a:r>
+          </a:p>
+        </p:txBody>
+      </p:sp>
+      <p:sp>
+        <p:nvSpPr>
+          <p:cNvPr id="3" name="Content Placeholder 2"/>
+          <p:cNvSpPr>
+            <a:spLocks noGrp="1"/>
+          </p:cNvSpPr>
+          <p:nvPr>
+            <p:ph idx="1"/>
+          </p:nvPr>
+        </p:nvSpPr>
+        <p:spPr/>
+        <p:txBody>
+          <a:bodyPr/>
+          <a:lstStyle/>
+          <a:p>
+            <a:r>
+              <a:rPr lang="en-US" dirty="0"/>
+              <a:t>(</a:t>
+            </a:r>
+            <a:r>
+              <a:rPr lang="en-US" dirty="0">
+                <a:solidFill>
+                  <a:srgbClr val="FF0000"/>
+                </a:solidFill>
+              </a:rPr>
+              <a:t>sum</a:t>
+            </a:r>
+            <a:r>
+              <a:rPr lang="en-US" dirty="0"/>
+              <a:t> 3 2)</a:t>
+            </a:r>
+          </a:p>
+          <a:p>
+            <a:r>
+              <a:rPr lang="en-US" dirty="0"/>
+              <a:t>= (add1 (</a:t>
+            </a:r>
+            <a:r>
+              <a:rPr lang="en-US" dirty="0">
+                <a:solidFill>
+                  <a:srgbClr val="FF0000"/>
+                </a:solidFill>
+              </a:rPr>
+              <a:t>sum</a:t>
+            </a:r>
+            <a:r>
+              <a:rPr lang="en-US" dirty="0"/>
+              <a:t> 2 2))</a:t>
+            </a:r>
+          </a:p>
+          <a:p>
+            <a:r>
+              <a:rPr lang="en-US" dirty="0"/>
+              <a:t>= (add1 (add1 (</a:t>
+            </a:r>
+            <a:r>
+              <a:rPr lang="en-US" dirty="0">
+                <a:solidFill>
+                  <a:srgbClr val="FF0000"/>
+                </a:solidFill>
+              </a:rPr>
+              <a:t>sum</a:t>
+            </a:r>
+            <a:r>
+              <a:rPr lang="en-US" dirty="0"/>
+              <a:t> 1 2)))</a:t>
+            </a:r>
+          </a:p>
+          <a:p>
+            <a:r>
+              <a:rPr lang="en-US" dirty="0"/>
+              <a:t>= (add1 (add1 (add1 (</a:t>
+            </a:r>
+            <a:r>
+              <a:rPr lang="en-US" dirty="0">
+                <a:solidFill>
+                  <a:srgbClr val="FF0000"/>
+                </a:solidFill>
+              </a:rPr>
+              <a:t>sum</a:t>
+            </a:r>
+            <a:r>
+              <a:rPr lang="en-US" dirty="0"/>
+              <a:t> 0 2))))</a:t>
+            </a:r>
+          </a:p>
+          <a:p>
+            <a:r>
+              <a:rPr lang="en-US" dirty="0"/>
+              <a:t>= (add1 (add1 (add1 2)))</a:t>
+            </a:r>
+          </a:p>
+          <a:p>
+            <a:r>
+              <a:rPr lang="en-US" dirty="0"/>
+              <a:t>= 5</a:t>
+            </a:r>
+          </a:p>
+        </p:txBody>
+      </p:sp>
+      <p:sp>
+        <p:nvSpPr>
+          <p:cNvPr id="4" name="Slide Number Placeholder 3"/>
+          <p:cNvSpPr>
+            <a:spLocks noGrp="1"/>
+          </p:cNvSpPr>
+          <p:nvPr>
+            <p:ph type="sldNum" sz="quarter" idx="12"/>
+          </p:nvPr>
+        </p:nvSpPr>
+        <p:spPr/>
+        <p:txBody>
+          <a:bodyPr/>
+          <a:lstStyle/>
+          <a:p>
+            <a:fld id="{2AF3B5EA-18B6-4040-9F78-6052AF49C681}" type="slidenum">
+              <a:rPr lang="en-US" smtClean="0"/>
+              <a:t>18</a:t>
+            </a:fld>
+            <a:endParaRPr lang="en-US"/>
+          </a:p>
+        </p:txBody>
+      </p:sp>
+    </p:spTree>
+    <p:extLst>
+      <p:ext uri="{BB962C8B-B14F-4D97-AF65-F5344CB8AC3E}">
+        <p14:creationId xmlns:p14="http://schemas.microsoft.com/office/powerpoint/2010/main" val="1465050915"/>
+      </p:ext>
+    </p:extLst>
+  </p:cSld>
+  <p:clrMapOvr>
+    <a:masterClrMapping/>
+  </p:clrMapOvr>
+</p:sld>
+</file>
+
+<file path=ppt/slides/slide19.xml><?xml version="1.0" encoding="utf-8"?>
+<p:sld xmlns:a="http://schemas.openxmlformats.org/drawingml/2006/main" xmlns:r="http://schemas.openxmlformats.org/officeDocument/2006/relationships" xmlns:p="http://schemas.openxmlformats.org/presentationml/2006/main">
+  <p:cSld>
+    <p:spTree>
+      <p:nvGrpSpPr>
+        <p:cNvPr id="1" name=""/>
+        <p:cNvGrpSpPr/>
+        <p:nvPr/>
+      </p:nvGrpSpPr>
+      <p:grpSpPr>
+        <a:xfrm>
+          <a:off x="0" y="0"/>
+          <a:ext cx="0" cy="0"/>
+          <a:chOff x="0" y="0"/>
+          <a:chExt cx="0" cy="0"/>
+        </a:xfrm>
+      </p:grpSpPr>
+      <p:sp>
+        <p:nvSpPr>
+          <p:cNvPr id="2" name="Title 1"/>
+          <p:cNvSpPr>
+            <a:spLocks noGrp="1"/>
+          </p:cNvSpPr>
+          <p:nvPr>
+            <p:ph type="title"/>
+          </p:nvPr>
+        </p:nvSpPr>
+        <p:spPr/>
+        <p:txBody>
+          <a:bodyPr/>
+          <a:lstStyle/>
+          <a:p>
+            <a:r>
+              <a:rPr lang="en-US" dirty="0"/>
+              <a:t>product</a:t>
+            </a:r>
+          </a:p>
+        </p:txBody>
+      </p:sp>
+      <p:sp>
+        <p:nvSpPr>
+          <p:cNvPr id="3" name="Content Placeholder 2"/>
+          <p:cNvSpPr>
+            <a:spLocks noGrp="1"/>
+          </p:cNvSpPr>
+          <p:nvPr>
+            <p:ph idx="1"/>
+          </p:nvPr>
+        </p:nvSpPr>
+        <p:spPr/>
+        <p:txBody>
+          <a:bodyPr>
+            <a:normAutofit lnSpcReduction="10000"/>
+          </a:bodyPr>
+          <a:lstStyle/>
+          <a:p>
+            <a:r>
+              <a:rPr lang="en-US" dirty="0"/>
+              <a:t>;; prod : Nat </a:t>
+            </a:r>
+            <a:r>
+              <a:rPr lang="en-US" dirty="0" err="1"/>
+              <a:t>Nat</a:t>
+            </a:r>
+            <a:r>
+              <a:rPr lang="en-US" dirty="0"/>
+              <a:t> -&gt; Nat</a:t>
+            </a:r>
+          </a:p>
+          <a:p>
+            <a:r>
+              <a:rPr lang="en-US" dirty="0"/>
+              <a:t>;; strategy: use template for </a:t>
+            </a:r>
+          </a:p>
+          <a:p>
+            <a:r>
+              <a:rPr lang="en-US" dirty="0"/>
+              <a:t>;; Nat on y</a:t>
+            </a:r>
+          </a:p>
+          <a:p>
+            <a:r>
+              <a:rPr lang="en-US" dirty="0"/>
+              <a:t>(define (prod x y)</a:t>
+            </a:r>
+          </a:p>
+          <a:p>
+            <a:r>
+              <a:rPr lang="en-US" dirty="0"/>
+              <a:t>  (cond</a:t>
+            </a:r>
+          </a:p>
+          <a:p>
+            <a:r>
+              <a:rPr lang="en-US" dirty="0"/>
+              <a:t>    [(zero? y) 0]</a:t>
+            </a:r>
+          </a:p>
+          <a:p>
+            <a:r>
+              <a:rPr lang="en-US" dirty="0"/>
+              <a:t>    [else </a:t>
+            </a:r>
+          </a:p>
+          <a:p>
+            <a:r>
+              <a:rPr lang="en-US" dirty="0"/>
+              <a:t>      (sum x (prod x (sub1 y)))]))</a:t>
+            </a:r>
+          </a:p>
+        </p:txBody>
+      </p:sp>
+      <p:sp>
+        <p:nvSpPr>
+          <p:cNvPr id="4" name="Slide Number Placeholder 3"/>
+          <p:cNvSpPr>
+            <a:spLocks noGrp="1"/>
+          </p:cNvSpPr>
+          <p:nvPr>
+            <p:ph type="sldNum" sz="quarter" idx="12"/>
+          </p:nvPr>
+        </p:nvSpPr>
+        <p:spPr/>
+        <p:txBody>
+          <a:bodyPr/>
+          <a:lstStyle/>
+          <a:p>
+            <a:fld id="{2AF3B5EA-18B6-4040-9F78-6052AF49C681}" type="slidenum">
+              <a:rPr lang="en-US" smtClean="0"/>
+              <a:t>19</a:t>
+            </a:fld>
+            <a:endParaRPr lang="en-US"/>
+          </a:p>
+        </p:txBody>
+      </p:sp>
+    </p:spTree>
+    <p:extLst>
+      <p:ext uri="{BB962C8B-B14F-4D97-AF65-F5344CB8AC3E}">
+        <p14:creationId xmlns:p14="http://schemas.microsoft.com/office/powerpoint/2010/main" val="3276743293"/>
+      </p:ext>
+    </p:extLst>
+  </p:cSld>
+  <p:clrMapOvr>
+    <a:masterClrMapping/>
+  </p:clrMapOvr>
+</p:sld>
+</file>
+
+<file path=ppt/slides/slide2.xml><?xml version="1.0" encoding="utf-8"?>
+<p:sld xmlns:a="http://schemas.openxmlformats.org/drawingml/2006/main" xmlns:r="http://schemas.openxmlformats.org/officeDocument/2006/relationships" xmlns:p="http://schemas.openxmlformats.org/presentationml/2006/main">
+  <p:cSld>
+    <p:spTree>
+      <p:nvGrpSpPr>
+        <p:cNvPr id="1" name=""/>
+        <p:cNvGrpSpPr/>
+        <p:nvPr/>
+      </p:nvGrpSpPr>
+      <p:grpSpPr>
+        <a:xfrm>
+          <a:off x="0" y="0"/>
+          <a:ext cx="0" cy="0"/>
+          <a:chOff x="0" y="0"/>
+          <a:chExt cx="0" cy="0"/>
+        </a:xfrm>
+      </p:grpSpPr>
+      <p:sp>
+        <p:nvSpPr>
+          <p:cNvPr id="2" name="Title 1"/>
+          <p:cNvSpPr>
+            <a:spLocks noGrp="1"/>
+          </p:cNvSpPr>
+          <p:nvPr>
+            <p:ph type="title"/>
+          </p:nvPr>
+        </p:nvSpPr>
+        <p:spPr/>
+        <p:txBody>
+          <a:bodyPr/>
+          <a:lstStyle/>
+          <a:p>
+            <a:r>
+              <a:rPr lang="en-US" dirty="0"/>
+              <a:t>Introduction</a:t>
+            </a:r>
+          </a:p>
+        </p:txBody>
+      </p:sp>
+      <p:sp>
+        <p:nvSpPr>
+          <p:cNvPr id="3" name="Content Placeholder 2"/>
+          <p:cNvSpPr>
+            <a:spLocks noGrp="1"/>
+          </p:cNvSpPr>
+          <p:nvPr>
+            <p:ph idx="1"/>
+          </p:nvPr>
+        </p:nvSpPr>
+        <p:spPr/>
+        <p:txBody>
+          <a:bodyPr>
+            <a:normAutofit/>
+          </a:bodyPr>
+          <a:lstStyle/>
+          <a:p>
+            <a:r>
+              <a:rPr lang="en-US" dirty="0"/>
+              <a:t>There are other recursive data types besides lists</a:t>
+            </a:r>
+          </a:p>
+          <a:p>
+            <a:r>
+              <a:rPr lang="en-US" dirty="0"/>
+              <a:t>Programming with these is no different:</a:t>
+            </a:r>
+          </a:p>
+          <a:p>
+            <a:pPr lvl="1"/>
+            <a:r>
+              <a:rPr lang="en-US" dirty="0"/>
+              <a:t>write down the data definition, including interpretation and template</a:t>
+            </a:r>
+          </a:p>
+          <a:p>
+            <a:pPr lvl="1"/>
+            <a:r>
+              <a:rPr lang="en-US" dirty="0"/>
+              <a:t>Follow the Recipe!</a:t>
+            </a:r>
+          </a:p>
+        </p:txBody>
+      </p:sp>
+      <p:sp>
+        <p:nvSpPr>
+          <p:cNvPr id="4" name="Slide Number Placeholder 3"/>
+          <p:cNvSpPr>
+            <a:spLocks noGrp="1"/>
+          </p:cNvSpPr>
+          <p:nvPr>
+            <p:ph type="sldNum" sz="quarter" idx="12"/>
+          </p:nvPr>
+        </p:nvSpPr>
+        <p:spPr/>
+        <p:txBody>
+          <a:bodyPr/>
+          <a:lstStyle/>
+          <a:p>
+            <a:fld id="{9F4492BD-6A9C-48FC-AC76-0B4FE11194A1}" type="slidenum">
+              <a:rPr lang="en-US" smtClean="0"/>
+              <a:pPr/>
+              <a:t>2</a:t>
+            </a:fld>
+            <a:endParaRPr lang="en-US"/>
+          </a:p>
+        </p:txBody>
+      </p:sp>
+    </p:spTree>
+    <p:extLst>
+      <p:ext uri="{BB962C8B-B14F-4D97-AF65-F5344CB8AC3E}">
+        <p14:creationId xmlns:p14="http://schemas.microsoft.com/office/powerpoint/2010/main" val="2509334978"/>
+      </p:ext>
+    </p:extLst>
+  </p:cSld>
+  <p:clrMapOvr>
+    <a:masterClrMapping/>
+  </p:clrMapOvr>
+</p:sld>
+</file>
+
+<file path=ppt/slides/slide20.xml><?xml version="1.0" encoding="utf-8"?>
+<p:sld xmlns:a="http://schemas.openxmlformats.org/drawingml/2006/main" xmlns:r="http://schemas.openxmlformats.org/officeDocument/2006/relationships" xmlns:p="http://schemas.openxmlformats.org/presentationml/2006/main">
+  <p:cSld>
+    <p:spTree>
+      <p:nvGrpSpPr>
+        <p:cNvPr id="1" name=""/>
+        <p:cNvGrpSpPr/>
+        <p:nvPr/>
+      </p:nvGrpSpPr>
+      <p:grpSpPr>
+        <a:xfrm>
+          <a:off x="0" y="0"/>
+          <a:ext cx="0" cy="0"/>
+          <a:chOff x="0" y="0"/>
+          <a:chExt cx="0" cy="0"/>
+        </a:xfrm>
+      </p:grpSpPr>
+      <p:sp>
+        <p:nvSpPr>
+          <p:cNvPr id="2" name="Title 1"/>
+          <p:cNvSpPr>
+            <a:spLocks noGrp="1"/>
+          </p:cNvSpPr>
+          <p:nvPr>
+            <p:ph type="title"/>
+          </p:nvPr>
+        </p:nvSpPr>
+        <p:spPr/>
+        <p:txBody>
+          <a:bodyPr/>
+          <a:lstStyle/>
+          <a:p>
+            <a:r>
+              <a:rPr lang="en-US" dirty="0"/>
+              <a:t>Example</a:t>
+            </a:r>
+          </a:p>
+        </p:txBody>
+      </p:sp>
+      <p:sp>
+        <p:nvSpPr>
+          <p:cNvPr id="3" name="Content Placeholder 2"/>
+          <p:cNvSpPr>
+            <a:spLocks noGrp="1"/>
+          </p:cNvSpPr>
+          <p:nvPr>
+            <p:ph idx="1"/>
+          </p:nvPr>
+        </p:nvSpPr>
+        <p:spPr>
+          <a:xfrm>
+            <a:off x="457200" y="1600200"/>
+            <a:ext cx="8534400" cy="4525963"/>
+          </a:xfrm>
+        </p:spPr>
+        <p:txBody>
+          <a:bodyPr/>
+          <a:lstStyle/>
+          <a:p>
+            <a:r>
+              <a:rPr lang="en-US" dirty="0"/>
+              <a:t>(</a:t>
+            </a:r>
+            <a:r>
+              <a:rPr lang="en-US" dirty="0">
+                <a:solidFill>
+                  <a:srgbClr val="FF0000"/>
+                </a:solidFill>
+              </a:rPr>
+              <a:t>prod</a:t>
+            </a:r>
+            <a:r>
+              <a:rPr lang="en-US" dirty="0"/>
+              <a:t> 2 3)</a:t>
+            </a:r>
+          </a:p>
+          <a:p>
+            <a:r>
+              <a:rPr lang="en-US" dirty="0"/>
+              <a:t>= (sum 2 (</a:t>
+            </a:r>
+            <a:r>
+              <a:rPr lang="en-US" dirty="0">
+                <a:solidFill>
+                  <a:srgbClr val="FF0000"/>
+                </a:solidFill>
+              </a:rPr>
+              <a:t>prod</a:t>
+            </a:r>
+            <a:r>
+              <a:rPr lang="en-US" dirty="0"/>
+              <a:t> 2 2))</a:t>
+            </a:r>
+          </a:p>
+          <a:p>
+            <a:r>
+              <a:rPr lang="en-US" dirty="0"/>
+              <a:t>= (sum 2 (sum 2 (</a:t>
+            </a:r>
+            <a:r>
+              <a:rPr lang="en-US" dirty="0">
+                <a:solidFill>
+                  <a:srgbClr val="FF0000"/>
+                </a:solidFill>
+              </a:rPr>
+              <a:t>prod</a:t>
+            </a:r>
+            <a:r>
+              <a:rPr lang="en-US" dirty="0"/>
+              <a:t> 2 1)))</a:t>
+            </a:r>
+          </a:p>
+          <a:p>
+            <a:r>
+              <a:rPr lang="en-US" dirty="0"/>
+              <a:t>= (sum 2 (sum 2 (sum 2 (</a:t>
+            </a:r>
+            <a:r>
+              <a:rPr lang="en-US" dirty="0">
+                <a:solidFill>
+                  <a:srgbClr val="FF0000"/>
+                </a:solidFill>
+              </a:rPr>
+              <a:t>prod </a:t>
+            </a:r>
+            <a:r>
+              <a:rPr lang="en-US" dirty="0"/>
+              <a:t>2 0))))</a:t>
+            </a:r>
+          </a:p>
+          <a:p>
+            <a:r>
+              <a:rPr lang="en-US" dirty="0"/>
+              <a:t>= (+ 2 (+ 2 (+ 2 0)))</a:t>
+            </a:r>
+          </a:p>
+          <a:p>
+            <a:r>
+              <a:rPr lang="en-US" dirty="0"/>
+              <a:t>= 6</a:t>
+            </a:r>
+          </a:p>
+        </p:txBody>
+      </p:sp>
+      <p:sp>
+        <p:nvSpPr>
+          <p:cNvPr id="4" name="Slide Number Placeholder 3"/>
+          <p:cNvSpPr>
+            <a:spLocks noGrp="1"/>
+          </p:cNvSpPr>
+          <p:nvPr>
+            <p:ph type="sldNum" sz="quarter" idx="12"/>
+          </p:nvPr>
+        </p:nvSpPr>
+        <p:spPr/>
+        <p:txBody>
+          <a:bodyPr/>
+          <a:lstStyle/>
+          <a:p>
+            <a:fld id="{2AF3B5EA-18B6-4040-9F78-6052AF49C681}" type="slidenum">
+              <a:rPr lang="en-US" smtClean="0"/>
+              <a:t>20</a:t>
+            </a:fld>
+            <a:endParaRPr lang="en-US"/>
+          </a:p>
+        </p:txBody>
+      </p:sp>
+    </p:spTree>
+    <p:extLst>
+      <p:ext uri="{BB962C8B-B14F-4D97-AF65-F5344CB8AC3E}">
+        <p14:creationId xmlns:p14="http://schemas.microsoft.com/office/powerpoint/2010/main" val="1019550017"/>
+      </p:ext>
+    </p:extLst>
+  </p:cSld>
+  <p:clrMapOvr>
+    <a:masterClrMapping/>
+  </p:clrMapOvr>
+</p:sld>
+</file>
+
+<file path=ppt/slides/slide21.xml><?xml version="1.0" encoding="utf-8"?>
+<p:sld xmlns:a="http://schemas.openxmlformats.org/drawingml/2006/main" xmlns:r="http://schemas.openxmlformats.org/officeDocument/2006/relationships" xmlns:p="http://schemas.openxmlformats.org/presentationml/2006/main">
+  <p:cSld>
+    <p:spTree>
+      <p:nvGrpSpPr>
+        <p:cNvPr id="1" name=""/>
+        <p:cNvGrpSpPr/>
+        <p:nvPr/>
+      </p:nvGrpSpPr>
+      <p:grpSpPr>
+        <a:xfrm>
+          <a:off x="0" y="0"/>
+          <a:ext cx="0" cy="0"/>
+          <a:chOff x="0" y="0"/>
+          <a:chExt cx="0" cy="0"/>
+        </a:xfrm>
+      </p:grpSpPr>
+      <p:sp>
+        <p:nvSpPr>
+          <p:cNvPr id="2" name="Title 1"/>
+          <p:cNvSpPr>
+            <a:spLocks noGrp="1"/>
+          </p:cNvSpPr>
+          <p:nvPr>
+            <p:ph type="title"/>
+          </p:nvPr>
+        </p:nvSpPr>
+        <p:spPr/>
+        <p:txBody>
+          <a:bodyPr/>
+          <a:lstStyle/>
+          <a:p>
+            <a:r>
+              <a:rPr lang="en-US" dirty="0"/>
+              <a:t>Summary</a:t>
+            </a:r>
+          </a:p>
+        </p:txBody>
+      </p:sp>
+      <p:sp>
+        <p:nvSpPr>
+          <p:cNvPr id="3" name="Content Placeholder 2"/>
+          <p:cNvSpPr>
+            <a:spLocks noGrp="1"/>
+          </p:cNvSpPr>
+          <p:nvPr>
+            <p:ph idx="1"/>
+          </p:nvPr>
+        </p:nvSpPr>
+        <p:spPr/>
+        <p:txBody>
+          <a:bodyPr/>
+          <a:lstStyle/>
+          <a:p>
+            <a:r>
+              <a:rPr lang="en-US" dirty="0"/>
+              <a:t>At the end of this lesson you should be able to:</a:t>
+            </a:r>
+          </a:p>
+          <a:p>
+            <a:pPr lvl="1"/>
+            <a:r>
+              <a:rPr lang="en-US" dirty="0"/>
+              <a:t>write down the definition for non-negative integers as a data type</a:t>
+            </a:r>
+          </a:p>
+          <a:p>
+            <a:pPr lvl="1"/>
+            <a:r>
+              <a:rPr lang="en-US" dirty="0"/>
+              <a:t>use the template to write simple functions on the non-negative integers and other simple recursive data types.</a:t>
+            </a:r>
+          </a:p>
+          <a:p>
+            <a:r>
+              <a:rPr lang="en-US" dirty="0"/>
+              <a:t>The Guided Practices will give you some exercise in doing this.</a:t>
+            </a:r>
+          </a:p>
+        </p:txBody>
+      </p:sp>
+      <p:sp>
+        <p:nvSpPr>
+          <p:cNvPr id="4" name="Slide Number Placeholder 3"/>
+          <p:cNvSpPr>
+            <a:spLocks noGrp="1"/>
+          </p:cNvSpPr>
+          <p:nvPr>
+            <p:ph type="sldNum" sz="quarter" idx="12"/>
+          </p:nvPr>
+        </p:nvSpPr>
+        <p:spPr/>
+        <p:txBody>
+          <a:bodyPr/>
+          <a:lstStyle/>
+          <a:p>
+            <a:fld id="{9F4492BD-6A9C-48FC-AC76-0B4FE11194A1}" type="slidenum">
+              <a:rPr lang="en-US" smtClean="0"/>
+              <a:pPr/>
+              <a:t>21</a:t>
+            </a:fld>
+            <a:endParaRPr lang="en-US"/>
+          </a:p>
+        </p:txBody>
+      </p:sp>
+    </p:spTree>
+    <p:extLst>
+      <p:ext uri="{BB962C8B-B14F-4D97-AF65-F5344CB8AC3E}">
+        <p14:creationId xmlns:p14="http://schemas.microsoft.com/office/powerpoint/2010/main" val="711196483"/>
+      </p:ext>
+    </p:extLst>
+  </p:cSld>
+  <p:clrMapOvr>
+    <a:masterClrMapping/>
+  </p:clrMapOvr>
+</p:sld>
+</file>
+
+<file path=ppt/slides/slide22.xml><?xml version="1.0" encoding="utf-8"?>
+<p:sld xmlns:a="http://schemas.openxmlformats.org/drawingml/2006/main" xmlns:r="http://schemas.openxmlformats.org/officeDocument/2006/relationships" xmlns:p="http://schemas.openxmlformats.org/presentationml/2006/main">
+  <p:cSld>
+    <p:spTree>
+      <p:nvGrpSpPr>
+        <p:cNvPr id="1" name=""/>
+        <p:cNvGrpSpPr/>
+        <p:nvPr/>
+      </p:nvGrpSpPr>
+      <p:grpSpPr>
+        <a:xfrm>
+          <a:off x="0" y="0"/>
+          <a:ext cx="0" cy="0"/>
+          <a:chOff x="0" y="0"/>
+          <a:chExt cx="0" cy="0"/>
+        </a:xfrm>
+      </p:grpSpPr>
+      <p:sp>
+        <p:nvSpPr>
+          <p:cNvPr id="2" name="Title 1"/>
+          <p:cNvSpPr>
+            <a:spLocks noGrp="1"/>
+          </p:cNvSpPr>
+          <p:nvPr>
+            <p:ph type="title"/>
+          </p:nvPr>
+        </p:nvSpPr>
+        <p:spPr/>
+        <p:txBody>
+          <a:bodyPr/>
+          <a:lstStyle/>
+          <a:p>
+            <a:r>
+              <a:rPr lang="en-US" dirty="0"/>
+              <a:t>Next Steps</a:t>
+            </a:r>
+          </a:p>
+        </p:txBody>
+      </p:sp>
+      <p:sp>
+        <p:nvSpPr>
+          <p:cNvPr id="3" name="Content Placeholder 2"/>
+          <p:cNvSpPr>
+            <a:spLocks noGrp="1"/>
+          </p:cNvSpPr>
+          <p:nvPr>
+            <p:ph idx="1"/>
+          </p:nvPr>
+        </p:nvSpPr>
+        <p:spPr/>
+        <p:txBody>
+          <a:bodyPr/>
+          <a:lstStyle/>
+          <a:p>
+            <a:r>
+              <a:rPr lang="en-US" dirty="0"/>
+              <a:t>Study 04-3-nats.rkt in the Examples file</a:t>
+            </a:r>
+          </a:p>
+          <a:p>
+            <a:r>
+              <a:rPr lang="en-US" dirty="0"/>
+              <a:t>If you have questions about this lesson, ask them on the Discussion Board</a:t>
+            </a:r>
+          </a:p>
+          <a:p>
+            <a:r>
+              <a:rPr lang="en-US" dirty="0"/>
+              <a:t>Do Guided Practice 4.4++</a:t>
+            </a:r>
+          </a:p>
+          <a:p>
+            <a:r>
+              <a:rPr lang="en-US" dirty="0"/>
+              <a:t>Go on to the next lesson</a:t>
+            </a:r>
+          </a:p>
+        </p:txBody>
+      </p:sp>
+      <p:sp>
+        <p:nvSpPr>
+          <p:cNvPr id="4" name="Slide Number Placeholder 3"/>
+          <p:cNvSpPr>
+            <a:spLocks noGrp="1"/>
+          </p:cNvSpPr>
+          <p:nvPr>
+            <p:ph type="sldNum" sz="quarter" idx="12"/>
+          </p:nvPr>
+        </p:nvSpPr>
+        <p:spPr/>
+        <p:txBody>
+          <a:bodyPr/>
+          <a:lstStyle/>
+          <a:p>
+            <a:fld id="{9F4492BD-6A9C-48FC-AC76-0B4FE11194A1}" type="slidenum">
+              <a:rPr lang="en-US" smtClean="0"/>
+              <a:pPr/>
+              <a:t>22</a:t>
+            </a:fld>
+            <a:endParaRPr lang="en-US"/>
+          </a:p>
+        </p:txBody>
+      </p:sp>
+      <p:sp>
+        <p:nvSpPr>
           <p:cNvPr id="5" name="Rectangle 4"/>
           <p:cNvSpPr/>
           <p:nvPr/>
         </p:nvSpPr>
         <p:spPr>
           <a:xfrm>
-            <a:off x="4495800" y="4114800"/>
-            <a:ext cx="3200400" cy="1295400"/>
+            <a:off x="5334000" y="4724399"/>
+            <a:ext cx="3048000" cy="1401763"/>
+          </a:xfrm>
+          <a:prstGeom prst="rect">
+            <a:avLst/>
+          </a:prstGeom>
+          <a:solidFill>
+            <a:srgbClr val="FFFF00"/>
+          </a:solidFill>
+          <a:ln/>
+        </p:spPr>
+        <p:style>
+          <a:lnRef idx="2">
+            <a:schemeClr val="accent1"/>
+          </a:lnRef>
+          <a:fillRef idx="1">
+            <a:schemeClr val="lt1"/>
+          </a:fillRef>
+          <a:effectRef idx="0">
+            <a:schemeClr val="accent1"/>
+          </a:effectRef>
+          <a:fontRef idx="minor">
+            <a:schemeClr val="dk1"/>
+          </a:fontRef>
+        </p:style>
+        <p:txBody>
+          <a:bodyPr rot="0" spcFirstLastPara="0" vertOverflow="overflow" horzOverflow="overflow" vert="horz" wrap="square" lIns="91440" tIns="45720" rIns="91440" bIns="45720" numCol="1" spcCol="0" rtlCol="0" fromWordArt="0" anchor="ctr" anchorCtr="0" forceAA="0" compatLnSpc="1">
+            <a:prstTxWarp prst="textNoShape">
+              <a:avLst/>
+            </a:prstTxWarp>
+            <a:noAutofit/>
+          </a:bodyPr>
+          <a:lstStyle/>
+          <a:p>
+            <a:pPr algn="ctr"/>
+            <a:r>
+              <a:rPr lang="en-US" dirty="0">
+                <a:solidFill>
+                  <a:schemeClr val="tx1"/>
+                </a:solidFill>
+              </a:rPr>
+              <a:t>Guided Practices (to be written): recur on the other argument; </a:t>
+            </a:r>
+            <a:r>
+              <a:rPr lang="en-US" dirty="0" err="1">
+                <a:solidFill>
+                  <a:schemeClr val="tx1"/>
+                </a:solidFill>
+              </a:rPr>
+              <a:t>expt</a:t>
+            </a:r>
+            <a:r>
+              <a:rPr lang="en-US" dirty="0">
+                <a:solidFill>
+                  <a:schemeClr val="tx1"/>
+                </a:solidFill>
+              </a:rPr>
+              <a:t>;</a:t>
+            </a:r>
+          </a:p>
+          <a:p>
+            <a:pPr algn="ctr"/>
+            <a:r>
+              <a:rPr lang="en-US" dirty="0">
+                <a:solidFill>
+                  <a:schemeClr val="tx1"/>
+                </a:solidFill>
+              </a:rPr>
+              <a:t>left-nested lists </a:t>
+            </a:r>
+          </a:p>
+        </p:txBody>
+      </p:sp>
+    </p:spTree>
+    <p:extLst>
+      <p:ext uri="{BB962C8B-B14F-4D97-AF65-F5344CB8AC3E}">
+        <p14:creationId xmlns:p14="http://schemas.microsoft.com/office/powerpoint/2010/main" val="2521155999"/>
+      </p:ext>
+    </p:extLst>
+  </p:cSld>
+  <p:clrMapOvr>
+    <a:masterClrMapping/>
+  </p:clrMapOvr>
+</p:sld>
+</file>
+
+<file path=ppt/slides/slide3.xml><?xml version="1.0" encoding="utf-8"?>
+<p:sld xmlns:a="http://schemas.openxmlformats.org/drawingml/2006/main" xmlns:r="http://schemas.openxmlformats.org/officeDocument/2006/relationships" xmlns:p="http://schemas.openxmlformats.org/presentationml/2006/main">
+  <p:cSld>
+    <p:spTree>
+      <p:nvGrpSpPr>
+        <p:cNvPr id="1" name=""/>
+        <p:cNvGrpSpPr/>
+        <p:nvPr/>
+      </p:nvGrpSpPr>
+      <p:grpSpPr>
+        <a:xfrm>
+          <a:off x="0" y="0"/>
+          <a:ext cx="0" cy="0"/>
+          <a:chOff x="0" y="0"/>
+          <a:chExt cx="0" cy="0"/>
+        </a:xfrm>
+      </p:grpSpPr>
+      <p:sp>
+        <p:nvSpPr>
+          <p:cNvPr id="2" name="Title 1"/>
+          <p:cNvSpPr>
+            <a:spLocks noGrp="1"/>
+          </p:cNvSpPr>
+          <p:nvPr>
+            <p:ph type="title"/>
+          </p:nvPr>
+        </p:nvSpPr>
+        <p:spPr/>
+        <p:txBody>
+          <a:bodyPr/>
+          <a:lstStyle/>
+          <a:p>
+            <a:r>
+              <a:rPr lang="en-US" dirty="0"/>
+              <a:t>Learning Objectives</a:t>
+            </a:r>
+          </a:p>
+        </p:txBody>
+      </p:sp>
+      <p:sp>
+        <p:nvSpPr>
+          <p:cNvPr id="3" name="Content Placeholder 2"/>
+          <p:cNvSpPr>
+            <a:spLocks noGrp="1"/>
+          </p:cNvSpPr>
+          <p:nvPr>
+            <p:ph idx="1"/>
+          </p:nvPr>
+        </p:nvSpPr>
+        <p:spPr/>
+        <p:txBody>
+          <a:bodyPr/>
+          <a:lstStyle/>
+          <a:p>
+            <a:r>
+              <a:rPr lang="en-US" dirty="0"/>
+              <a:t>At the end of this lesson you should be able to:</a:t>
+            </a:r>
+          </a:p>
+          <a:p>
+            <a:pPr lvl="1"/>
+            <a:r>
+              <a:rPr lang="en-US" dirty="0"/>
+              <a:t>Explain what makes a recursive data definition sensible</a:t>
+            </a:r>
+          </a:p>
+          <a:p>
+            <a:pPr lvl="1"/>
+            <a:r>
+              <a:rPr lang="en-US" dirty="0"/>
+              <a:t>Explain how the Natural Numbers definition works</a:t>
+            </a:r>
+          </a:p>
+          <a:p>
+            <a:pPr lvl="1"/>
+            <a:r>
+              <a:rPr lang="en-US" dirty="0"/>
+              <a:t>write simple programs using the Natural Numbers template</a:t>
+            </a:r>
+          </a:p>
+        </p:txBody>
+      </p:sp>
+      <p:sp>
+        <p:nvSpPr>
+          <p:cNvPr id="4" name="Slide Number Placeholder 3"/>
+          <p:cNvSpPr>
+            <a:spLocks noGrp="1"/>
+          </p:cNvSpPr>
+          <p:nvPr>
+            <p:ph type="sldNum" sz="quarter" idx="12"/>
+          </p:nvPr>
+        </p:nvSpPr>
+        <p:spPr/>
+        <p:txBody>
+          <a:bodyPr/>
+          <a:lstStyle/>
+          <a:p>
+            <a:fld id="{9F4492BD-6A9C-48FC-AC76-0B4FE11194A1}" type="slidenum">
+              <a:rPr lang="en-US" smtClean="0"/>
+              <a:pPr/>
+              <a:t>3</a:t>
+            </a:fld>
+            <a:endParaRPr lang="en-US"/>
+          </a:p>
+        </p:txBody>
+      </p:sp>
+    </p:spTree>
+    <p:extLst>
+      <p:ext uri="{BB962C8B-B14F-4D97-AF65-F5344CB8AC3E}">
+        <p14:creationId xmlns:p14="http://schemas.microsoft.com/office/powerpoint/2010/main" val="3512701119"/>
+      </p:ext>
+    </p:extLst>
+  </p:cSld>
+  <p:clrMapOvr>
+    <a:masterClrMapping/>
+  </p:clrMapOvr>
+</p:sld>
+</file>
+
+<file path=ppt/slides/slide4.xml><?xml version="1.0" encoding="utf-8"?>
+<p:sld xmlns:a="http://schemas.openxmlformats.org/drawingml/2006/main" xmlns:r="http://schemas.openxmlformats.org/officeDocument/2006/relationships" xmlns:p="http://schemas.openxmlformats.org/presentationml/2006/main">
+  <p:cSld>
+    <p:spTree>
+      <p:nvGrpSpPr>
+        <p:cNvPr id="1" name=""/>
+        <p:cNvGrpSpPr/>
+        <p:nvPr/>
+      </p:nvGrpSpPr>
+      <p:grpSpPr>
+        <a:xfrm>
+          <a:off x="0" y="0"/>
+          <a:ext cx="0" cy="0"/>
+          <a:chOff x="0" y="0"/>
+          <a:chExt cx="0" cy="0"/>
+        </a:xfrm>
+      </p:grpSpPr>
+      <p:sp>
+        <p:nvSpPr>
+          <p:cNvPr id="2" name="Title 1"/>
+          <p:cNvSpPr>
+            <a:spLocks noGrp="1"/>
+          </p:cNvSpPr>
+          <p:nvPr>
+            <p:ph type="title"/>
+          </p:nvPr>
+        </p:nvSpPr>
+        <p:spPr/>
+        <p:txBody>
+          <a:bodyPr>
+            <a:normAutofit/>
+          </a:bodyPr>
+          <a:lstStyle/>
+          <a:p>
+            <a:r>
+              <a:rPr lang="en-US"/>
+              <a:t>What's interesting about lists?</a:t>
+            </a:r>
+            <a:endParaRPr lang="en-US" dirty="0"/>
+          </a:p>
+        </p:txBody>
+      </p:sp>
+      <p:sp>
+        <p:nvSpPr>
+          <p:cNvPr id="3" name="Content Placeholder 2"/>
+          <p:cNvSpPr>
+            <a:spLocks noGrp="1"/>
+          </p:cNvSpPr>
+          <p:nvPr>
+            <p:ph idx="1"/>
+          </p:nvPr>
+        </p:nvSpPr>
+        <p:spPr/>
+        <p:txBody>
+          <a:bodyPr/>
+          <a:lstStyle/>
+          <a:p>
+            <a:r>
+              <a:rPr lang="en-US" dirty="0"/>
+              <a:t>Our Lists data definitions are the first "interesting" data definitions:</a:t>
+            </a:r>
+          </a:p>
+          <a:p>
+            <a:r>
+              <a:rPr lang="en-US" dirty="0"/>
+              <a:t>They are mixed data</a:t>
+            </a:r>
+          </a:p>
+          <a:p>
+            <a:r>
+              <a:rPr lang="en-US" dirty="0"/>
+              <a:t>They are recursive</a:t>
+            </a:r>
+          </a:p>
+        </p:txBody>
+      </p:sp>
+      <p:sp>
+        <p:nvSpPr>
+          <p:cNvPr id="4" name="Slide Number Placeholder 3"/>
+          <p:cNvSpPr>
+            <a:spLocks noGrp="1"/>
+          </p:cNvSpPr>
+          <p:nvPr>
+            <p:ph type="sldNum" sz="quarter" idx="12"/>
+          </p:nvPr>
+        </p:nvSpPr>
+        <p:spPr/>
+        <p:txBody>
+          <a:bodyPr/>
+          <a:lstStyle/>
+          <a:p>
+            <a:fld id="{2AF3B5EA-18B6-4040-9F78-6052AF49C681}" type="slidenum">
+              <a:rPr lang="en-US" smtClean="0"/>
+              <a:t>4</a:t>
+            </a:fld>
+            <a:endParaRPr lang="en-US"/>
+          </a:p>
+        </p:txBody>
+      </p:sp>
+      <p:sp>
+        <p:nvSpPr>
+          <p:cNvPr id="5" name="Rectangle 4"/>
+          <p:cNvSpPr/>
+          <p:nvPr/>
+        </p:nvSpPr>
+        <p:spPr>
+          <a:xfrm>
+            <a:off x="5334000" y="3276600"/>
+            <a:ext cx="3200400" cy="1828800"/>
           </a:xfrm>
           <a:prstGeom prst="rect">
             <a:avLst/>
@@ -5067,55 +7382,9 @@
                   <a:schemeClr val="tx1"/>
                 </a:solidFill>
               </a:rPr>
-              <a:t>No Interpretation; this is not intended to refer to anything in the real world</a:t>
-            </a:r>
-          </a:p>
-        </p:txBody>
-      </p:sp>
-      <p:sp>
-        <p:nvSpPr>
-          <p:cNvPr id="6" name="Rectangle 5"/>
-          <p:cNvSpPr/>
-          <p:nvPr/>
-        </p:nvSpPr>
-        <p:spPr>
-          <a:xfrm>
-            <a:off x="457200" y="4122218"/>
-            <a:ext cx="3810000" cy="1447800"/>
-          </a:xfrm>
-          <a:prstGeom prst="rect">
-            <a:avLst/>
-          </a:prstGeom>
-          <a:solidFill>
-            <a:schemeClr val="accent3">
-              <a:lumMod val="40000"/>
-              <a:lumOff val="60000"/>
-            </a:schemeClr>
-          </a:solidFill>
-          <a:ln/>
-        </p:spPr>
-        <p:style>
-          <a:lnRef idx="2">
-            <a:schemeClr val="accent1"/>
-          </a:lnRef>
-          <a:fillRef idx="1">
-            <a:schemeClr val="lt1"/>
-          </a:fillRef>
-          <a:effectRef idx="0">
-            <a:schemeClr val="accent1"/>
-          </a:effectRef>
-          <a:fontRef idx="minor">
-            <a:schemeClr val="dk1"/>
-          </a:fontRef>
-        </p:style>
-        <p:txBody>
-          <a:bodyPr rot="0" spcFirstLastPara="0" vertOverflow="overflow" horzOverflow="overflow" vert="horz" wrap="square" lIns="91440" tIns="45720" rIns="91440" bIns="45720" numCol="1" spcCol="0" rtlCol="0" fromWordArt="0" anchor="ctr" anchorCtr="0" forceAA="0" compatLnSpc="1">
-            <a:prstTxWarp prst="textNoShape">
-              <a:avLst/>
-            </a:prstTxWarp>
-            <a:noAutofit/>
-          </a:bodyPr>
-          <a:lstStyle/>
+              <a:t>Question: Why did we say "data definitions" instead of data definition?"</a:t>
+            </a:r>
+          </a:p>
           <a:p>
             <a:pPr algn="ctr"/>
             <a:r>
@@ -5124,7 +7393,31 @@
                   <a:schemeClr val="tx1"/>
                 </a:solidFill>
               </a:rPr>
-              <a:t>A silly list is a list of numbers and strings, but it you have a string you must have an even number of strings together.</a:t>
+              <a:t>Answer: Remember that we have a data definition </a:t>
+            </a:r>
+            <a:r>
+              <a:rPr lang="en-US" b="1" dirty="0" err="1">
+                <a:solidFill>
+                  <a:schemeClr val="tx1"/>
+                </a:solidFill>
+              </a:rPr>
+              <a:t>ListOfX</a:t>
+            </a:r>
+            <a:r>
+              <a:rPr lang="en-US" dirty="0">
+                <a:solidFill>
+                  <a:schemeClr val="tx1"/>
+                </a:solidFill>
+              </a:rPr>
+              <a:t> for each </a:t>
+            </a:r>
+            <a:r>
+              <a:rPr lang="en-US" b="1" dirty="0">
+                <a:solidFill>
+                  <a:schemeClr val="tx1"/>
+                </a:solidFill>
+              </a:rPr>
+              <a:t>X</a:t>
             </a:r>
           </a:p>
         </p:txBody>
@@ -5132,1380 +7425,7 @@
     </p:spTree>
     <p:extLst>
       <p:ext uri="{BB962C8B-B14F-4D97-AF65-F5344CB8AC3E}">
-        <p14:creationId xmlns:p14="http://schemas.microsoft.com/office/powerpoint/2010/main" val="128600050"/>
-      </p:ext>
-    </p:extLst>
-  </p:cSld>
-  <p:clrMapOvr>
-    <a:masterClrMapping/>
-  </p:clrMapOvr>
-</p:sld>
-</file>
-
-<file path=ppt/slides/slide13.xml><?xml version="1.0" encoding="utf-8"?>
-<p:sld xmlns:a="http://schemas.openxmlformats.org/drawingml/2006/main" xmlns:r="http://schemas.openxmlformats.org/officeDocument/2006/relationships" xmlns:p="http://schemas.openxmlformats.org/presentationml/2006/main">
-  <p:cSld>
-    <p:spTree>
-      <p:nvGrpSpPr>
-        <p:cNvPr id="1" name=""/>
-        <p:cNvGrpSpPr/>
-        <p:nvPr/>
-      </p:nvGrpSpPr>
-      <p:grpSpPr>
-        <a:xfrm>
-          <a:off x="0" y="0"/>
-          <a:ext cx="0" cy="0"/>
-          <a:chOff x="0" y="0"/>
-          <a:chExt cx="0" cy="0"/>
-        </a:xfrm>
-      </p:grpSpPr>
-      <p:sp>
-        <p:nvSpPr>
-          <p:cNvPr id="2" name="Title 1"/>
-          <p:cNvSpPr>
-            <a:spLocks noGrp="1"/>
-          </p:cNvSpPr>
-          <p:nvPr>
-            <p:ph type="title"/>
-          </p:nvPr>
-        </p:nvSpPr>
-        <p:spPr/>
-        <p:txBody>
-          <a:bodyPr/>
-          <a:lstStyle/>
-          <a:p>
-            <a:r>
-              <a:rPr lang="en-US" dirty="0"/>
-              <a:t>Examples of Silly Lists</a:t>
-            </a:r>
-          </a:p>
-        </p:txBody>
-      </p:sp>
-      <p:sp>
-        <p:nvSpPr>
-          <p:cNvPr id="3" name="Content Placeholder 2"/>
-          <p:cNvSpPr>
-            <a:spLocks noGrp="1"/>
-          </p:cNvSpPr>
-          <p:nvPr>
-            <p:ph idx="1"/>
-          </p:nvPr>
-        </p:nvSpPr>
-        <p:spPr/>
-        <p:txBody>
-          <a:bodyPr>
-            <a:normAutofit fontScale="92500" lnSpcReduction="20000"/>
-          </a:bodyPr>
-          <a:lstStyle/>
-          <a:p>
-            <a:r>
-              <a:rPr lang="en-US" dirty="0"/>
-              <a:t>empty</a:t>
-            </a:r>
-          </a:p>
-          <a:p>
-            <a:r>
-              <a:rPr lang="en-US" dirty="0"/>
-              <a:t>(list 13)</a:t>
-            </a:r>
-          </a:p>
-          <a:p>
-            <a:r>
-              <a:rPr lang="en-US" dirty="0"/>
-              <a:t>(list 12 13)</a:t>
-            </a:r>
-          </a:p>
-          <a:p>
-            <a:r>
-              <a:rPr lang="en-US" dirty="0"/>
-              <a:t>(list "ab" "cd")</a:t>
-            </a:r>
-          </a:p>
-          <a:p>
-            <a:r>
-              <a:rPr lang="en-US" dirty="0"/>
-              <a:t>(list "ab" "cd" 13)</a:t>
-            </a:r>
-          </a:p>
-          <a:p>
-            <a:r>
-              <a:rPr lang="en-US" dirty="0"/>
-              <a:t>(list 12 13 14)</a:t>
-            </a:r>
-          </a:p>
-          <a:p>
-            <a:r>
-              <a:rPr lang="en-US" dirty="0"/>
-              <a:t>(list "ab" "cd" 26 "</a:t>
-            </a:r>
-            <a:r>
-              <a:rPr lang="en-US" dirty="0" err="1"/>
-              <a:t>efg</a:t>
-            </a:r>
-            <a:r>
-              <a:rPr lang="en-US" dirty="0"/>
-              <a:t>" "</a:t>
-            </a:r>
-            <a:r>
-              <a:rPr lang="en-US" dirty="0" err="1"/>
-              <a:t>hij</a:t>
-            </a:r>
-            <a:r>
-              <a:rPr lang="en-US" dirty="0"/>
-              <a:t>")</a:t>
-            </a:r>
-          </a:p>
-          <a:p>
-            <a:r>
-              <a:rPr lang="en-US" dirty="0"/>
-              <a:t>BUT NOT</a:t>
-            </a:r>
-          </a:p>
-          <a:p>
-            <a:r>
-              <a:rPr lang="en-US" dirty="0"/>
-              <a:t>(list "ab" "cd" "</a:t>
-            </a:r>
-            <a:r>
-              <a:rPr lang="en-US" dirty="0" err="1"/>
-              <a:t>ef</a:t>
-            </a:r>
-            <a:r>
-              <a:rPr lang="en-US" dirty="0"/>
-              <a:t>")</a:t>
-            </a:r>
-          </a:p>
-        </p:txBody>
-      </p:sp>
-      <p:sp>
-        <p:nvSpPr>
-          <p:cNvPr id="4" name="Slide Number Placeholder 3"/>
-          <p:cNvSpPr>
-            <a:spLocks noGrp="1"/>
-          </p:cNvSpPr>
-          <p:nvPr>
-            <p:ph type="sldNum" sz="quarter" idx="12"/>
-          </p:nvPr>
-        </p:nvSpPr>
-        <p:spPr/>
-        <p:txBody>
-          <a:bodyPr/>
-          <a:lstStyle/>
-          <a:p>
-            <a:fld id="{2AF3B5EA-18B6-4040-9F78-6052AF49C681}" type="slidenum">
-              <a:rPr lang="en-US" smtClean="0"/>
-              <a:t>13</a:t>
-            </a:fld>
-            <a:endParaRPr lang="en-US"/>
-          </a:p>
-        </p:txBody>
-      </p:sp>
-    </p:spTree>
-    <p:extLst>
-      <p:ext uri="{BB962C8B-B14F-4D97-AF65-F5344CB8AC3E}">
-        <p14:creationId xmlns:p14="http://schemas.microsoft.com/office/powerpoint/2010/main" val="694236779"/>
-      </p:ext>
-    </p:extLst>
-  </p:cSld>
-  <p:clrMapOvr>
-    <a:masterClrMapping/>
-  </p:clrMapOvr>
-</p:sld>
-</file>
-
-<file path=ppt/slides/slide14.xml><?xml version="1.0" encoding="utf-8"?>
-<p:sld xmlns:a="http://schemas.openxmlformats.org/drawingml/2006/main" xmlns:r="http://schemas.openxmlformats.org/officeDocument/2006/relationships" xmlns:p="http://schemas.openxmlformats.org/presentationml/2006/main">
-  <p:cSld>
-    <p:spTree>
-      <p:nvGrpSpPr>
-        <p:cNvPr id="1" name=""/>
-        <p:cNvGrpSpPr/>
-        <p:nvPr/>
-      </p:nvGrpSpPr>
-      <p:grpSpPr>
-        <a:xfrm>
-          <a:off x="0" y="0"/>
-          <a:ext cx="0" cy="0"/>
-          <a:chOff x="0" y="0"/>
-          <a:chExt cx="0" cy="0"/>
-        </a:xfrm>
-      </p:grpSpPr>
-      <p:sp>
-        <p:nvSpPr>
-          <p:cNvPr id="2" name="Title 1"/>
-          <p:cNvSpPr>
-            <a:spLocks noGrp="1"/>
-          </p:cNvSpPr>
-          <p:nvPr>
-            <p:ph type="title"/>
-          </p:nvPr>
-        </p:nvSpPr>
-        <p:spPr/>
-        <p:txBody>
-          <a:bodyPr>
-            <a:normAutofit/>
-          </a:bodyPr>
-          <a:lstStyle/>
-          <a:p>
-            <a:r>
-              <a:rPr lang="en-US" dirty="0"/>
-              <a:t>Remember the template recipe...</a:t>
-            </a:r>
-          </a:p>
-        </p:txBody>
-      </p:sp>
-      <p:graphicFrame>
-        <p:nvGraphicFramePr>
-          <p:cNvPr id="4" name="Content Placeholder 3"/>
-          <p:cNvGraphicFramePr>
-            <a:graphicFrameLocks noGrp="1"/>
-          </p:cNvGraphicFramePr>
-          <p:nvPr>
-            <p:ph idx="1"/>
-            <p:extLst>
-              <p:ext uri="{D42A27DB-BD31-4B8C-83A1-F6EECF244321}">
-                <p14:modId xmlns:p14="http://schemas.microsoft.com/office/powerpoint/2010/main" val="2333471434"/>
-              </p:ext>
-            </p:extLst>
-          </p:nvPr>
-        </p:nvGraphicFramePr>
-        <p:xfrm>
-          <a:off x="457200" y="1524000"/>
-          <a:ext cx="8229600" cy="4119880"/>
-        </p:xfrm>
-        <a:graphic>
-          <a:graphicData uri="http://schemas.openxmlformats.org/drawingml/2006/table">
-            <a:tbl>
-              <a:tblPr firstRow="1" bandRow="1">
-                <a:tableStyleId>{5C22544A-7EE6-4342-B048-85BDC9FD1C3A}</a:tableStyleId>
-              </a:tblPr>
-              <a:tblGrid>
-                <a:gridCol w="4114800">
-                  <a:extLst>
-                    <a:ext uri="{9D8B030D-6E8A-4147-A177-3AD203B41FA5}">
-                      <a16:colId xmlns:a16="http://schemas.microsoft.com/office/drawing/2014/main" val="20000"/>
-                    </a:ext>
-                  </a:extLst>
-                </a:gridCol>
-                <a:gridCol w="4114800">
-                  <a:extLst>
-                    <a:ext uri="{9D8B030D-6E8A-4147-A177-3AD203B41FA5}">
-                      <a16:colId xmlns:a16="http://schemas.microsoft.com/office/drawing/2014/main" val="20001"/>
-                    </a:ext>
-                  </a:extLst>
-                </a:gridCol>
-              </a:tblGrid>
-              <a:tr h="370840">
-                <a:tc>
-                  <a:txBody>
-                    <a:bodyPr/>
-                    <a:lstStyle/>
-                    <a:p>
-                      <a:r>
-                        <a:rPr lang="en-US" dirty="0"/>
-                        <a:t>Question</a:t>
-                      </a:r>
-                    </a:p>
-                  </a:txBody>
-                  <a:tcPr/>
-                </a:tc>
-                <a:tc>
-                  <a:txBody>
-                    <a:bodyPr/>
-                    <a:lstStyle/>
-                    <a:p>
-                      <a:r>
-                        <a:rPr lang="en-US" dirty="0"/>
-                        <a:t>Answer</a:t>
-                      </a:r>
-                    </a:p>
-                  </a:txBody>
-                  <a:tcPr/>
-                </a:tc>
-                <a:extLst>
-                  <a:ext uri="{0D108BD9-81ED-4DB2-BD59-A6C34878D82A}">
-                    <a16:rowId xmlns:a16="http://schemas.microsoft.com/office/drawing/2014/main" val="10000"/>
-                  </a:ext>
-                </a:extLst>
-              </a:tr>
-              <a:tr h="370840">
-                <a:tc>
-                  <a:txBody>
-                    <a:bodyPr/>
-                    <a:lstStyle/>
-                    <a:p>
-                      <a:r>
-                        <a:rPr lang="en-US" dirty="0"/>
-                        <a:t>Does the data definition distinguish among different subclasses of data?</a:t>
-                      </a:r>
-                    </a:p>
-                  </a:txBody>
-                  <a:tcPr/>
-                </a:tc>
-                <a:tc>
-                  <a:txBody>
-                    <a:bodyPr/>
-                    <a:lstStyle/>
-                    <a:p>
-                      <a:r>
-                        <a:rPr lang="en-US" dirty="0"/>
-                        <a:t>Your template needs as many </a:t>
-                      </a:r>
-                      <a:r>
-                        <a:rPr lang="en-US" dirty="0" err="1">
-                          <a:hlinkClick r:id="rId2"/>
-                        </a:rPr>
-                        <a:t>cond</a:t>
-                      </a:r>
-                      <a:r>
-                        <a:rPr lang="en-US" dirty="0"/>
-                        <a:t> clauses as subclasses that the data definition distinguishes.</a:t>
-                      </a:r>
-                    </a:p>
-                  </a:txBody>
-                  <a:tcPr/>
-                </a:tc>
-                <a:extLst>
-                  <a:ext uri="{0D108BD9-81ED-4DB2-BD59-A6C34878D82A}">
-                    <a16:rowId xmlns:a16="http://schemas.microsoft.com/office/drawing/2014/main" val="10001"/>
-                  </a:ext>
-                </a:extLst>
-              </a:tr>
-              <a:tr h="370840">
-                <a:tc>
-                  <a:txBody>
-                    <a:bodyPr/>
-                    <a:lstStyle/>
-                    <a:p>
-                      <a:r>
-                        <a:rPr lang="en-US" dirty="0"/>
-                        <a:t>How do the subclasses differ from each other?</a:t>
-                      </a:r>
-                    </a:p>
-                  </a:txBody>
-                  <a:tcPr/>
-                </a:tc>
-                <a:tc>
-                  <a:txBody>
-                    <a:bodyPr/>
-                    <a:lstStyle/>
-                    <a:p>
-                      <a:r>
-                        <a:rPr lang="en-US" dirty="0"/>
-                        <a:t>Use the differences to formulate a condition per clause.</a:t>
-                      </a:r>
-                    </a:p>
-                  </a:txBody>
-                  <a:tcPr/>
-                </a:tc>
-                <a:extLst>
-                  <a:ext uri="{0D108BD9-81ED-4DB2-BD59-A6C34878D82A}">
-                    <a16:rowId xmlns:a16="http://schemas.microsoft.com/office/drawing/2014/main" val="10002"/>
-                  </a:ext>
-                </a:extLst>
-              </a:tr>
-              <a:tr h="370840">
-                <a:tc>
-                  <a:txBody>
-                    <a:bodyPr/>
-                    <a:lstStyle/>
-                    <a:p>
-                      <a:r>
-                        <a:rPr lang="en-US" dirty="0"/>
-                        <a:t>Do any of the clauses deal with structured values?</a:t>
-                      </a:r>
-                    </a:p>
-                  </a:txBody>
-                  <a:tcPr/>
-                </a:tc>
-                <a:tc>
-                  <a:txBody>
-                    <a:bodyPr/>
-                    <a:lstStyle/>
-                    <a:p>
-                      <a:r>
-                        <a:rPr lang="en-US" dirty="0"/>
-                        <a:t>If so, add appropriate selector expressions to the clause.</a:t>
-                      </a:r>
-                    </a:p>
-                  </a:txBody>
-                  <a:tcPr/>
-                </a:tc>
-                <a:extLst>
-                  <a:ext uri="{0D108BD9-81ED-4DB2-BD59-A6C34878D82A}">
-                    <a16:rowId xmlns:a16="http://schemas.microsoft.com/office/drawing/2014/main" val="10003"/>
-                  </a:ext>
-                </a:extLst>
-              </a:tr>
-              <a:tr h="370840">
-                <a:tc>
-                  <a:txBody>
-                    <a:bodyPr/>
-                    <a:lstStyle/>
-                    <a:p>
-                      <a:r>
-                        <a:rPr lang="en-US" dirty="0">
-                          <a:solidFill>
-                            <a:schemeClr val="tx1"/>
-                          </a:solidFill>
-                        </a:rPr>
-                        <a:t>Does the data definition use self-references?</a:t>
-                      </a:r>
-                    </a:p>
-                  </a:txBody>
-                  <a:tcPr/>
-                </a:tc>
-                <a:tc>
-                  <a:txBody>
-                    <a:bodyPr/>
-                    <a:lstStyle/>
-                    <a:p>
-                      <a:r>
-                        <a:rPr lang="en-US" dirty="0">
-                          <a:solidFill>
-                            <a:schemeClr val="tx1"/>
-                          </a:solidFill>
-                        </a:rPr>
-                        <a:t>Formulate ``natural recursions'' for the template to represent the self-references of the data definition.</a:t>
-                      </a:r>
-                    </a:p>
-                  </a:txBody>
-                  <a:tcPr/>
-                </a:tc>
-                <a:extLst>
-                  <a:ext uri="{0D108BD9-81ED-4DB2-BD59-A6C34878D82A}">
-                    <a16:rowId xmlns:a16="http://schemas.microsoft.com/office/drawing/2014/main" val="10004"/>
-                  </a:ext>
-                </a:extLst>
-              </a:tr>
-              <a:tr h="370840">
-                <a:tc>
-                  <a:txBody>
-                    <a:bodyPr/>
-                    <a:lstStyle/>
-                    <a:p>
-                      <a:r>
-                        <a:rPr lang="en-US" dirty="0">
-                          <a:solidFill>
-                            <a:sysClr val="windowText" lastClr="000000"/>
-                          </a:solidFill>
-                        </a:rPr>
-                        <a:t>Do any of the fields contain compound</a:t>
-                      </a:r>
-                      <a:r>
-                        <a:rPr lang="en-US" baseline="0" dirty="0">
-                          <a:solidFill>
-                            <a:sysClr val="windowText" lastClr="000000"/>
-                          </a:solidFill>
-                        </a:rPr>
-                        <a:t> or mixed data?</a:t>
-                      </a:r>
-                      <a:endParaRPr lang="en-US" dirty="0">
-                        <a:solidFill>
-                          <a:sysClr val="windowText" lastClr="000000"/>
-                        </a:solidFill>
-                      </a:endParaRPr>
-                    </a:p>
-                  </a:txBody>
-                  <a:tcPr/>
-                </a:tc>
-                <a:tc>
-                  <a:txBody>
-                    <a:bodyPr/>
-                    <a:lstStyle/>
-                    <a:p>
-                      <a:r>
-                        <a:rPr lang="en-US" dirty="0">
-                          <a:solidFill>
-                            <a:sysClr val="windowText" lastClr="000000"/>
-                          </a:solidFill>
-                        </a:rPr>
-                        <a:t>If the value of a field is a foo,</a:t>
-                      </a:r>
-                      <a:r>
-                        <a:rPr lang="en-US" baseline="0" dirty="0">
-                          <a:solidFill>
-                            <a:sysClr val="windowText" lastClr="000000"/>
-                          </a:solidFill>
-                        </a:rPr>
-                        <a:t> add a call to a foo-</a:t>
-                      </a:r>
-                      <a:r>
-                        <a:rPr lang="en-US" baseline="0" dirty="0" err="1">
-                          <a:solidFill>
-                            <a:sysClr val="windowText" lastClr="000000"/>
-                          </a:solidFill>
-                        </a:rPr>
-                        <a:t>fn</a:t>
-                      </a:r>
-                      <a:r>
-                        <a:rPr lang="en-US" baseline="0" dirty="0">
-                          <a:solidFill>
-                            <a:sysClr val="windowText" lastClr="000000"/>
-                          </a:solidFill>
-                        </a:rPr>
-                        <a:t> to use it.</a:t>
-                      </a:r>
-                      <a:endParaRPr lang="en-US" dirty="0">
-                        <a:solidFill>
-                          <a:sysClr val="windowText" lastClr="000000"/>
-                        </a:solidFill>
-                      </a:endParaRPr>
-                    </a:p>
-                  </a:txBody>
-                  <a:tcPr/>
-                </a:tc>
-                <a:extLst>
-                  <a:ext uri="{0D108BD9-81ED-4DB2-BD59-A6C34878D82A}">
-                    <a16:rowId xmlns:a16="http://schemas.microsoft.com/office/drawing/2014/main" val="10005"/>
-                  </a:ext>
-                </a:extLst>
-              </a:tr>
-            </a:tbl>
-          </a:graphicData>
-        </a:graphic>
-      </p:graphicFrame>
-      <p:sp>
-        <p:nvSpPr>
-          <p:cNvPr id="5" name="Slide Number Placeholder 4"/>
-          <p:cNvSpPr>
-            <a:spLocks noGrp="1"/>
-          </p:cNvSpPr>
-          <p:nvPr>
-            <p:ph type="sldNum" sz="quarter" idx="12"/>
-          </p:nvPr>
-        </p:nvSpPr>
-        <p:spPr/>
-        <p:txBody>
-          <a:bodyPr/>
-          <a:lstStyle/>
-          <a:p>
-            <a:fld id="{9F4492BD-6A9C-48FC-AC76-0B4FE11194A1}" type="slidenum">
-              <a:rPr lang="en-US" smtClean="0"/>
-              <a:pPr/>
-              <a:t>14</a:t>
-            </a:fld>
-            <a:endParaRPr lang="en-US"/>
-          </a:p>
-        </p:txBody>
-      </p:sp>
-    </p:spTree>
-    <p:extLst>
-      <p:ext uri="{BB962C8B-B14F-4D97-AF65-F5344CB8AC3E}">
-        <p14:creationId xmlns:p14="http://schemas.microsoft.com/office/powerpoint/2010/main" val="1949228226"/>
-      </p:ext>
-    </p:extLst>
-  </p:cSld>
-  <p:clrMapOvr>
-    <a:masterClrMapping/>
-  </p:clrMapOvr>
-</p:sld>
-</file>
-
-<file path=ppt/slides/slide15.xml><?xml version="1.0" encoding="utf-8"?>
-<p:sld xmlns:a="http://schemas.openxmlformats.org/drawingml/2006/main" xmlns:r="http://schemas.openxmlformats.org/officeDocument/2006/relationships" xmlns:p="http://schemas.openxmlformats.org/presentationml/2006/main">
-  <p:cSld>
-    <p:spTree>
-      <p:nvGrpSpPr>
-        <p:cNvPr id="1" name=""/>
-        <p:cNvGrpSpPr/>
-        <p:nvPr/>
-      </p:nvGrpSpPr>
-      <p:grpSpPr>
-        <a:xfrm>
-          <a:off x="0" y="0"/>
-          <a:ext cx="0" cy="0"/>
-          <a:chOff x="0" y="0"/>
-          <a:chExt cx="0" cy="0"/>
-        </a:xfrm>
-      </p:grpSpPr>
-      <p:sp>
-        <p:nvSpPr>
-          <p:cNvPr id="2" name="Title 1"/>
-          <p:cNvSpPr>
-            <a:spLocks noGrp="1"/>
-          </p:cNvSpPr>
-          <p:nvPr>
-            <p:ph type="title"/>
-          </p:nvPr>
-        </p:nvSpPr>
-        <p:spPr/>
-        <p:txBody>
-          <a:bodyPr/>
-          <a:lstStyle/>
-          <a:p>
-            <a:r>
-              <a:rPr lang="en-US" dirty="0"/>
-              <a:t>Template for Silly Lists</a:t>
-            </a:r>
-          </a:p>
-        </p:txBody>
-      </p:sp>
-      <p:sp>
-        <p:nvSpPr>
-          <p:cNvPr id="3" name="Content Placeholder 2"/>
-          <p:cNvSpPr>
-            <a:spLocks noGrp="1"/>
-          </p:cNvSpPr>
-          <p:nvPr>
-            <p:ph idx="1"/>
-          </p:nvPr>
-        </p:nvSpPr>
-        <p:spPr/>
-        <p:txBody>
-          <a:bodyPr>
-            <a:normAutofit fontScale="85000" lnSpcReduction="20000"/>
-          </a:bodyPr>
-          <a:lstStyle/>
-          <a:p>
-            <a:r>
-              <a:rPr lang="en-US" dirty="0"/>
-              <a:t>;; </a:t>
-            </a:r>
-            <a:r>
-              <a:rPr lang="en-US" dirty="0" err="1"/>
-              <a:t>sl-fn</a:t>
-            </a:r>
-            <a:r>
-              <a:rPr lang="en-US" dirty="0"/>
-              <a:t> : SL -&gt; ??</a:t>
-            </a:r>
-          </a:p>
-          <a:p>
-            <a:r>
-              <a:rPr lang="en-US" dirty="0"/>
-              <a:t>(define (</a:t>
-            </a:r>
-            <a:r>
-              <a:rPr lang="en-US" dirty="0" err="1">
-                <a:solidFill>
-                  <a:srgbClr val="FF0000"/>
-                </a:solidFill>
-              </a:rPr>
-              <a:t>sl-fn</a:t>
-            </a:r>
-            <a:r>
-              <a:rPr lang="en-US" dirty="0"/>
-              <a:t> </a:t>
-            </a:r>
-            <a:r>
-              <a:rPr lang="en-US" dirty="0" err="1"/>
-              <a:t>sl</a:t>
-            </a:r>
-            <a:r>
-              <a:rPr lang="en-US" dirty="0"/>
-              <a:t>)</a:t>
-            </a:r>
-          </a:p>
-          <a:p>
-            <a:r>
-              <a:rPr lang="en-US" dirty="0"/>
-              <a:t>  (cond</a:t>
-            </a:r>
-          </a:p>
-          <a:p>
-            <a:r>
-              <a:rPr lang="en-US" dirty="0"/>
-              <a:t>    [(empty? </a:t>
-            </a:r>
-            <a:r>
-              <a:rPr lang="en-US" dirty="0" err="1"/>
-              <a:t>sl</a:t>
-            </a:r>
-            <a:r>
-              <a:rPr lang="en-US" dirty="0"/>
-              <a:t>) ...]</a:t>
-            </a:r>
-          </a:p>
-          <a:p>
-            <a:r>
-              <a:rPr lang="en-US" dirty="0"/>
-              <a:t>    [(number? (first </a:t>
-            </a:r>
-            <a:r>
-              <a:rPr lang="en-US" dirty="0" err="1"/>
-              <a:t>sl</a:t>
-            </a:r>
-            <a:r>
-              <a:rPr lang="en-US" dirty="0"/>
-              <a:t>))</a:t>
-            </a:r>
-          </a:p>
-          <a:p>
-            <a:r>
-              <a:rPr lang="en-US" dirty="0"/>
-              <a:t>     (... (first </a:t>
-            </a:r>
-            <a:r>
-              <a:rPr lang="en-US" dirty="0" err="1"/>
-              <a:t>sl</a:t>
-            </a:r>
-            <a:r>
-              <a:rPr lang="en-US" dirty="0"/>
-              <a:t>) (</a:t>
-            </a:r>
-            <a:r>
-              <a:rPr lang="en-US" dirty="0" err="1">
-                <a:solidFill>
-                  <a:srgbClr val="FF0000"/>
-                </a:solidFill>
-              </a:rPr>
-              <a:t>sl-fn</a:t>
-            </a:r>
-            <a:r>
-              <a:rPr lang="en-US" dirty="0"/>
-              <a:t> (rest </a:t>
-            </a:r>
-            <a:r>
-              <a:rPr lang="en-US" dirty="0" err="1"/>
-              <a:t>sl</a:t>
-            </a:r>
-            <a:r>
-              <a:rPr lang="en-US" dirty="0"/>
-              <a:t>)))]</a:t>
-            </a:r>
-          </a:p>
-          <a:p>
-            <a:r>
-              <a:rPr lang="en-US" dirty="0"/>
-              <a:t>    [else</a:t>
-            </a:r>
-          </a:p>
-          <a:p>
-            <a:r>
-              <a:rPr lang="en-US" dirty="0"/>
-              <a:t>     (... (first </a:t>
-            </a:r>
-            <a:r>
-              <a:rPr lang="en-US" dirty="0" err="1"/>
-              <a:t>sl</a:t>
-            </a:r>
-            <a:r>
-              <a:rPr lang="en-US" dirty="0"/>
-              <a:t>)</a:t>
-            </a:r>
-          </a:p>
-          <a:p>
-            <a:r>
-              <a:rPr lang="en-US" dirty="0"/>
-              <a:t>          (second </a:t>
-            </a:r>
-            <a:r>
-              <a:rPr lang="en-US" dirty="0" err="1"/>
-              <a:t>sl</a:t>
-            </a:r>
-            <a:r>
-              <a:rPr lang="en-US" dirty="0"/>
-              <a:t>)</a:t>
-            </a:r>
-          </a:p>
-          <a:p>
-            <a:r>
-              <a:rPr lang="en-US" dirty="0"/>
-              <a:t>          (</a:t>
-            </a:r>
-            <a:r>
-              <a:rPr lang="en-US" dirty="0" err="1">
-                <a:solidFill>
-                  <a:srgbClr val="FF0000"/>
-                </a:solidFill>
-              </a:rPr>
-              <a:t>sl-fn</a:t>
-            </a:r>
-            <a:r>
-              <a:rPr lang="en-US" dirty="0"/>
-              <a:t> (rest (rest </a:t>
-            </a:r>
-            <a:r>
-              <a:rPr lang="en-US" dirty="0" err="1"/>
-              <a:t>sl</a:t>
-            </a:r>
-            <a:r>
-              <a:rPr lang="en-US" dirty="0"/>
-              <a:t>))))]))</a:t>
-            </a:r>
-          </a:p>
-        </p:txBody>
-      </p:sp>
-      <p:sp>
-        <p:nvSpPr>
-          <p:cNvPr id="4" name="Slide Number Placeholder 3"/>
-          <p:cNvSpPr>
-            <a:spLocks noGrp="1"/>
-          </p:cNvSpPr>
-          <p:nvPr>
-            <p:ph type="sldNum" sz="quarter" idx="12"/>
-          </p:nvPr>
-        </p:nvSpPr>
-        <p:spPr/>
-        <p:txBody>
-          <a:bodyPr/>
-          <a:lstStyle/>
-          <a:p>
-            <a:fld id="{2AF3B5EA-18B6-4040-9F78-6052AF49C681}" type="slidenum">
-              <a:rPr lang="en-US" smtClean="0"/>
-              <a:t>15</a:t>
-            </a:fld>
-            <a:endParaRPr lang="en-US"/>
-          </a:p>
-        </p:txBody>
-      </p:sp>
-      <p:grpSp>
-        <p:nvGrpSpPr>
-          <p:cNvPr id="36" name="Group 35"/>
-          <p:cNvGrpSpPr/>
-          <p:nvPr/>
-        </p:nvGrpSpPr>
-        <p:grpSpPr>
-          <a:xfrm>
-            <a:off x="3048000" y="1676400"/>
-            <a:ext cx="5410200" cy="1625825"/>
-            <a:chOff x="3048000" y="1676400"/>
-            <a:chExt cx="5410200" cy="1625825"/>
-          </a:xfrm>
-        </p:grpSpPr>
-        <p:sp>
-          <p:nvSpPr>
-            <p:cNvPr id="5" name="Rectangle 4"/>
-            <p:cNvSpPr/>
-            <p:nvPr/>
-          </p:nvSpPr>
-          <p:spPr>
-            <a:xfrm>
-              <a:off x="5486400" y="1676400"/>
-              <a:ext cx="2971800" cy="914400"/>
-            </a:xfrm>
-            <a:prstGeom prst="rect">
-              <a:avLst/>
-            </a:prstGeom>
-            <a:solidFill>
-              <a:schemeClr val="accent3">
-                <a:lumMod val="40000"/>
-                <a:lumOff val="60000"/>
-              </a:schemeClr>
-            </a:solidFill>
-            <a:ln/>
-          </p:spPr>
-          <p:style>
-            <a:lnRef idx="2">
-              <a:schemeClr val="accent1"/>
-            </a:lnRef>
-            <a:fillRef idx="1">
-              <a:schemeClr val="lt1"/>
-            </a:fillRef>
-            <a:effectRef idx="0">
-              <a:schemeClr val="accent1"/>
-            </a:effectRef>
-            <a:fontRef idx="minor">
-              <a:schemeClr val="dk1"/>
-            </a:fontRef>
-          </p:style>
-          <p:txBody>
-            <a:bodyPr rot="0" spcFirstLastPara="0" vertOverflow="overflow" horzOverflow="overflow" vert="horz" wrap="square" lIns="91440" tIns="45720" rIns="91440" bIns="45720" numCol="1" spcCol="0" rtlCol="0" fromWordArt="0" anchor="ctr" anchorCtr="0" forceAA="0" compatLnSpc="1">
-              <a:prstTxWarp prst="textNoShape">
-                <a:avLst/>
-              </a:prstTxWarp>
-              <a:noAutofit/>
-            </a:bodyPr>
-            <a:lstStyle/>
-            <a:p>
-              <a:pPr algn="ctr"/>
-              <a:r>
-                <a:rPr lang="en-US" dirty="0">
-                  <a:solidFill>
-                    <a:schemeClr val="tx1"/>
-                  </a:solidFill>
-                </a:rPr>
-                <a:t>Predicates that distinguish the cases</a:t>
-              </a:r>
-            </a:p>
-          </p:txBody>
-        </p:sp>
-        <p:cxnSp>
-          <p:nvCxnSpPr>
-            <p:cNvPr id="9" name="Straight Arrow Connector 8"/>
-            <p:cNvCxnSpPr>
-              <a:stCxn id="5" idx="1"/>
-            </p:cNvCxnSpPr>
-            <p:nvPr/>
-          </p:nvCxnSpPr>
-          <p:spPr>
-            <a:xfrm flipH="1">
-              <a:off x="3581400" y="2133600"/>
-              <a:ext cx="1905000" cy="685800"/>
-            </a:xfrm>
-            <a:prstGeom prst="straightConnector1">
-              <a:avLst/>
-            </a:prstGeom>
-            <a:ln w="25400">
-              <a:solidFill>
-                <a:schemeClr val="tx1"/>
-              </a:solidFill>
-              <a:tailEnd type="stealth" w="lg" len="lg"/>
-            </a:ln>
-          </p:spPr>
-          <p:style>
-            <a:lnRef idx="1">
-              <a:schemeClr val="accent1"/>
-            </a:lnRef>
-            <a:fillRef idx="0">
-              <a:schemeClr val="accent1"/>
-            </a:fillRef>
-            <a:effectRef idx="0">
-              <a:schemeClr val="accent1"/>
-            </a:effectRef>
-            <a:fontRef idx="minor">
-              <a:schemeClr val="tx1"/>
-            </a:fontRef>
-          </p:style>
-        </p:cxnSp>
-        <p:cxnSp>
-          <p:nvCxnSpPr>
-            <p:cNvPr id="10" name="Straight Arrow Connector 9"/>
-            <p:cNvCxnSpPr/>
-            <p:nvPr/>
-          </p:nvCxnSpPr>
-          <p:spPr>
-            <a:xfrm flipH="1">
-              <a:off x="3048000" y="2133600"/>
-              <a:ext cx="2438400" cy="1168625"/>
-            </a:xfrm>
-            <a:prstGeom prst="straightConnector1">
-              <a:avLst/>
-            </a:prstGeom>
-            <a:ln w="25400">
-              <a:solidFill>
-                <a:schemeClr val="tx1"/>
-              </a:solidFill>
-              <a:tailEnd type="stealth" w="lg" len="lg"/>
-            </a:ln>
-          </p:spPr>
-          <p:style>
-            <a:lnRef idx="1">
-              <a:schemeClr val="accent1"/>
-            </a:lnRef>
-            <a:fillRef idx="0">
-              <a:schemeClr val="accent1"/>
-            </a:fillRef>
-            <a:effectRef idx="0">
-              <a:schemeClr val="accent1"/>
-            </a:effectRef>
-            <a:fontRef idx="minor">
-              <a:schemeClr val="tx1"/>
-            </a:fontRef>
-          </p:style>
-        </p:cxnSp>
-      </p:grpSp>
-      <p:grpSp>
-        <p:nvGrpSpPr>
-          <p:cNvPr id="37" name="Group 36"/>
-          <p:cNvGrpSpPr/>
-          <p:nvPr/>
-        </p:nvGrpSpPr>
-        <p:grpSpPr>
-          <a:xfrm>
-            <a:off x="3581400" y="3884613"/>
-            <a:ext cx="4724400" cy="1483856"/>
-            <a:chOff x="3581400" y="3884613"/>
-            <a:chExt cx="4724400" cy="1483856"/>
-          </a:xfrm>
-        </p:grpSpPr>
-        <p:sp>
-          <p:nvSpPr>
-            <p:cNvPr id="6" name="Rectangle 5"/>
-            <p:cNvSpPr/>
-            <p:nvPr/>
-          </p:nvSpPr>
-          <p:spPr>
-            <a:xfrm>
-              <a:off x="5943600" y="4114800"/>
-              <a:ext cx="2362200" cy="1066800"/>
-            </a:xfrm>
-            <a:prstGeom prst="rect">
-              <a:avLst/>
-            </a:prstGeom>
-            <a:solidFill>
-              <a:schemeClr val="accent3">
-                <a:lumMod val="40000"/>
-                <a:lumOff val="60000"/>
-              </a:schemeClr>
-            </a:solidFill>
-            <a:ln/>
-          </p:spPr>
-          <p:style>
-            <a:lnRef idx="2">
-              <a:schemeClr val="accent1"/>
-            </a:lnRef>
-            <a:fillRef idx="1">
-              <a:schemeClr val="lt1"/>
-            </a:fillRef>
-            <a:effectRef idx="0">
-              <a:schemeClr val="accent1"/>
-            </a:effectRef>
-            <a:fontRef idx="minor">
-              <a:schemeClr val="dk1"/>
-            </a:fontRef>
-          </p:style>
-          <p:txBody>
-            <a:bodyPr rot="0" spcFirstLastPara="0" vertOverflow="overflow" horzOverflow="overflow" vert="horz" wrap="square" lIns="91440" tIns="45720" rIns="91440" bIns="45720" numCol="1" spcCol="0" rtlCol="0" fromWordArt="0" anchor="ctr" anchorCtr="0" forceAA="0" compatLnSpc="1">
-              <a:prstTxWarp prst="textNoShape">
-                <a:avLst/>
-              </a:prstTxWarp>
-              <a:noAutofit/>
-            </a:bodyPr>
-            <a:lstStyle/>
-            <a:p>
-              <a:pPr algn="ctr"/>
-              <a:r>
-                <a:rPr lang="en-US" dirty="0">
-                  <a:solidFill>
-                    <a:schemeClr val="tx1"/>
-                  </a:solidFill>
-                </a:rPr>
-                <a:t>Selector functions</a:t>
-              </a:r>
-            </a:p>
-          </p:txBody>
-        </p:sp>
-        <p:cxnSp>
-          <p:nvCxnSpPr>
-            <p:cNvPr id="13" name="Straight Arrow Connector 12"/>
-            <p:cNvCxnSpPr>
-              <a:stCxn id="6" idx="1"/>
-            </p:cNvCxnSpPr>
-            <p:nvPr/>
-          </p:nvCxnSpPr>
-          <p:spPr>
-            <a:xfrm flipH="1" flipV="1">
-              <a:off x="3581400" y="3884613"/>
-              <a:ext cx="2362200" cy="763587"/>
-            </a:xfrm>
-            <a:prstGeom prst="straightConnector1">
-              <a:avLst/>
-            </a:prstGeom>
-            <a:ln w="25400">
-              <a:solidFill>
-                <a:schemeClr val="tx1"/>
-              </a:solidFill>
-              <a:tailEnd type="stealth" w="lg" len="lg"/>
-            </a:ln>
-          </p:spPr>
-          <p:style>
-            <a:lnRef idx="1">
-              <a:schemeClr val="accent1"/>
-            </a:lnRef>
-            <a:fillRef idx="0">
-              <a:schemeClr val="accent1"/>
-            </a:fillRef>
-            <a:effectRef idx="0">
-              <a:schemeClr val="accent1"/>
-            </a:effectRef>
-            <a:fontRef idx="minor">
-              <a:schemeClr val="tx1"/>
-            </a:fontRef>
-          </p:style>
-        </p:cxnSp>
-        <p:cxnSp>
-          <p:nvCxnSpPr>
-            <p:cNvPr id="17" name="Straight Arrow Connector 16"/>
-            <p:cNvCxnSpPr>
-              <a:stCxn id="6" idx="1"/>
-            </p:cNvCxnSpPr>
-            <p:nvPr/>
-          </p:nvCxnSpPr>
-          <p:spPr>
-            <a:xfrm flipH="1">
-              <a:off x="4648200" y="4648200"/>
-              <a:ext cx="1295400" cy="345717"/>
-            </a:xfrm>
-            <a:prstGeom prst="straightConnector1">
-              <a:avLst/>
-            </a:prstGeom>
-            <a:ln w="25400">
-              <a:solidFill>
-                <a:schemeClr val="tx1"/>
-              </a:solidFill>
-              <a:tailEnd type="stealth" w="lg" len="lg"/>
-            </a:ln>
-          </p:spPr>
-          <p:style>
-            <a:lnRef idx="1">
-              <a:schemeClr val="accent1"/>
-            </a:lnRef>
-            <a:fillRef idx="0">
-              <a:schemeClr val="accent1"/>
-            </a:fillRef>
-            <a:effectRef idx="0">
-              <a:schemeClr val="accent1"/>
-            </a:effectRef>
-            <a:fontRef idx="minor">
-              <a:schemeClr val="tx1"/>
-            </a:fontRef>
-          </p:style>
-        </p:cxnSp>
-        <p:cxnSp>
-          <p:nvCxnSpPr>
-            <p:cNvPr id="18" name="Straight Arrow Connector 17"/>
-            <p:cNvCxnSpPr/>
-            <p:nvPr/>
-          </p:nvCxnSpPr>
-          <p:spPr>
-            <a:xfrm flipH="1">
-              <a:off x="4419600" y="4648200"/>
-              <a:ext cx="1524000" cy="0"/>
-            </a:xfrm>
-            <a:prstGeom prst="straightConnector1">
-              <a:avLst/>
-            </a:prstGeom>
-            <a:ln w="25400">
-              <a:solidFill>
-                <a:schemeClr val="tx1"/>
-              </a:solidFill>
-              <a:tailEnd type="stealth" w="lg" len="lg"/>
-            </a:ln>
-          </p:spPr>
-          <p:style>
-            <a:lnRef idx="1">
-              <a:schemeClr val="accent1"/>
-            </a:lnRef>
-            <a:fillRef idx="0">
-              <a:schemeClr val="accent1"/>
-            </a:fillRef>
-            <a:effectRef idx="0">
-              <a:schemeClr val="accent1"/>
-            </a:effectRef>
-            <a:fontRef idx="minor">
-              <a:schemeClr val="tx1"/>
-            </a:fontRef>
-          </p:style>
-        </p:cxnSp>
-        <p:cxnSp>
-          <p:nvCxnSpPr>
-            <p:cNvPr id="23" name="Straight Arrow Connector 22"/>
-            <p:cNvCxnSpPr/>
-            <p:nvPr/>
-          </p:nvCxnSpPr>
-          <p:spPr>
-            <a:xfrm flipH="1">
-              <a:off x="4762500" y="4648199"/>
-              <a:ext cx="1181100" cy="720270"/>
-            </a:xfrm>
-            <a:prstGeom prst="straightConnector1">
-              <a:avLst/>
-            </a:prstGeom>
-            <a:ln w="25400">
-              <a:solidFill>
-                <a:schemeClr val="tx1"/>
-              </a:solidFill>
-              <a:tailEnd type="stealth" w="lg" len="lg"/>
-            </a:ln>
-          </p:spPr>
-          <p:style>
-            <a:lnRef idx="1">
-              <a:schemeClr val="accent1"/>
-            </a:lnRef>
-            <a:fillRef idx="0">
-              <a:schemeClr val="accent1"/>
-            </a:fillRef>
-            <a:effectRef idx="0">
-              <a:schemeClr val="accent1"/>
-            </a:effectRef>
-            <a:fontRef idx="minor">
-              <a:schemeClr val="tx1"/>
-            </a:fontRef>
-          </p:style>
-        </p:cxnSp>
-        <p:cxnSp>
-          <p:nvCxnSpPr>
-            <p:cNvPr id="26" name="Straight Arrow Connector 25"/>
-            <p:cNvCxnSpPr>
-              <a:stCxn id="6" idx="1"/>
-            </p:cNvCxnSpPr>
-            <p:nvPr/>
-          </p:nvCxnSpPr>
-          <p:spPr>
-            <a:xfrm flipV="1">
-              <a:off x="5943600" y="4065812"/>
-              <a:ext cx="381000" cy="582388"/>
-            </a:xfrm>
-            <a:prstGeom prst="straightConnector1">
-              <a:avLst/>
-            </a:prstGeom>
-            <a:ln w="25400">
-              <a:solidFill>
-                <a:schemeClr val="tx1"/>
-              </a:solidFill>
-              <a:tailEnd type="stealth" w="lg" len="lg"/>
-            </a:ln>
-          </p:spPr>
-          <p:style>
-            <a:lnRef idx="1">
-              <a:schemeClr val="accent1"/>
-            </a:lnRef>
-            <a:fillRef idx="0">
-              <a:schemeClr val="accent1"/>
-            </a:fillRef>
-            <a:effectRef idx="0">
-              <a:schemeClr val="accent1"/>
-            </a:effectRef>
-            <a:fontRef idx="minor">
-              <a:schemeClr val="tx1"/>
-            </a:fontRef>
-          </p:style>
-        </p:cxnSp>
-      </p:grpSp>
-      <p:grpSp>
-        <p:nvGrpSpPr>
-          <p:cNvPr id="38" name="Group 37"/>
-          <p:cNvGrpSpPr/>
-          <p:nvPr/>
-        </p:nvGrpSpPr>
-        <p:grpSpPr>
-          <a:xfrm>
-            <a:off x="533400" y="4065812"/>
-            <a:ext cx="4419600" cy="2517551"/>
-            <a:chOff x="533400" y="4065812"/>
-            <a:chExt cx="4419600" cy="2517551"/>
-          </a:xfrm>
-        </p:grpSpPr>
-        <p:sp>
-          <p:nvSpPr>
-            <p:cNvPr id="7" name="Rectangle 6"/>
-            <p:cNvSpPr/>
-            <p:nvPr/>
-          </p:nvSpPr>
-          <p:spPr>
-            <a:xfrm>
-              <a:off x="533400" y="5668963"/>
-              <a:ext cx="1828800" cy="914400"/>
-            </a:xfrm>
-            <a:prstGeom prst="rect">
-              <a:avLst/>
-            </a:prstGeom>
-            <a:solidFill>
-              <a:schemeClr val="accent3">
-                <a:lumMod val="40000"/>
-                <a:lumOff val="60000"/>
-              </a:schemeClr>
-            </a:solidFill>
-            <a:ln/>
-          </p:spPr>
-          <p:style>
-            <a:lnRef idx="2">
-              <a:schemeClr val="accent1"/>
-            </a:lnRef>
-            <a:fillRef idx="1">
-              <a:schemeClr val="lt1"/>
-            </a:fillRef>
-            <a:effectRef idx="0">
-              <a:schemeClr val="accent1"/>
-            </a:effectRef>
-            <a:fontRef idx="minor">
-              <a:schemeClr val="dk1"/>
-            </a:fontRef>
-          </p:style>
-          <p:txBody>
-            <a:bodyPr rot="0" spcFirstLastPara="0" vertOverflow="overflow" horzOverflow="overflow" vert="horz" wrap="square" lIns="91440" tIns="45720" rIns="91440" bIns="45720" numCol="1" spcCol="0" rtlCol="0" fromWordArt="0" anchor="ctr" anchorCtr="0" forceAA="0" compatLnSpc="1">
-              <a:prstTxWarp prst="textNoShape">
-                <a:avLst/>
-              </a:prstTxWarp>
-              <a:noAutofit/>
-            </a:bodyPr>
-            <a:lstStyle/>
-            <a:p>
-              <a:pPr algn="ctr"/>
-              <a:r>
-                <a:rPr lang="en-US" dirty="0">
-                  <a:solidFill>
-                    <a:schemeClr val="tx1"/>
-                  </a:solidFill>
-                </a:rPr>
-                <a:t>Recursive calls</a:t>
-              </a:r>
-            </a:p>
-          </p:txBody>
-        </p:sp>
-        <p:cxnSp>
-          <p:nvCxnSpPr>
-            <p:cNvPr id="29" name="Straight Arrow Connector 28"/>
-            <p:cNvCxnSpPr>
-              <a:stCxn id="7" idx="3"/>
-            </p:cNvCxnSpPr>
-            <p:nvPr/>
-          </p:nvCxnSpPr>
-          <p:spPr>
-            <a:xfrm flipV="1">
-              <a:off x="2362200" y="4065812"/>
-              <a:ext cx="2590800" cy="2060351"/>
-            </a:xfrm>
-            <a:prstGeom prst="straightConnector1">
-              <a:avLst/>
-            </a:prstGeom>
-            <a:ln w="25400">
-              <a:solidFill>
-                <a:schemeClr val="accent2"/>
-              </a:solidFill>
-              <a:tailEnd type="stealth" w="lg" len="lg"/>
-            </a:ln>
-          </p:spPr>
-          <p:style>
-            <a:lnRef idx="1">
-              <a:schemeClr val="accent1"/>
-            </a:lnRef>
-            <a:fillRef idx="0">
-              <a:schemeClr val="accent1"/>
-            </a:fillRef>
-            <a:effectRef idx="0">
-              <a:schemeClr val="accent1"/>
-            </a:effectRef>
-            <a:fontRef idx="minor">
-              <a:schemeClr val="tx1"/>
-            </a:fontRef>
-          </p:style>
-        </p:cxnSp>
-        <p:cxnSp>
-          <p:nvCxnSpPr>
-            <p:cNvPr id="33" name="Straight Arrow Connector 32"/>
-            <p:cNvCxnSpPr>
-              <a:stCxn id="7" idx="3"/>
-            </p:cNvCxnSpPr>
-            <p:nvPr/>
-          </p:nvCxnSpPr>
-          <p:spPr>
-            <a:xfrm flipV="1">
-              <a:off x="2362200" y="5668963"/>
-              <a:ext cx="838200" cy="457200"/>
-            </a:xfrm>
-            <a:prstGeom prst="straightConnector1">
-              <a:avLst/>
-            </a:prstGeom>
-            <a:ln w="25400">
-              <a:solidFill>
-                <a:schemeClr val="accent2"/>
-              </a:solidFill>
-              <a:tailEnd type="stealth" w="lg" len="lg"/>
-            </a:ln>
-          </p:spPr>
-          <p:style>
-            <a:lnRef idx="1">
-              <a:schemeClr val="accent1"/>
-            </a:lnRef>
-            <a:fillRef idx="0">
-              <a:schemeClr val="accent1"/>
-            </a:fillRef>
-            <a:effectRef idx="0">
-              <a:schemeClr val="accent1"/>
-            </a:effectRef>
-            <a:fontRef idx="minor">
-              <a:schemeClr val="tx1"/>
-            </a:fontRef>
-          </p:style>
-        </p:cxnSp>
-      </p:grpSp>
-    </p:spTree>
-    <p:extLst>
-      <p:ext uri="{BB962C8B-B14F-4D97-AF65-F5344CB8AC3E}">
-        <p14:creationId xmlns:p14="http://schemas.microsoft.com/office/powerpoint/2010/main" val="4026683354"/>
+        <p14:creationId xmlns:p14="http://schemas.microsoft.com/office/powerpoint/2010/main" val="1293143162"/>
       </p:ext>
     </p:extLst>
   </p:cSld>
@@ -6533,7 +7453,7 @@
                             </p:stCondLst>
                             <p:childTnLst>
                               <p:par>
-                                <p:cTn id="5" presetID="1" presetClass="entr" presetSubtype="0" fill="hold" nodeType="clickEffect">
+                                <p:cTn id="5" presetID="1" presetClass="entr" presetSubtype="0" fill="hold" grpId="0" nodeType="clickEffect">
                                   <p:stCondLst>
                                     <p:cond delay="0"/>
                                   </p:stCondLst>
@@ -6546,97 +7466,7 @@
                                           </p:stCondLst>
                                         </p:cTn>
                                         <p:tgtEl>
-                                          <p:spTgt spid="36"/>
-                                        </p:tgtEl>
-                                        <p:attrNameLst>
-                                          <p:attrName>style.visibility</p:attrName>
-                                        </p:attrNameLst>
-                                      </p:cBhvr>
-                                      <p:to>
-                                        <p:strVal val="visible"/>
-                                      </p:to>
-                                    </p:set>
-                                  </p:childTnLst>
-                                </p:cTn>
-                              </p:par>
-                            </p:childTnLst>
-                          </p:cTn>
-                        </p:par>
-                      </p:childTnLst>
-                    </p:cTn>
-                  </p:par>
-                  <p:par>
-                    <p:cTn id="7" fill="hold">
-                      <p:stCondLst>
-                        <p:cond delay="indefinite"/>
-                      </p:stCondLst>
-                      <p:childTnLst>
-                        <p:par>
-                          <p:cTn id="8" fill="hold">
-                            <p:stCondLst>
-                              <p:cond delay="0"/>
-                            </p:stCondLst>
-                            <p:childTnLst>
-                              <p:par>
-                                <p:cTn id="9" presetID="1" presetClass="entr" presetSubtype="0" fill="hold" nodeType="clickEffect">
-                                  <p:stCondLst>
-                                    <p:cond delay="0"/>
-                                  </p:stCondLst>
-                                  <p:childTnLst>
-                                    <p:set>
-                                      <p:cBhvr>
-                                        <p:cTn id="10" dur="1" fill="hold">
-                                          <p:stCondLst>
-                                            <p:cond delay="0"/>
-                                          </p:stCondLst>
-                                        </p:cTn>
-                                        <p:tgtEl>
-                                          <p:spTgt spid="37"/>
-                                        </p:tgtEl>
-                                        <p:attrNameLst>
-                                          <p:attrName>style.visibility</p:attrName>
-                                        </p:attrNameLst>
-                                      </p:cBhvr>
-                                      <p:to>
-                                        <p:strVal val="visible"/>
-                                      </p:to>
-                                    </p:set>
-                                  </p:childTnLst>
-                                </p:cTn>
-                              </p:par>
-                            </p:childTnLst>
-                          </p:cTn>
-                        </p:par>
-                      </p:childTnLst>
-                    </p:cTn>
-                  </p:par>
-                  <p:par>
-                    <p:cTn id="11" fill="hold">
-                      <p:stCondLst>
-                        <p:cond delay="indefinite"/>
-                      </p:stCondLst>
-                      <p:childTnLst>
-                        <p:par>
-                          <p:cTn id="12" fill="hold">
-                            <p:stCondLst>
-                              <p:cond delay="0"/>
-                            </p:stCondLst>
-                            <p:childTnLst>
-                              <p:par>
-                                <p:cTn id="13" presetID="1" presetClass="entr" presetSubtype="0" fill="hold" nodeType="clickEffect">
-                                  <p:stCondLst>
-                                    <p:cond delay="0"/>
-                                  </p:stCondLst>
-                                  <p:childTnLst>
-                                    <p:set>
-                                      <p:cBhvr>
-                                        <p:cTn id="14" dur="1" fill="hold">
-                                          <p:stCondLst>
-                                            <p:cond delay="0"/>
-                                          </p:stCondLst>
-                                        </p:cTn>
-                                        <p:tgtEl>
-                                          <p:spTgt spid="38"/>
+                                          <p:spTgt spid="5"/>
                                         </p:tgtEl>
                                         <p:attrNameLst>
                                           <p:attrName>style.visibility</p:attrName>
@@ -6676,1930 +7506,10 @@
         </p:cTn>
       </p:par>
     </p:tnLst>
+    <p:bldLst>
+      <p:bldP spid="5" grpId="0" animBg="1"/>
+    </p:bldLst>
   </p:timing>
-</p:sld>
-</file>
-
-<file path=ppt/slides/slide16.xml><?xml version="1.0" encoding="utf-8"?>
-<p:sld xmlns:a="http://schemas.openxmlformats.org/drawingml/2006/main" xmlns:r="http://schemas.openxmlformats.org/officeDocument/2006/relationships" xmlns:p="http://schemas.openxmlformats.org/presentationml/2006/main">
-  <p:cSld>
-    <p:spTree>
-      <p:nvGrpSpPr>
-        <p:cNvPr id="1" name=""/>
-        <p:cNvGrpSpPr/>
-        <p:nvPr/>
-      </p:nvGrpSpPr>
-      <p:grpSpPr>
-        <a:xfrm>
-          <a:off x="0" y="0"/>
-          <a:ext cx="0" cy="0"/>
-          <a:chOff x="0" y="0"/>
-          <a:chExt cx="0" cy="0"/>
-        </a:xfrm>
-      </p:grpSpPr>
-      <p:sp>
-        <p:nvSpPr>
-          <p:cNvPr id="2" name="Title 1"/>
-          <p:cNvSpPr>
-            <a:spLocks noGrp="1"/>
-          </p:cNvSpPr>
-          <p:nvPr>
-            <p:ph type="title"/>
-          </p:nvPr>
-        </p:nvSpPr>
-        <p:spPr/>
-        <p:txBody>
-          <a:bodyPr/>
-          <a:lstStyle/>
-          <a:p>
-            <a:r>
-              <a:rPr lang="en-US" dirty="0"/>
-              <a:t>Template  Questions for Silly Lists</a:t>
-            </a:r>
-          </a:p>
-        </p:txBody>
-      </p:sp>
-      <p:sp>
-        <p:nvSpPr>
-          <p:cNvPr id="3" name="Content Placeholder 2"/>
-          <p:cNvSpPr>
-            <a:spLocks noGrp="1"/>
-          </p:cNvSpPr>
-          <p:nvPr>
-            <p:ph idx="1"/>
-          </p:nvPr>
-        </p:nvSpPr>
-        <p:spPr/>
-        <p:txBody>
-          <a:bodyPr>
-            <a:normAutofit fontScale="85000" lnSpcReduction="20000"/>
-          </a:bodyPr>
-          <a:lstStyle/>
-          <a:p>
-            <a:r>
-              <a:rPr lang="en-US" dirty="0"/>
-              <a:t>;; </a:t>
-            </a:r>
-            <a:r>
-              <a:rPr lang="en-US" dirty="0" err="1"/>
-              <a:t>sl-fn</a:t>
-            </a:r>
-            <a:r>
-              <a:rPr lang="en-US" dirty="0"/>
-              <a:t> : SL -&gt; ??</a:t>
-            </a:r>
-          </a:p>
-          <a:p>
-            <a:r>
-              <a:rPr lang="en-US" dirty="0"/>
-              <a:t>(define (</a:t>
-            </a:r>
-            <a:r>
-              <a:rPr lang="en-US" dirty="0" err="1">
-                <a:solidFill>
-                  <a:srgbClr val="FF0000"/>
-                </a:solidFill>
-              </a:rPr>
-              <a:t>sl-fn</a:t>
-            </a:r>
-            <a:r>
-              <a:rPr lang="en-US" dirty="0"/>
-              <a:t> </a:t>
-            </a:r>
-            <a:r>
-              <a:rPr lang="en-US" dirty="0" err="1"/>
-              <a:t>sl</a:t>
-            </a:r>
-            <a:r>
-              <a:rPr lang="en-US" dirty="0"/>
-              <a:t>)</a:t>
-            </a:r>
-          </a:p>
-          <a:p>
-            <a:r>
-              <a:rPr lang="en-US" dirty="0"/>
-              <a:t>  (cond</a:t>
-            </a:r>
-          </a:p>
-          <a:p>
-            <a:r>
-              <a:rPr lang="en-US" dirty="0"/>
-              <a:t>    [(empty? </a:t>
-            </a:r>
-            <a:r>
-              <a:rPr lang="en-US" dirty="0" err="1"/>
-              <a:t>sl</a:t>
-            </a:r>
-            <a:r>
-              <a:rPr lang="en-US" dirty="0"/>
-              <a:t>) ...]</a:t>
-            </a:r>
-          </a:p>
-          <a:p>
-            <a:r>
-              <a:rPr lang="en-US" dirty="0"/>
-              <a:t>    [(number? (first </a:t>
-            </a:r>
-            <a:r>
-              <a:rPr lang="en-US" dirty="0" err="1"/>
-              <a:t>sl</a:t>
-            </a:r>
-            <a:r>
-              <a:rPr lang="en-US" dirty="0"/>
-              <a:t>))</a:t>
-            </a:r>
-          </a:p>
-          <a:p>
-            <a:r>
-              <a:rPr lang="en-US" dirty="0"/>
-              <a:t>     (... (first </a:t>
-            </a:r>
-            <a:r>
-              <a:rPr lang="en-US" dirty="0" err="1"/>
-              <a:t>sl</a:t>
-            </a:r>
-            <a:r>
-              <a:rPr lang="en-US" dirty="0"/>
-              <a:t>) (</a:t>
-            </a:r>
-            <a:r>
-              <a:rPr lang="en-US" dirty="0" err="1">
-                <a:solidFill>
-                  <a:srgbClr val="FF0000"/>
-                </a:solidFill>
-              </a:rPr>
-              <a:t>sl-fn</a:t>
-            </a:r>
-            <a:r>
-              <a:rPr lang="en-US" dirty="0"/>
-              <a:t> (rest </a:t>
-            </a:r>
-            <a:r>
-              <a:rPr lang="en-US" dirty="0" err="1"/>
-              <a:t>sl</a:t>
-            </a:r>
-            <a:r>
-              <a:rPr lang="en-US" dirty="0"/>
-              <a:t>)))]</a:t>
-            </a:r>
-          </a:p>
-          <a:p>
-            <a:r>
-              <a:rPr lang="en-US" dirty="0"/>
-              <a:t>    [else</a:t>
-            </a:r>
-          </a:p>
-          <a:p>
-            <a:r>
-              <a:rPr lang="en-US" dirty="0"/>
-              <a:t>     (... (first </a:t>
-            </a:r>
-            <a:r>
-              <a:rPr lang="en-US" dirty="0" err="1"/>
-              <a:t>sl</a:t>
-            </a:r>
-            <a:r>
-              <a:rPr lang="en-US" dirty="0"/>
-              <a:t>)</a:t>
-            </a:r>
-          </a:p>
-          <a:p>
-            <a:r>
-              <a:rPr lang="en-US" dirty="0"/>
-              <a:t>          (second </a:t>
-            </a:r>
-            <a:r>
-              <a:rPr lang="en-US" dirty="0" err="1"/>
-              <a:t>sl</a:t>
-            </a:r>
-            <a:r>
-              <a:rPr lang="en-US" dirty="0"/>
-              <a:t>)</a:t>
-            </a:r>
-          </a:p>
-          <a:p>
-            <a:r>
-              <a:rPr lang="en-US" dirty="0"/>
-              <a:t>          (</a:t>
-            </a:r>
-            <a:r>
-              <a:rPr lang="en-US" dirty="0" err="1">
-                <a:solidFill>
-                  <a:srgbClr val="FF0000"/>
-                </a:solidFill>
-              </a:rPr>
-              <a:t>sl-fn</a:t>
-            </a:r>
-            <a:r>
-              <a:rPr lang="en-US" dirty="0"/>
-              <a:t> (rest (rest </a:t>
-            </a:r>
-            <a:r>
-              <a:rPr lang="en-US" dirty="0" err="1"/>
-              <a:t>sl</a:t>
-            </a:r>
-            <a:r>
-              <a:rPr lang="en-US" dirty="0"/>
-              <a:t>))))]))</a:t>
-            </a:r>
-          </a:p>
-        </p:txBody>
-      </p:sp>
-      <p:sp>
-        <p:nvSpPr>
-          <p:cNvPr id="4" name="Slide Number Placeholder 3"/>
-          <p:cNvSpPr>
-            <a:spLocks noGrp="1"/>
-          </p:cNvSpPr>
-          <p:nvPr>
-            <p:ph type="sldNum" sz="quarter" idx="12"/>
-          </p:nvPr>
-        </p:nvSpPr>
-        <p:spPr/>
-        <p:txBody>
-          <a:bodyPr/>
-          <a:lstStyle/>
-          <a:p>
-            <a:fld id="{2AF3B5EA-18B6-4040-9F78-6052AF49C681}" type="slidenum">
-              <a:rPr lang="en-US" smtClean="0"/>
-              <a:t>16</a:t>
-            </a:fld>
-            <a:endParaRPr lang="en-US"/>
-          </a:p>
-        </p:txBody>
-      </p:sp>
-      <p:grpSp>
-        <p:nvGrpSpPr>
-          <p:cNvPr id="20" name="Group 19"/>
-          <p:cNvGrpSpPr/>
-          <p:nvPr/>
-        </p:nvGrpSpPr>
-        <p:grpSpPr>
-          <a:xfrm>
-            <a:off x="3509920" y="1562100"/>
-            <a:ext cx="1752600" cy="1333500"/>
-            <a:chOff x="3509920" y="1562100"/>
-            <a:chExt cx="1752600" cy="1333500"/>
-          </a:xfrm>
-        </p:grpSpPr>
-        <p:sp>
-          <p:nvSpPr>
-            <p:cNvPr id="8" name="Rectangle 7"/>
-            <p:cNvSpPr/>
-            <p:nvPr/>
-          </p:nvSpPr>
-          <p:spPr>
-            <a:xfrm>
-              <a:off x="3509920" y="1562100"/>
-              <a:ext cx="1752600" cy="838200"/>
-            </a:xfrm>
-            <a:prstGeom prst="rect">
-              <a:avLst/>
-            </a:prstGeom>
-            <a:ln/>
-          </p:spPr>
-          <p:style>
-            <a:lnRef idx="1">
-              <a:schemeClr val="accent6"/>
-            </a:lnRef>
-            <a:fillRef idx="2">
-              <a:schemeClr val="accent6"/>
-            </a:fillRef>
-            <a:effectRef idx="1">
-              <a:schemeClr val="accent6"/>
-            </a:effectRef>
-            <a:fontRef idx="minor">
-              <a:schemeClr val="dk1"/>
-            </a:fontRef>
-          </p:style>
-          <p:txBody>
-            <a:bodyPr rot="0" spcFirstLastPara="0" vertOverflow="overflow" horzOverflow="overflow" vert="horz" wrap="square" lIns="91440" tIns="45720" rIns="91440" bIns="45720" numCol="1" spcCol="0" rtlCol="0" fromWordArt="0" anchor="ctr" anchorCtr="0" forceAA="0" compatLnSpc="1">
-              <a:prstTxWarp prst="textNoShape">
-                <a:avLst/>
-              </a:prstTxWarp>
-              <a:noAutofit/>
-            </a:bodyPr>
-            <a:lstStyle/>
-            <a:p>
-              <a:pPr algn="ctr"/>
-              <a:r>
-                <a:rPr lang="en-US" dirty="0">
-                  <a:solidFill>
-                    <a:schemeClr val="tx1"/>
-                  </a:solidFill>
-                </a:rPr>
-                <a:t>What's the answer for the empty SL?</a:t>
-              </a:r>
-            </a:p>
-          </p:txBody>
-        </p:sp>
-        <p:cxnSp>
-          <p:nvCxnSpPr>
-            <p:cNvPr id="14" name="Straight Arrow Connector 13"/>
-            <p:cNvCxnSpPr>
-              <a:stCxn id="8" idx="2"/>
-            </p:cNvCxnSpPr>
-            <p:nvPr/>
-          </p:nvCxnSpPr>
-          <p:spPr>
-            <a:xfrm flipH="1">
-              <a:off x="4114800" y="2400300"/>
-              <a:ext cx="271420" cy="495300"/>
-            </a:xfrm>
-            <a:prstGeom prst="straightConnector1">
-              <a:avLst/>
-            </a:prstGeom>
-            <a:ln w="25400">
-              <a:solidFill>
-                <a:schemeClr val="tx1"/>
-              </a:solidFill>
-              <a:tailEnd type="stealth" w="lg" len="lg"/>
-            </a:ln>
-          </p:spPr>
-          <p:style>
-            <a:lnRef idx="1">
-              <a:schemeClr val="accent1"/>
-            </a:lnRef>
-            <a:fillRef idx="0">
-              <a:schemeClr val="accent1"/>
-            </a:fillRef>
-            <a:effectRef idx="0">
-              <a:schemeClr val="accent1"/>
-            </a:effectRef>
-            <a:fontRef idx="minor">
-              <a:schemeClr val="tx1"/>
-            </a:fontRef>
-          </p:style>
-        </p:cxnSp>
-      </p:grpSp>
-      <p:grpSp>
-        <p:nvGrpSpPr>
-          <p:cNvPr id="21" name="Group 20"/>
-          <p:cNvGrpSpPr/>
-          <p:nvPr/>
-        </p:nvGrpSpPr>
-        <p:grpSpPr>
-          <a:xfrm>
-            <a:off x="2168665" y="1981200"/>
-            <a:ext cx="6681324" cy="2656168"/>
-            <a:chOff x="2168665" y="1981200"/>
-            <a:chExt cx="6681324" cy="2656168"/>
-          </a:xfrm>
-        </p:grpSpPr>
-        <p:sp>
-          <p:nvSpPr>
-            <p:cNvPr id="11" name="Rectangle 10"/>
-            <p:cNvSpPr/>
-            <p:nvPr/>
-          </p:nvSpPr>
-          <p:spPr>
-            <a:xfrm>
-              <a:off x="5425709" y="1981200"/>
-              <a:ext cx="3424280" cy="1552336"/>
-            </a:xfrm>
-            <a:prstGeom prst="rect">
-              <a:avLst/>
-            </a:prstGeom>
-            <a:ln/>
-          </p:spPr>
-          <p:style>
-            <a:lnRef idx="1">
-              <a:schemeClr val="accent6"/>
-            </a:lnRef>
-            <a:fillRef idx="2">
-              <a:schemeClr val="accent6"/>
-            </a:fillRef>
-            <a:effectRef idx="1">
-              <a:schemeClr val="accent6"/>
-            </a:effectRef>
-            <a:fontRef idx="minor">
-              <a:schemeClr val="dk1"/>
-            </a:fontRef>
-          </p:style>
-          <p:txBody>
-            <a:bodyPr rot="0" spcFirstLastPara="0" vertOverflow="overflow" horzOverflow="overflow" vert="horz" wrap="square" lIns="91440" tIns="45720" rIns="91440" bIns="45720" numCol="1" spcCol="0" rtlCol="0" fromWordArt="0" anchor="ctr" anchorCtr="0" forceAA="0" compatLnSpc="1">
-              <a:prstTxWarp prst="textNoShape">
-                <a:avLst/>
-              </a:prstTxWarp>
-              <a:noAutofit/>
-            </a:bodyPr>
-            <a:lstStyle/>
-            <a:p>
-              <a:pPr algn="ctr"/>
-              <a:r>
-                <a:rPr lang="en-US" dirty="0">
-                  <a:solidFill>
-                    <a:schemeClr val="tx1"/>
-                  </a:solidFill>
-                </a:rPr>
-                <a:t>If we knew the first </a:t>
-              </a:r>
-              <a:r>
-                <a:rPr lang="en-US" dirty="0" err="1">
-                  <a:solidFill>
-                    <a:schemeClr val="tx1"/>
-                  </a:solidFill>
-                </a:rPr>
-                <a:t>int</a:t>
-              </a:r>
-              <a:r>
-                <a:rPr lang="en-US" dirty="0">
-                  <a:solidFill>
-                    <a:schemeClr val="tx1"/>
-                  </a:solidFill>
-                </a:rPr>
-                <a:t> of the list, and the answer for the rest of the list, how could we combine them to get the answer for the whole list?</a:t>
-              </a:r>
-            </a:p>
-          </p:txBody>
-        </p:sp>
-        <p:sp>
-          <p:nvSpPr>
-            <p:cNvPr id="15" name="Freeform 14"/>
-            <p:cNvSpPr/>
-            <p:nvPr/>
-          </p:nvSpPr>
-          <p:spPr>
-            <a:xfrm>
-              <a:off x="2168665" y="3275774"/>
-              <a:ext cx="4944330" cy="1361594"/>
-            </a:xfrm>
-            <a:custGeom>
-              <a:avLst/>
-              <a:gdLst>
-                <a:gd name="connsiteX0" fmla="*/ 4944234 w 4944330"/>
-                <a:gd name="connsiteY0" fmla="*/ 308998 h 1361594"/>
-                <a:gd name="connsiteX1" fmla="*/ 4814762 w 4944330"/>
-                <a:gd name="connsiteY1" fmla="*/ 1158661 h 1361594"/>
-                <a:gd name="connsiteX2" fmla="*/ 4159307 w 4944330"/>
-                <a:gd name="connsiteY2" fmla="*/ 1271950 h 1361594"/>
-                <a:gd name="connsiteX3" fmla="*/ 1990641 w 4944330"/>
-                <a:gd name="connsiteY3" fmla="*/ 33868 h 1361594"/>
-                <a:gd name="connsiteX4" fmla="*/ 0 w 4944330"/>
-                <a:gd name="connsiteY4" fmla="*/ 470838 h 1361594"/>
-              </a:gdLst>
-              <a:ahLst/>
-              <a:cxnLst>
-                <a:cxn ang="0">
-                  <a:pos x="connsiteX0" y="connsiteY0"/>
-                </a:cxn>
-                <a:cxn ang="0">
-                  <a:pos x="connsiteX1" y="connsiteY1"/>
-                </a:cxn>
-                <a:cxn ang="0">
-                  <a:pos x="connsiteX2" y="connsiteY2"/>
-                </a:cxn>
-                <a:cxn ang="0">
-                  <a:pos x="connsiteX3" y="connsiteY3"/>
-                </a:cxn>
-                <a:cxn ang="0">
-                  <a:pos x="connsiteX4" y="connsiteY4"/>
-                </a:cxn>
-              </a:cxnLst>
-              <a:rect l="l" t="t" r="r" b="b"/>
-              <a:pathLst>
-                <a:path w="4944330" h="1361594">
-                  <a:moveTo>
-                    <a:pt x="4944234" y="308998"/>
-                  </a:moveTo>
-                  <a:cubicBezTo>
-                    <a:pt x="4944908" y="653583"/>
-                    <a:pt x="4945583" y="998169"/>
-                    <a:pt x="4814762" y="1158661"/>
-                  </a:cubicBezTo>
-                  <a:cubicBezTo>
-                    <a:pt x="4683941" y="1319153"/>
-                    <a:pt x="4629994" y="1459415"/>
-                    <a:pt x="4159307" y="1271950"/>
-                  </a:cubicBezTo>
-                  <a:cubicBezTo>
-                    <a:pt x="3688620" y="1084485"/>
-                    <a:pt x="2683859" y="167387"/>
-                    <a:pt x="1990641" y="33868"/>
-                  </a:cubicBezTo>
-                  <a:cubicBezTo>
-                    <a:pt x="1297423" y="-99651"/>
-                    <a:pt x="648711" y="185593"/>
-                    <a:pt x="0" y="470838"/>
-                  </a:cubicBezTo>
-                </a:path>
-              </a:pathLst>
-            </a:custGeom>
-            <a:noFill/>
-            <a:ln>
-              <a:solidFill>
-                <a:schemeClr val="tx1"/>
-              </a:solidFill>
-              <a:tailEnd type="stealth" w="lg" len="lg"/>
-            </a:ln>
-          </p:spPr>
-          <p:style>
-            <a:lnRef idx="2">
-              <a:schemeClr val="accent1"/>
-            </a:lnRef>
-            <a:fillRef idx="1">
-              <a:schemeClr val="lt1"/>
-            </a:fillRef>
-            <a:effectRef idx="0">
-              <a:schemeClr val="accent1"/>
-            </a:effectRef>
-            <a:fontRef idx="minor">
-              <a:schemeClr val="dk1"/>
-            </a:fontRef>
-          </p:style>
-          <p:txBody>
-            <a:bodyPr rtlCol="0" anchor="ctr"/>
-            <a:lstStyle/>
-            <a:p>
-              <a:pPr algn="ctr"/>
-              <a:endParaRPr lang="en-US"/>
-            </a:p>
-          </p:txBody>
-        </p:sp>
-      </p:grpSp>
-      <p:grpSp>
-        <p:nvGrpSpPr>
-          <p:cNvPr id="24" name="Group 23"/>
-          <p:cNvGrpSpPr/>
-          <p:nvPr/>
-        </p:nvGrpSpPr>
-        <p:grpSpPr>
-          <a:xfrm>
-            <a:off x="304800" y="4876800"/>
-            <a:ext cx="8382000" cy="1780936"/>
-            <a:chOff x="304800" y="4876800"/>
-            <a:chExt cx="8382000" cy="1780936"/>
-          </a:xfrm>
-        </p:grpSpPr>
-        <p:sp>
-          <p:nvSpPr>
-            <p:cNvPr id="22" name="Rectangle 21"/>
-            <p:cNvSpPr/>
-            <p:nvPr/>
-          </p:nvSpPr>
-          <p:spPr>
-            <a:xfrm>
-              <a:off x="304800" y="5867400"/>
-              <a:ext cx="8382000" cy="790336"/>
-            </a:xfrm>
-            <a:prstGeom prst="rect">
-              <a:avLst/>
-            </a:prstGeom>
-            <a:ln/>
-          </p:spPr>
-          <p:style>
-            <a:lnRef idx="1">
-              <a:schemeClr val="accent6"/>
-            </a:lnRef>
-            <a:fillRef idx="2">
-              <a:schemeClr val="accent6"/>
-            </a:fillRef>
-            <a:effectRef idx="1">
-              <a:schemeClr val="accent6"/>
-            </a:effectRef>
-            <a:fontRef idx="minor">
-              <a:schemeClr val="dk1"/>
-            </a:fontRef>
-          </p:style>
-          <p:txBody>
-            <a:bodyPr rot="0" spcFirstLastPara="0" vertOverflow="overflow" horzOverflow="overflow" vert="horz" wrap="square" lIns="91440" tIns="45720" rIns="91440" bIns="45720" numCol="1" spcCol="0" rtlCol="0" fromWordArt="0" anchor="ctr" anchorCtr="0" forceAA="0" compatLnSpc="1">
-              <a:prstTxWarp prst="textNoShape">
-                <a:avLst/>
-              </a:prstTxWarp>
-              <a:noAutofit/>
-            </a:bodyPr>
-            <a:lstStyle/>
-            <a:p>
-              <a:pPr algn="ctr"/>
-              <a:r>
-                <a:rPr lang="en-US" dirty="0">
-                  <a:solidFill>
-                    <a:schemeClr val="tx1"/>
-                  </a:solidFill>
-                </a:rPr>
-                <a:t>If we knew the first two strings of the list, and the answer for the remainder of the list, how could we combine them to get the answer for the whole list?</a:t>
-              </a:r>
-            </a:p>
-          </p:txBody>
-        </p:sp>
-        <p:cxnSp>
-          <p:nvCxnSpPr>
-            <p:cNvPr id="19" name="Straight Arrow Connector 18"/>
-            <p:cNvCxnSpPr/>
-            <p:nvPr/>
-          </p:nvCxnSpPr>
-          <p:spPr>
-            <a:xfrm flipV="1">
-              <a:off x="1295400" y="4876800"/>
-              <a:ext cx="609600" cy="990600"/>
-            </a:xfrm>
-            <a:prstGeom prst="straightConnector1">
-              <a:avLst/>
-            </a:prstGeom>
-            <a:ln w="25400">
-              <a:solidFill>
-                <a:schemeClr val="tx1"/>
-              </a:solidFill>
-              <a:tailEnd type="stealth" w="lg" len="lg"/>
-            </a:ln>
-          </p:spPr>
-          <p:style>
-            <a:lnRef idx="1">
-              <a:schemeClr val="accent1"/>
-            </a:lnRef>
-            <a:fillRef idx="0">
-              <a:schemeClr val="accent1"/>
-            </a:fillRef>
-            <a:effectRef idx="0">
-              <a:schemeClr val="accent1"/>
-            </a:effectRef>
-            <a:fontRef idx="minor">
-              <a:schemeClr val="tx1"/>
-            </a:fontRef>
-          </p:style>
-        </p:cxnSp>
-      </p:grpSp>
-    </p:spTree>
-    <p:extLst>
-      <p:ext uri="{BB962C8B-B14F-4D97-AF65-F5344CB8AC3E}">
-        <p14:creationId xmlns:p14="http://schemas.microsoft.com/office/powerpoint/2010/main" val="4269241060"/>
-      </p:ext>
-    </p:extLst>
-  </p:cSld>
-  <p:clrMapOvr>
-    <a:masterClrMapping/>
-  </p:clrMapOvr>
-  <p:timing>
-    <p:tnLst>
-      <p:par>
-        <p:cTn id="1" dur="indefinite" restart="never" nodeType="tmRoot">
-          <p:childTnLst>
-            <p:seq concurrent="1" nextAc="seek">
-              <p:cTn id="2" dur="indefinite" nodeType="mainSeq">
-                <p:childTnLst>
-                  <p:par>
-                    <p:cTn id="3" fill="hold">
-                      <p:stCondLst>
-                        <p:cond delay="indefinite"/>
-                      </p:stCondLst>
-                      <p:childTnLst>
-                        <p:par>
-                          <p:cTn id="4" fill="hold">
-                            <p:stCondLst>
-                              <p:cond delay="0"/>
-                            </p:stCondLst>
-                            <p:childTnLst>
-                              <p:par>
-                                <p:cTn id="5" presetID="1" presetClass="entr" presetSubtype="0" fill="hold" nodeType="clickEffect">
-                                  <p:stCondLst>
-                                    <p:cond delay="0"/>
-                                  </p:stCondLst>
-                                  <p:childTnLst>
-                                    <p:set>
-                                      <p:cBhvr>
-                                        <p:cTn id="6" dur="1" fill="hold">
-                                          <p:stCondLst>
-                                            <p:cond delay="0"/>
-                                          </p:stCondLst>
-                                        </p:cTn>
-                                        <p:tgtEl>
-                                          <p:spTgt spid="20"/>
-                                        </p:tgtEl>
-                                        <p:attrNameLst>
-                                          <p:attrName>style.visibility</p:attrName>
-                                        </p:attrNameLst>
-                                      </p:cBhvr>
-                                      <p:to>
-                                        <p:strVal val="visible"/>
-                                      </p:to>
-                                    </p:set>
-                                  </p:childTnLst>
-                                </p:cTn>
-                              </p:par>
-                            </p:childTnLst>
-                          </p:cTn>
-                        </p:par>
-                      </p:childTnLst>
-                    </p:cTn>
-                  </p:par>
-                  <p:par>
-                    <p:cTn id="7" fill="hold">
-                      <p:stCondLst>
-                        <p:cond delay="indefinite"/>
-                      </p:stCondLst>
-                      <p:childTnLst>
-                        <p:par>
-                          <p:cTn id="8" fill="hold">
-                            <p:stCondLst>
-                              <p:cond delay="0"/>
-                            </p:stCondLst>
-                            <p:childTnLst>
-                              <p:par>
-                                <p:cTn id="9" presetID="1" presetClass="entr" presetSubtype="0" fill="hold" nodeType="clickEffect">
-                                  <p:stCondLst>
-                                    <p:cond delay="0"/>
-                                  </p:stCondLst>
-                                  <p:childTnLst>
-                                    <p:set>
-                                      <p:cBhvr>
-                                        <p:cTn id="10" dur="1" fill="hold">
-                                          <p:stCondLst>
-                                            <p:cond delay="0"/>
-                                          </p:stCondLst>
-                                        </p:cTn>
-                                        <p:tgtEl>
-                                          <p:spTgt spid="21"/>
-                                        </p:tgtEl>
-                                        <p:attrNameLst>
-                                          <p:attrName>style.visibility</p:attrName>
-                                        </p:attrNameLst>
-                                      </p:cBhvr>
-                                      <p:to>
-                                        <p:strVal val="visible"/>
-                                      </p:to>
-                                    </p:set>
-                                  </p:childTnLst>
-                                </p:cTn>
-                              </p:par>
-                            </p:childTnLst>
-                          </p:cTn>
-                        </p:par>
-                      </p:childTnLst>
-                    </p:cTn>
-                  </p:par>
-                  <p:par>
-                    <p:cTn id="11" fill="hold">
-                      <p:stCondLst>
-                        <p:cond delay="indefinite"/>
-                      </p:stCondLst>
-                      <p:childTnLst>
-                        <p:par>
-                          <p:cTn id="12" fill="hold">
-                            <p:stCondLst>
-                              <p:cond delay="0"/>
-                            </p:stCondLst>
-                            <p:childTnLst>
-                              <p:par>
-                                <p:cTn id="13" presetID="1" presetClass="entr" presetSubtype="0" fill="hold" nodeType="clickEffect">
-                                  <p:stCondLst>
-                                    <p:cond delay="0"/>
-                                  </p:stCondLst>
-                                  <p:childTnLst>
-                                    <p:set>
-                                      <p:cBhvr>
-                                        <p:cTn id="14" dur="1" fill="hold">
-                                          <p:stCondLst>
-                                            <p:cond delay="0"/>
-                                          </p:stCondLst>
-                                        </p:cTn>
-                                        <p:tgtEl>
-                                          <p:spTgt spid="24"/>
-                                        </p:tgtEl>
-                                        <p:attrNameLst>
-                                          <p:attrName>style.visibility</p:attrName>
-                                        </p:attrNameLst>
-                                      </p:cBhvr>
-                                      <p:to>
-                                        <p:strVal val="visible"/>
-                                      </p:to>
-                                    </p:set>
-                                  </p:childTnLst>
-                                </p:cTn>
-                              </p:par>
-                            </p:childTnLst>
-                          </p:cTn>
-                        </p:par>
-                      </p:childTnLst>
-                    </p:cTn>
-                  </p:par>
-                </p:childTnLst>
-              </p:cTn>
-              <p:prevCondLst>
-                <p:cond evt="onPrev" delay="0">
-                  <p:tgtEl>
-                    <p:sldTgt/>
-                  </p:tgtEl>
-                </p:cond>
-              </p:prevCondLst>
-              <p:nextCondLst>
-                <p:cond evt="onNext" delay="0">
-                  <p:tgtEl>
-                    <p:sldTgt/>
-                  </p:tgtEl>
-                </p:cond>
-              </p:nextCondLst>
-            </p:seq>
-          </p:childTnLst>
-        </p:cTn>
-      </p:par>
-    </p:tnLst>
-  </p:timing>
-</p:sld>
-</file>
-
-<file path=ppt/slides/slide17.xml><?xml version="1.0" encoding="utf-8"?>
-<p:sld xmlns:a="http://schemas.openxmlformats.org/drawingml/2006/main" xmlns:r="http://schemas.openxmlformats.org/officeDocument/2006/relationships" xmlns:p="http://schemas.openxmlformats.org/presentationml/2006/main">
-  <p:cSld>
-    <p:spTree>
-      <p:nvGrpSpPr>
-        <p:cNvPr id="1" name=""/>
-        <p:cNvGrpSpPr/>
-        <p:nvPr/>
-      </p:nvGrpSpPr>
-      <p:grpSpPr>
-        <a:xfrm>
-          <a:off x="0" y="0"/>
-          <a:ext cx="0" cy="0"/>
-          <a:chOff x="0" y="0"/>
-          <a:chExt cx="0" cy="0"/>
-        </a:xfrm>
-      </p:grpSpPr>
-      <p:sp>
-        <p:nvSpPr>
-          <p:cNvPr id="2" name="Title 1"/>
-          <p:cNvSpPr>
-            <a:spLocks noGrp="1"/>
-          </p:cNvSpPr>
-          <p:nvPr>
-            <p:ph type="title"/>
-          </p:nvPr>
-        </p:nvSpPr>
-        <p:spPr/>
-        <p:txBody>
-          <a:bodyPr/>
-          <a:lstStyle/>
-          <a:p>
-            <a:r>
-              <a:rPr lang="en-US" b="1" dirty="0"/>
-              <a:t>total-length</a:t>
-            </a:r>
-          </a:p>
-        </p:txBody>
-      </p:sp>
-      <p:sp>
-        <p:nvSpPr>
-          <p:cNvPr id="3" name="Content Placeholder 2"/>
-          <p:cNvSpPr>
-            <a:spLocks noGrp="1"/>
-          </p:cNvSpPr>
-          <p:nvPr>
-            <p:ph idx="1"/>
-          </p:nvPr>
-        </p:nvSpPr>
-        <p:spPr/>
-        <p:txBody>
-          <a:bodyPr>
-            <a:normAutofit fontScale="70000" lnSpcReduction="20000"/>
-          </a:bodyPr>
-          <a:lstStyle/>
-          <a:p>
-            <a:r>
-              <a:rPr lang="en-US" dirty="0"/>
-              <a:t>;; total-length : SL -&gt; </a:t>
-            </a:r>
-            <a:r>
-              <a:rPr lang="en-US" dirty="0" err="1"/>
-              <a:t>NonNegInt</a:t>
-            </a:r>
-            <a:endParaRPr lang="en-US" dirty="0"/>
-          </a:p>
-          <a:p>
-            <a:r>
-              <a:rPr lang="en-US" dirty="0"/>
-              <a:t>;; RETURNS: total length of the strings in the</a:t>
-            </a:r>
-          </a:p>
-          <a:p>
-            <a:r>
-              <a:rPr lang="en-US" dirty="0"/>
-              <a:t>;; given SL</a:t>
-            </a:r>
-          </a:p>
-          <a:p>
-            <a:r>
-              <a:rPr lang="en-US" dirty="0"/>
-              <a:t>;; STRATEGY: Use template for SL on </a:t>
-            </a:r>
-            <a:r>
-              <a:rPr lang="en-US" dirty="0" err="1"/>
-              <a:t>sl</a:t>
-            </a:r>
-            <a:endParaRPr lang="en-US" dirty="0"/>
-          </a:p>
-          <a:p>
-            <a:r>
-              <a:rPr lang="en-US" dirty="0"/>
-              <a:t>(define (total-length </a:t>
-            </a:r>
-            <a:r>
-              <a:rPr lang="en-US" dirty="0" err="1"/>
-              <a:t>sl</a:t>
-            </a:r>
-            <a:r>
-              <a:rPr lang="en-US" dirty="0"/>
-              <a:t>)</a:t>
-            </a:r>
-          </a:p>
-          <a:p>
-            <a:r>
-              <a:rPr lang="en-US" dirty="0"/>
-              <a:t>  (cond</a:t>
-            </a:r>
-          </a:p>
-          <a:p>
-            <a:r>
-              <a:rPr lang="en-US" dirty="0"/>
-              <a:t>    [(empty? </a:t>
-            </a:r>
-            <a:r>
-              <a:rPr lang="en-US" dirty="0" err="1"/>
-              <a:t>sl</a:t>
-            </a:r>
-            <a:r>
-              <a:rPr lang="en-US" dirty="0"/>
-              <a:t>) 0]</a:t>
-            </a:r>
-          </a:p>
-          <a:p>
-            <a:r>
-              <a:rPr lang="en-US" dirty="0"/>
-              <a:t>    [(number? (first </a:t>
-            </a:r>
-            <a:r>
-              <a:rPr lang="en-US" dirty="0" err="1"/>
-              <a:t>sl</a:t>
-            </a:r>
-            <a:r>
-              <a:rPr lang="en-US" dirty="0"/>
-              <a:t>)) </a:t>
-            </a:r>
-          </a:p>
-          <a:p>
-            <a:r>
-              <a:rPr lang="en-US" dirty="0"/>
-              <a:t>     (total-length (rest </a:t>
-            </a:r>
-            <a:r>
-              <a:rPr lang="en-US" dirty="0" err="1"/>
-              <a:t>sl</a:t>
-            </a:r>
-            <a:r>
-              <a:rPr lang="en-US" dirty="0"/>
-              <a:t>))]</a:t>
-            </a:r>
-          </a:p>
-          <a:p>
-            <a:r>
-              <a:rPr lang="en-US" dirty="0"/>
-              <a:t>    [else</a:t>
-            </a:r>
-          </a:p>
-          <a:p>
-            <a:r>
-              <a:rPr lang="en-US" dirty="0"/>
-              <a:t>     (+ (string-length (first </a:t>
-            </a:r>
-            <a:r>
-              <a:rPr lang="en-US" dirty="0" err="1"/>
-              <a:t>sl</a:t>
-            </a:r>
-            <a:r>
-              <a:rPr lang="en-US" dirty="0"/>
-              <a:t>))</a:t>
-            </a:r>
-          </a:p>
-          <a:p>
-            <a:r>
-              <a:rPr lang="en-US" dirty="0"/>
-              <a:t>        (string-length (second </a:t>
-            </a:r>
-            <a:r>
-              <a:rPr lang="en-US" dirty="0" err="1"/>
-              <a:t>sl</a:t>
-            </a:r>
-            <a:r>
-              <a:rPr lang="en-US" dirty="0"/>
-              <a:t>))</a:t>
-            </a:r>
-          </a:p>
-          <a:p>
-            <a:r>
-              <a:rPr lang="en-US" dirty="0"/>
-              <a:t>        (total-length (rest (rest </a:t>
-            </a:r>
-            <a:r>
-              <a:rPr lang="en-US" dirty="0" err="1"/>
-              <a:t>sl</a:t>
-            </a:r>
-            <a:r>
-              <a:rPr lang="en-US" dirty="0"/>
-              <a:t>))))]))</a:t>
-            </a:r>
-          </a:p>
-        </p:txBody>
-      </p:sp>
-      <p:sp>
-        <p:nvSpPr>
-          <p:cNvPr id="4" name="Slide Number Placeholder 3"/>
-          <p:cNvSpPr>
-            <a:spLocks noGrp="1"/>
-          </p:cNvSpPr>
-          <p:nvPr>
-            <p:ph type="sldNum" sz="quarter" idx="12"/>
-          </p:nvPr>
-        </p:nvSpPr>
-        <p:spPr/>
-        <p:txBody>
-          <a:bodyPr/>
-          <a:lstStyle/>
-          <a:p>
-            <a:fld id="{2AF3B5EA-18B6-4040-9F78-6052AF49C681}" type="slidenum">
-              <a:rPr lang="en-US" smtClean="0"/>
-              <a:t>17</a:t>
-            </a:fld>
-            <a:endParaRPr lang="en-US"/>
-          </a:p>
-        </p:txBody>
-      </p:sp>
-    </p:spTree>
-    <p:extLst>
-      <p:ext uri="{BB962C8B-B14F-4D97-AF65-F5344CB8AC3E}">
-        <p14:creationId xmlns:p14="http://schemas.microsoft.com/office/powerpoint/2010/main" val="3465481065"/>
-      </p:ext>
-    </p:extLst>
-  </p:cSld>
-  <p:clrMapOvr>
-    <a:masterClrMapping/>
-  </p:clrMapOvr>
-</p:sld>
-</file>
-
-<file path=ppt/slides/slide18.xml><?xml version="1.0" encoding="utf-8"?>
-<p:sld xmlns:a="http://schemas.openxmlformats.org/drawingml/2006/main" xmlns:r="http://schemas.openxmlformats.org/officeDocument/2006/relationships" xmlns:p="http://schemas.openxmlformats.org/presentationml/2006/main">
-  <p:cSld>
-    <p:spTree>
-      <p:nvGrpSpPr>
-        <p:cNvPr id="1" name=""/>
-        <p:cNvGrpSpPr/>
-        <p:nvPr/>
-      </p:nvGrpSpPr>
-      <p:grpSpPr>
-        <a:xfrm>
-          <a:off x="0" y="0"/>
-          <a:ext cx="0" cy="0"/>
-          <a:chOff x="0" y="0"/>
-          <a:chExt cx="0" cy="0"/>
-        </a:xfrm>
-      </p:grpSpPr>
-      <p:sp>
-        <p:nvSpPr>
-          <p:cNvPr id="2" name="Title 1"/>
-          <p:cNvSpPr>
-            <a:spLocks noGrp="1"/>
-          </p:cNvSpPr>
-          <p:nvPr>
-            <p:ph type="title"/>
-          </p:nvPr>
-        </p:nvSpPr>
-        <p:spPr/>
-        <p:txBody>
-          <a:bodyPr/>
-          <a:lstStyle/>
-          <a:p>
-            <a:r>
-              <a:rPr lang="en-US" dirty="0" err="1"/>
-              <a:t>sl</a:t>
-            </a:r>
-            <a:r>
-              <a:rPr lang="en-US" dirty="0"/>
-              <a:t>-length</a:t>
-            </a:r>
-          </a:p>
-        </p:txBody>
-      </p:sp>
-      <p:sp>
-        <p:nvSpPr>
-          <p:cNvPr id="3" name="Content Placeholder 2"/>
-          <p:cNvSpPr>
-            <a:spLocks noGrp="1"/>
-          </p:cNvSpPr>
-          <p:nvPr>
-            <p:ph idx="1"/>
-          </p:nvPr>
-        </p:nvSpPr>
-        <p:spPr/>
-        <p:txBody>
-          <a:bodyPr>
-            <a:normAutofit/>
-          </a:bodyPr>
-          <a:lstStyle/>
-          <a:p>
-            <a:r>
-              <a:rPr lang="en-US" sz="2400" dirty="0"/>
-              <a:t>A Silly List is also a list, so we could use the list template:</a:t>
-            </a:r>
-          </a:p>
-          <a:p>
-            <a:endParaRPr lang="en-US" sz="2400" dirty="0"/>
-          </a:p>
-          <a:p>
-            <a:r>
-              <a:rPr lang="en-US" sz="2400" dirty="0"/>
-              <a:t>;; RETURNS: the length of the given </a:t>
-            </a:r>
-            <a:r>
-              <a:rPr lang="en-US" sz="2400" dirty="0" err="1"/>
-              <a:t>SillyList</a:t>
-            </a:r>
-            <a:endParaRPr lang="en-US" sz="2400" dirty="0"/>
-          </a:p>
-          <a:p>
-            <a:r>
-              <a:rPr lang="en-US" sz="2400" dirty="0"/>
-              <a:t>;; STRATEGY: Use the template for lists on </a:t>
-            </a:r>
-            <a:r>
-              <a:rPr lang="en-US" sz="2400" dirty="0" err="1"/>
-              <a:t>sl</a:t>
-            </a:r>
-            <a:endParaRPr lang="en-US" sz="2400" dirty="0"/>
-          </a:p>
-          <a:p>
-            <a:r>
-              <a:rPr lang="en-US" sz="2400" dirty="0"/>
-              <a:t>(define (</a:t>
-            </a:r>
-            <a:r>
-              <a:rPr lang="en-US" sz="2400" dirty="0" err="1"/>
-              <a:t>sl</a:t>
-            </a:r>
-            <a:r>
-              <a:rPr lang="en-US" sz="2400" dirty="0"/>
-              <a:t>-length </a:t>
-            </a:r>
-            <a:r>
-              <a:rPr lang="en-US" sz="2400" dirty="0" err="1"/>
-              <a:t>sl</a:t>
-            </a:r>
-            <a:r>
-              <a:rPr lang="en-US" sz="2400" dirty="0"/>
-              <a:t>)</a:t>
-            </a:r>
-          </a:p>
-          <a:p>
-            <a:r>
-              <a:rPr lang="en-US" sz="2400" dirty="0"/>
-              <a:t>  (cond</a:t>
-            </a:r>
-          </a:p>
-          <a:p>
-            <a:r>
-              <a:rPr lang="en-US" sz="2400" dirty="0"/>
-              <a:t>    [(empty? </a:t>
-            </a:r>
-            <a:r>
-              <a:rPr lang="en-US" sz="2400" dirty="0" err="1"/>
-              <a:t>sl</a:t>
-            </a:r>
-            <a:r>
-              <a:rPr lang="en-US" sz="2400" dirty="0"/>
-              <a:t>) 0]</a:t>
-            </a:r>
-          </a:p>
-          <a:p>
-            <a:r>
-              <a:rPr lang="en-US" sz="2400" dirty="0"/>
-              <a:t>    [else (+ 1 (</a:t>
-            </a:r>
-            <a:r>
-              <a:rPr lang="en-US" sz="2400" dirty="0" err="1"/>
-              <a:t>sl</a:t>
-            </a:r>
-            <a:r>
-              <a:rPr lang="en-US" sz="2400" dirty="0"/>
-              <a:t>-length (rest </a:t>
-            </a:r>
-            <a:r>
-              <a:rPr lang="en-US" sz="2400" dirty="0" err="1"/>
-              <a:t>sl</a:t>
-            </a:r>
-            <a:r>
-              <a:rPr lang="en-US" sz="2400" dirty="0"/>
-              <a:t>)))]))</a:t>
-            </a:r>
-          </a:p>
-          <a:p>
-            <a:endParaRPr lang="en-US" dirty="0"/>
-          </a:p>
-        </p:txBody>
-      </p:sp>
-      <p:sp>
-        <p:nvSpPr>
-          <p:cNvPr id="4" name="Slide Number Placeholder 3"/>
-          <p:cNvSpPr>
-            <a:spLocks noGrp="1"/>
-          </p:cNvSpPr>
-          <p:nvPr>
-            <p:ph type="sldNum" sz="quarter" idx="12"/>
-          </p:nvPr>
-        </p:nvSpPr>
-        <p:spPr/>
-        <p:txBody>
-          <a:bodyPr/>
-          <a:lstStyle/>
-          <a:p>
-            <a:fld id="{2AF3B5EA-18B6-4040-9F78-6052AF49C681}" type="slidenum">
-              <a:rPr lang="en-US" smtClean="0"/>
-              <a:t>18</a:t>
-            </a:fld>
-            <a:endParaRPr lang="en-US"/>
-          </a:p>
-        </p:txBody>
-      </p:sp>
-    </p:spTree>
-    <p:extLst>
-      <p:ext uri="{BB962C8B-B14F-4D97-AF65-F5344CB8AC3E}">
-        <p14:creationId xmlns:p14="http://schemas.microsoft.com/office/powerpoint/2010/main" val="2286257340"/>
-      </p:ext>
-    </p:extLst>
-  </p:cSld>
-  <p:clrMapOvr>
-    <a:masterClrMapping/>
-  </p:clrMapOvr>
-</p:sld>
-</file>
-
-<file path=ppt/slides/slide19.xml><?xml version="1.0" encoding="utf-8"?>
-<p:sld xmlns:a="http://schemas.openxmlformats.org/drawingml/2006/main" xmlns:r="http://schemas.openxmlformats.org/officeDocument/2006/relationships" xmlns:p="http://schemas.openxmlformats.org/presentationml/2006/main">
-  <p:cSld>
-    <p:spTree>
-      <p:nvGrpSpPr>
-        <p:cNvPr id="1" name=""/>
-        <p:cNvGrpSpPr/>
-        <p:nvPr/>
-      </p:nvGrpSpPr>
-      <p:grpSpPr>
-        <a:xfrm>
-          <a:off x="0" y="0"/>
-          <a:ext cx="0" cy="0"/>
-          <a:chOff x="0" y="0"/>
-          <a:chExt cx="0" cy="0"/>
-        </a:xfrm>
-      </p:grpSpPr>
-      <p:sp>
-        <p:nvSpPr>
-          <p:cNvPr id="2" name="Title 1"/>
-          <p:cNvSpPr>
-            <a:spLocks noGrp="1"/>
-          </p:cNvSpPr>
-          <p:nvPr>
-            <p:ph type="title"/>
-          </p:nvPr>
-        </p:nvSpPr>
-        <p:spPr/>
-        <p:txBody>
-          <a:bodyPr/>
-          <a:lstStyle/>
-          <a:p>
-            <a:r>
-              <a:rPr lang="en-US" dirty="0"/>
-              <a:t>Summary</a:t>
-            </a:r>
-          </a:p>
-        </p:txBody>
-      </p:sp>
-      <p:sp>
-        <p:nvSpPr>
-          <p:cNvPr id="3" name="Content Placeholder 2"/>
-          <p:cNvSpPr>
-            <a:spLocks noGrp="1"/>
-          </p:cNvSpPr>
-          <p:nvPr>
-            <p:ph idx="1"/>
-          </p:nvPr>
-        </p:nvSpPr>
-        <p:spPr/>
-        <p:txBody>
-          <a:bodyPr/>
-          <a:lstStyle/>
-          <a:p>
-            <a:r>
-              <a:rPr lang="en-US" dirty="0"/>
-              <a:t>At the end of this lesson you should be able to:</a:t>
-            </a:r>
-          </a:p>
-          <a:p>
-            <a:pPr lvl="1"/>
-            <a:r>
-              <a:rPr lang="en-US" dirty="0"/>
-              <a:t>write down the definition for non-negative integers as a data type</a:t>
-            </a:r>
-          </a:p>
-          <a:p>
-            <a:pPr lvl="1"/>
-            <a:r>
-              <a:rPr lang="en-US" dirty="0"/>
-              <a:t>use the template to write simple functions on the non-negative integers and other simple recursive data types.</a:t>
-            </a:r>
-          </a:p>
-          <a:p>
-            <a:r>
-              <a:rPr lang="en-US" dirty="0"/>
-              <a:t>The Guided Practices will give you some exercise in doing this.</a:t>
-            </a:r>
-          </a:p>
-        </p:txBody>
-      </p:sp>
-      <p:sp>
-        <p:nvSpPr>
-          <p:cNvPr id="4" name="Slide Number Placeholder 3"/>
-          <p:cNvSpPr>
-            <a:spLocks noGrp="1"/>
-          </p:cNvSpPr>
-          <p:nvPr>
-            <p:ph type="sldNum" sz="quarter" idx="12"/>
-          </p:nvPr>
-        </p:nvSpPr>
-        <p:spPr/>
-        <p:txBody>
-          <a:bodyPr/>
-          <a:lstStyle/>
-          <a:p>
-            <a:fld id="{9F4492BD-6A9C-48FC-AC76-0B4FE11194A1}" type="slidenum">
-              <a:rPr lang="en-US" smtClean="0"/>
-              <a:pPr/>
-              <a:t>19</a:t>
-            </a:fld>
-            <a:endParaRPr lang="en-US"/>
-          </a:p>
-        </p:txBody>
-      </p:sp>
-    </p:spTree>
-    <p:extLst>
-      <p:ext uri="{BB962C8B-B14F-4D97-AF65-F5344CB8AC3E}">
-        <p14:creationId xmlns:p14="http://schemas.microsoft.com/office/powerpoint/2010/main" val="711196483"/>
-      </p:ext>
-    </p:extLst>
-  </p:cSld>
-  <p:clrMapOvr>
-    <a:masterClrMapping/>
-  </p:clrMapOvr>
-</p:sld>
-</file>
-
-<file path=ppt/slides/slide2.xml><?xml version="1.0" encoding="utf-8"?>
-<p:sld xmlns:a="http://schemas.openxmlformats.org/drawingml/2006/main" xmlns:r="http://schemas.openxmlformats.org/officeDocument/2006/relationships" xmlns:p="http://schemas.openxmlformats.org/presentationml/2006/main">
-  <p:cSld>
-    <p:spTree>
-      <p:nvGrpSpPr>
-        <p:cNvPr id="1" name=""/>
-        <p:cNvGrpSpPr/>
-        <p:nvPr/>
-      </p:nvGrpSpPr>
-      <p:grpSpPr>
-        <a:xfrm>
-          <a:off x="0" y="0"/>
-          <a:ext cx="0" cy="0"/>
-          <a:chOff x="0" y="0"/>
-          <a:chExt cx="0" cy="0"/>
-        </a:xfrm>
-      </p:grpSpPr>
-      <p:sp>
-        <p:nvSpPr>
-          <p:cNvPr id="2" name="Title 1"/>
-          <p:cNvSpPr>
-            <a:spLocks noGrp="1"/>
-          </p:cNvSpPr>
-          <p:nvPr>
-            <p:ph type="title"/>
-          </p:nvPr>
-        </p:nvSpPr>
-        <p:spPr/>
-        <p:txBody>
-          <a:bodyPr/>
-          <a:lstStyle/>
-          <a:p>
-            <a:r>
-              <a:rPr lang="en-US" dirty="0"/>
-              <a:t>Introduction</a:t>
-            </a:r>
-          </a:p>
-        </p:txBody>
-      </p:sp>
-      <p:sp>
-        <p:nvSpPr>
-          <p:cNvPr id="3" name="Content Placeholder 2"/>
-          <p:cNvSpPr>
-            <a:spLocks noGrp="1"/>
-          </p:cNvSpPr>
-          <p:nvPr>
-            <p:ph idx="1"/>
-          </p:nvPr>
-        </p:nvSpPr>
-        <p:spPr/>
-        <p:txBody>
-          <a:bodyPr>
-            <a:normAutofit/>
-          </a:bodyPr>
-          <a:lstStyle/>
-          <a:p>
-            <a:r>
-              <a:rPr lang="en-US" dirty="0"/>
-              <a:t>There are other recursive data types besides lists</a:t>
-            </a:r>
-          </a:p>
-          <a:p>
-            <a:r>
-              <a:rPr lang="en-US" dirty="0"/>
-              <a:t>Programming with these is no different:</a:t>
-            </a:r>
-          </a:p>
-          <a:p>
-            <a:pPr lvl="1"/>
-            <a:r>
-              <a:rPr lang="en-US" dirty="0"/>
-              <a:t>write down the data definition, including interpretation and template</a:t>
-            </a:r>
-          </a:p>
-          <a:p>
-            <a:pPr lvl="1"/>
-            <a:r>
-              <a:rPr lang="en-US" dirty="0"/>
-              <a:t>Follow the Recipe!</a:t>
-            </a:r>
-          </a:p>
-        </p:txBody>
-      </p:sp>
-      <p:sp>
-        <p:nvSpPr>
-          <p:cNvPr id="4" name="Slide Number Placeholder 3"/>
-          <p:cNvSpPr>
-            <a:spLocks noGrp="1"/>
-          </p:cNvSpPr>
-          <p:nvPr>
-            <p:ph type="sldNum" sz="quarter" idx="12"/>
-          </p:nvPr>
-        </p:nvSpPr>
-        <p:spPr/>
-        <p:txBody>
-          <a:bodyPr/>
-          <a:lstStyle/>
-          <a:p>
-            <a:fld id="{9F4492BD-6A9C-48FC-AC76-0B4FE11194A1}" type="slidenum">
-              <a:rPr lang="en-US" smtClean="0"/>
-              <a:pPr/>
-              <a:t>2</a:t>
-            </a:fld>
-            <a:endParaRPr lang="en-US"/>
-          </a:p>
-        </p:txBody>
-      </p:sp>
-    </p:spTree>
-    <p:extLst>
-      <p:ext uri="{BB962C8B-B14F-4D97-AF65-F5344CB8AC3E}">
-        <p14:creationId xmlns:p14="http://schemas.microsoft.com/office/powerpoint/2010/main" val="2509334978"/>
-      </p:ext>
-    </p:extLst>
-  </p:cSld>
-  <p:clrMapOvr>
-    <a:masterClrMapping/>
-  </p:clrMapOvr>
-</p:sld>
-</file>
-
-<file path=ppt/slides/slide20.xml><?xml version="1.0" encoding="utf-8"?>
-<p:sld xmlns:a="http://schemas.openxmlformats.org/drawingml/2006/main" xmlns:r="http://schemas.openxmlformats.org/officeDocument/2006/relationships" xmlns:p="http://schemas.openxmlformats.org/presentationml/2006/main">
-  <p:cSld>
-    <p:spTree>
-      <p:nvGrpSpPr>
-        <p:cNvPr id="1" name=""/>
-        <p:cNvGrpSpPr/>
-        <p:nvPr/>
-      </p:nvGrpSpPr>
-      <p:grpSpPr>
-        <a:xfrm>
-          <a:off x="0" y="0"/>
-          <a:ext cx="0" cy="0"/>
-          <a:chOff x="0" y="0"/>
-          <a:chExt cx="0" cy="0"/>
-        </a:xfrm>
-      </p:grpSpPr>
-      <p:sp>
-        <p:nvSpPr>
-          <p:cNvPr id="2" name="Title 1"/>
-          <p:cNvSpPr>
-            <a:spLocks noGrp="1"/>
-          </p:cNvSpPr>
-          <p:nvPr>
-            <p:ph type="title"/>
-          </p:nvPr>
-        </p:nvSpPr>
-        <p:spPr/>
-        <p:txBody>
-          <a:bodyPr/>
-          <a:lstStyle/>
-          <a:p>
-            <a:r>
-              <a:rPr lang="en-US" dirty="0"/>
-              <a:t>Next Steps</a:t>
-            </a:r>
-          </a:p>
-        </p:txBody>
-      </p:sp>
-      <p:sp>
-        <p:nvSpPr>
-          <p:cNvPr id="3" name="Content Placeholder 2"/>
-          <p:cNvSpPr>
-            <a:spLocks noGrp="1"/>
-          </p:cNvSpPr>
-          <p:nvPr>
-            <p:ph idx="1"/>
-          </p:nvPr>
-        </p:nvSpPr>
-        <p:spPr/>
-        <p:txBody>
-          <a:bodyPr/>
-          <a:lstStyle/>
-          <a:p>
-            <a:r>
-              <a:rPr lang="en-US" dirty="0"/>
-              <a:t>Study 04-XXX in the Examples file</a:t>
-            </a:r>
-          </a:p>
-          <a:p>
-            <a:r>
-              <a:rPr lang="en-US" dirty="0"/>
-              <a:t>If you have questions about this lesson, ask them on the Discussion Board</a:t>
-            </a:r>
-          </a:p>
-          <a:p>
-            <a:r>
-              <a:rPr lang="en-US" dirty="0"/>
-              <a:t>Do Guided Practice 4.4++</a:t>
-            </a:r>
-          </a:p>
-          <a:p>
-            <a:r>
-              <a:rPr lang="en-US" dirty="0"/>
-              <a:t>Go on to the next lesson</a:t>
-            </a:r>
-          </a:p>
-        </p:txBody>
-      </p:sp>
-      <p:sp>
-        <p:nvSpPr>
-          <p:cNvPr id="4" name="Slide Number Placeholder 3"/>
-          <p:cNvSpPr>
-            <a:spLocks noGrp="1"/>
-          </p:cNvSpPr>
-          <p:nvPr>
-            <p:ph type="sldNum" sz="quarter" idx="12"/>
-          </p:nvPr>
-        </p:nvSpPr>
-        <p:spPr/>
-        <p:txBody>
-          <a:bodyPr/>
-          <a:lstStyle/>
-          <a:p>
-            <a:fld id="{9F4492BD-6A9C-48FC-AC76-0B4FE11194A1}" type="slidenum">
-              <a:rPr lang="en-US" smtClean="0"/>
-              <a:pPr/>
-              <a:t>20</a:t>
-            </a:fld>
-            <a:endParaRPr lang="en-US"/>
-          </a:p>
-        </p:txBody>
-      </p:sp>
-      <p:sp>
-        <p:nvSpPr>
-          <p:cNvPr id="5" name="Rectangle 4"/>
-          <p:cNvSpPr/>
-          <p:nvPr/>
-        </p:nvSpPr>
-        <p:spPr>
-          <a:xfrm>
-            <a:off x="5334000" y="4724400"/>
-            <a:ext cx="3048000" cy="914400"/>
-          </a:xfrm>
-          <a:prstGeom prst="rect">
-            <a:avLst/>
-          </a:prstGeom>
-          <a:solidFill>
-            <a:srgbClr val="FFFF00"/>
-          </a:solidFill>
-          <a:ln/>
-        </p:spPr>
-        <p:style>
-          <a:lnRef idx="2">
-            <a:schemeClr val="accent1"/>
-          </a:lnRef>
-          <a:fillRef idx="1">
-            <a:schemeClr val="lt1"/>
-          </a:fillRef>
-          <a:effectRef idx="0">
-            <a:schemeClr val="accent1"/>
-          </a:effectRef>
-          <a:fontRef idx="minor">
-            <a:schemeClr val="dk1"/>
-          </a:fontRef>
-        </p:style>
-        <p:txBody>
-          <a:bodyPr rot="0" spcFirstLastPara="0" vertOverflow="overflow" horzOverflow="overflow" vert="horz" wrap="square" lIns="91440" tIns="45720" rIns="91440" bIns="45720" numCol="1" spcCol="0" rtlCol="0" fromWordArt="0" anchor="ctr" anchorCtr="0" forceAA="0" compatLnSpc="1">
-            <a:prstTxWarp prst="textNoShape">
-              <a:avLst/>
-            </a:prstTxWarp>
-            <a:noAutofit/>
-          </a:bodyPr>
-          <a:lstStyle/>
-          <a:p>
-            <a:pPr algn="ctr"/>
-            <a:r>
-              <a:rPr lang="en-US" dirty="0">
-                <a:solidFill>
-                  <a:schemeClr val="tx1"/>
-                </a:solidFill>
-              </a:rPr>
-              <a:t>GPs: recur on the other argument; </a:t>
-            </a:r>
-            <a:r>
-              <a:rPr lang="en-US" dirty="0" err="1">
-                <a:solidFill>
-                  <a:schemeClr val="tx1"/>
-                </a:solidFill>
-              </a:rPr>
-              <a:t>expt</a:t>
-            </a:r>
-            <a:r>
-              <a:rPr lang="en-US" dirty="0">
-                <a:solidFill>
-                  <a:schemeClr val="tx1"/>
-                </a:solidFill>
-              </a:rPr>
-              <a:t>;</a:t>
-            </a:r>
-          </a:p>
-          <a:p>
-            <a:pPr algn="ctr"/>
-            <a:r>
-              <a:rPr lang="en-US" dirty="0">
-                <a:solidFill>
-                  <a:schemeClr val="tx1"/>
-                </a:solidFill>
-              </a:rPr>
-              <a:t>left-nested lists </a:t>
-            </a:r>
-          </a:p>
-        </p:txBody>
-      </p:sp>
-    </p:spTree>
-    <p:extLst>
-      <p:ext uri="{BB962C8B-B14F-4D97-AF65-F5344CB8AC3E}">
-        <p14:creationId xmlns:p14="http://schemas.microsoft.com/office/powerpoint/2010/main" val="2521155999"/>
-      </p:ext>
-    </p:extLst>
-  </p:cSld>
-  <p:clrMapOvr>
-    <a:masterClrMapping/>
-  </p:clrMapOvr>
-</p:sld>
-</file>
-
-<file path=ppt/slides/slide3.xml><?xml version="1.0" encoding="utf-8"?>
-<p:sld xmlns:a="http://schemas.openxmlformats.org/drawingml/2006/main" xmlns:r="http://schemas.openxmlformats.org/officeDocument/2006/relationships" xmlns:p="http://schemas.openxmlformats.org/presentationml/2006/main">
-  <p:cSld>
-    <p:spTree>
-      <p:nvGrpSpPr>
-        <p:cNvPr id="1" name=""/>
-        <p:cNvGrpSpPr/>
-        <p:nvPr/>
-      </p:nvGrpSpPr>
-      <p:grpSpPr>
-        <a:xfrm>
-          <a:off x="0" y="0"/>
-          <a:ext cx="0" cy="0"/>
-          <a:chOff x="0" y="0"/>
-          <a:chExt cx="0" cy="0"/>
-        </a:xfrm>
-      </p:grpSpPr>
-      <p:sp>
-        <p:nvSpPr>
-          <p:cNvPr id="2" name="Title 1"/>
-          <p:cNvSpPr>
-            <a:spLocks noGrp="1"/>
-          </p:cNvSpPr>
-          <p:nvPr>
-            <p:ph type="title"/>
-          </p:nvPr>
-        </p:nvSpPr>
-        <p:spPr/>
-        <p:txBody>
-          <a:bodyPr/>
-          <a:lstStyle/>
-          <a:p>
-            <a:r>
-              <a:rPr lang="en-US" dirty="0"/>
-              <a:t>Learning Objectives</a:t>
-            </a:r>
-          </a:p>
-        </p:txBody>
-      </p:sp>
-      <p:sp>
-        <p:nvSpPr>
-          <p:cNvPr id="3" name="Content Placeholder 2"/>
-          <p:cNvSpPr>
-            <a:spLocks noGrp="1"/>
-          </p:cNvSpPr>
-          <p:nvPr>
-            <p:ph idx="1"/>
-          </p:nvPr>
-        </p:nvSpPr>
-        <p:spPr/>
-        <p:txBody>
-          <a:bodyPr/>
-          <a:lstStyle/>
-          <a:p>
-            <a:r>
-              <a:rPr lang="en-US" dirty="0"/>
-              <a:t>At the end of this lesson you should be able to:</a:t>
-            </a:r>
-          </a:p>
-          <a:p>
-            <a:pPr lvl="1"/>
-            <a:r>
-              <a:rPr lang="en-US" dirty="0"/>
-              <a:t>Write data definitions for recursive data</a:t>
-            </a:r>
-          </a:p>
-          <a:p>
-            <a:pPr lvl="1"/>
-            <a:r>
-              <a:rPr lang="en-US" dirty="0"/>
-              <a:t>use the template to write simple functions on that data</a:t>
-            </a:r>
-          </a:p>
-        </p:txBody>
-      </p:sp>
-      <p:sp>
-        <p:nvSpPr>
-          <p:cNvPr id="4" name="Slide Number Placeholder 3"/>
-          <p:cNvSpPr>
-            <a:spLocks noGrp="1"/>
-          </p:cNvSpPr>
-          <p:nvPr>
-            <p:ph type="sldNum" sz="quarter" idx="12"/>
-          </p:nvPr>
-        </p:nvSpPr>
-        <p:spPr/>
-        <p:txBody>
-          <a:bodyPr/>
-          <a:lstStyle/>
-          <a:p>
-            <a:fld id="{9F4492BD-6A9C-48FC-AC76-0B4FE11194A1}" type="slidenum">
-              <a:rPr lang="en-US" smtClean="0"/>
-              <a:pPr/>
-              <a:t>3</a:t>
-            </a:fld>
-            <a:endParaRPr lang="en-US"/>
-          </a:p>
-        </p:txBody>
-      </p:sp>
-    </p:spTree>
-    <p:extLst>
-      <p:ext uri="{BB962C8B-B14F-4D97-AF65-F5344CB8AC3E}">
-        <p14:creationId xmlns:p14="http://schemas.microsoft.com/office/powerpoint/2010/main" val="3512701119"/>
-      </p:ext>
-    </p:extLst>
-  </p:cSld>
-  <p:clrMapOvr>
-    <a:masterClrMapping/>
-  </p:clrMapOvr>
-</p:sld>
-</file>
-
-<file path=ppt/slides/slide4.xml><?xml version="1.0" encoding="utf-8"?>
-<p:sld xmlns:a="http://schemas.openxmlformats.org/drawingml/2006/main" xmlns:r="http://schemas.openxmlformats.org/officeDocument/2006/relationships" xmlns:p="http://schemas.openxmlformats.org/presentationml/2006/main">
-  <p:cSld>
-    <p:spTree>
-      <p:nvGrpSpPr>
-        <p:cNvPr id="1" name=""/>
-        <p:cNvGrpSpPr/>
-        <p:nvPr/>
-      </p:nvGrpSpPr>
-      <p:grpSpPr>
-        <a:xfrm>
-          <a:off x="0" y="0"/>
-          <a:ext cx="0" cy="0"/>
-          <a:chOff x="0" y="0"/>
-          <a:chExt cx="0" cy="0"/>
-        </a:xfrm>
-      </p:grpSpPr>
-      <p:sp>
-        <p:nvSpPr>
-          <p:cNvPr id="2" name="Title 1"/>
-          <p:cNvSpPr>
-            <a:spLocks noGrp="1"/>
-          </p:cNvSpPr>
-          <p:nvPr>
-            <p:ph type="title"/>
-          </p:nvPr>
-        </p:nvSpPr>
-        <p:spPr/>
-        <p:txBody>
-          <a:bodyPr>
-            <a:normAutofit fontScale="90000"/>
-          </a:bodyPr>
-          <a:lstStyle/>
-          <a:p>
-            <a:r>
-              <a:rPr lang="en-US" dirty="0"/>
-              <a:t>A data definition for the non-negative integers</a:t>
-            </a:r>
-          </a:p>
-        </p:txBody>
-      </p:sp>
-      <p:sp>
-        <p:nvSpPr>
-          <p:cNvPr id="3" name="Content Placeholder 2"/>
-          <p:cNvSpPr>
-            <a:spLocks noGrp="1"/>
-          </p:cNvSpPr>
-          <p:nvPr>
-            <p:ph idx="1"/>
-          </p:nvPr>
-        </p:nvSpPr>
-        <p:spPr/>
-        <p:txBody>
-          <a:bodyPr/>
-          <a:lstStyle/>
-          <a:p>
-            <a:r>
-              <a:rPr lang="en-US" dirty="0"/>
-              <a:t>;; A </a:t>
-            </a:r>
-            <a:r>
-              <a:rPr lang="en-US" dirty="0" err="1"/>
-              <a:t>NonNegInt</a:t>
-            </a:r>
-            <a:r>
-              <a:rPr lang="en-US" dirty="0"/>
-              <a:t> is one of </a:t>
-            </a:r>
-          </a:p>
-          <a:p>
-            <a:r>
-              <a:rPr lang="en-US" dirty="0"/>
-              <a:t>;; -- 0</a:t>
-            </a:r>
-          </a:p>
-          <a:p>
-            <a:r>
-              <a:rPr lang="en-US" dirty="0"/>
-              <a:t>;; -- (+ 1 </a:t>
-            </a:r>
-            <a:r>
-              <a:rPr lang="en-US" dirty="0" err="1"/>
-              <a:t>NonNegInt</a:t>
-            </a:r>
-            <a:r>
-              <a:rPr lang="en-US" dirty="0"/>
-              <a:t>)</a:t>
-            </a:r>
-          </a:p>
-        </p:txBody>
-      </p:sp>
-      <p:sp>
-        <p:nvSpPr>
-          <p:cNvPr id="4" name="Slide Number Placeholder 3"/>
-          <p:cNvSpPr>
-            <a:spLocks noGrp="1"/>
-          </p:cNvSpPr>
-          <p:nvPr>
-            <p:ph type="sldNum" sz="quarter" idx="12"/>
-          </p:nvPr>
-        </p:nvSpPr>
-        <p:spPr/>
-        <p:txBody>
-          <a:bodyPr/>
-          <a:lstStyle/>
-          <a:p>
-            <a:fld id="{2AF3B5EA-18B6-4040-9F78-6052AF49C681}" type="slidenum">
-              <a:rPr lang="en-US" smtClean="0"/>
-              <a:t>4</a:t>
-            </a:fld>
-            <a:endParaRPr lang="en-US"/>
-          </a:p>
-        </p:txBody>
-      </p:sp>
-    </p:spTree>
-    <p:extLst>
-      <p:ext uri="{BB962C8B-B14F-4D97-AF65-F5344CB8AC3E}">
-        <p14:creationId xmlns:p14="http://schemas.microsoft.com/office/powerpoint/2010/main" val="3429497423"/>
-      </p:ext>
-    </p:extLst>
-  </p:cSld>
-  <p:clrMapOvr>
-    <a:masterClrMapping/>
-  </p:clrMapOvr>
 </p:sld>
 </file>
 
@@ -8633,13 +7543,13 @@
         <p:spPr/>
         <p:txBody>
           <a:bodyPr>
-            <a:normAutofit/>
+            <a:normAutofit fontScale="90000"/>
           </a:bodyPr>
           <a:lstStyle/>
           <a:p>
             <a:r>
               <a:rPr lang="en-US" dirty="0"/>
-              <a:t>Examples</a:t>
+              <a:t>What makes a good definition for mixed data?</a:t>
             </a:r>
           </a:p>
         </p:txBody>
@@ -8661,39 +7571,24 @@
           <a:p>
             <a:r>
               <a:rPr lang="en-US" dirty="0"/>
-              <a:t>0</a:t>
-            </a:r>
-          </a:p>
-          <a:p>
-            <a:r>
-              <a:rPr lang="en-US" dirty="0"/>
-              <a:t>1  (because 1 = (+ 1 0))</a:t>
-            </a:r>
-          </a:p>
-          <a:p>
-            <a:r>
-              <a:rPr lang="en-US" dirty="0"/>
-              <a:t>2  (because 2 = (+ 1 1))</a:t>
-            </a:r>
-          </a:p>
-          <a:p>
-            <a:r>
-              <a:rPr lang="en-US" dirty="0"/>
-              <a:t>3  (because 3 = (+ 1 2))</a:t>
-            </a:r>
-          </a:p>
-          <a:p>
-            <a:r>
-              <a:rPr lang="en-US" dirty="0"/>
-              <a:t>4  (because 4 = (+ 1 3))</a:t>
-            </a:r>
-          </a:p>
-          <a:p>
-            <a:r>
-              <a:rPr lang="en-US"/>
-              <a:t>Etccc...</a:t>
-            </a:r>
-            <a:endParaRPr lang="en-US" dirty="0"/>
+              <a:t>The alternatives are </a:t>
+            </a:r>
+            <a:r>
+              <a:rPr lang="en-US" i="1" dirty="0"/>
+              <a:t>mutually-exclusive</a:t>
+            </a:r>
+          </a:p>
+          <a:p>
+            <a:r>
+              <a:rPr lang="en-US" dirty="0"/>
+              <a:t>It is easy to tell the alternatives apart</a:t>
+            </a:r>
+          </a:p>
+          <a:p>
+            <a:r>
+              <a:rPr lang="en-US" dirty="0"/>
+              <a:t>There is one and only one way of building any value.</a:t>
+            </a:r>
           </a:p>
         </p:txBody>
       </p:sp>
@@ -8723,7 +7618,7 @@
     </p:spTree>
     <p:extLst>
       <p:ext uri="{BB962C8B-B14F-4D97-AF65-F5344CB8AC3E}">
-        <p14:creationId xmlns:p14="http://schemas.microsoft.com/office/powerpoint/2010/main" val="1193448595"/>
+        <p14:creationId xmlns:p14="http://schemas.microsoft.com/office/powerpoint/2010/main" val="1322643589"/>
       </p:ext>
     </p:extLst>
   </p:cSld>
@@ -8767,14 +7662,14 @@
           <a:p>
             <a:r>
               <a:rPr lang="en-US" dirty="0"/>
-              <a:t>Template</a:t>
-            </a:r>
-          </a:p>
-        </p:txBody>
-      </p:sp>
-      <p:sp>
-        <p:nvSpPr>
-          <p:cNvPr id="3" name="Content Placeholder 2"/>
+              <a:t>Example of a bad data definition</a:t>
+            </a:r>
+          </a:p>
+        </p:txBody>
+      </p:sp>
+      <p:sp>
+        <p:nvSpPr>
+          <p:cNvPr id="5" name="Content Placeholder 4"/>
           <p:cNvSpPr>
             <a:spLocks noGrp="1"/>
           </p:cNvSpPr>
@@ -8789,67 +7684,28 @@
           <a:p>
             <a:r>
               <a:rPr lang="en-US" dirty="0"/>
-              <a:t>;; </a:t>
-            </a:r>
-            <a:r>
-              <a:rPr lang="en-US" dirty="0" err="1"/>
-              <a:t>nni-fn</a:t>
-            </a:r>
-            <a:r>
-              <a:rPr lang="en-US" dirty="0"/>
-              <a:t> : </a:t>
-            </a:r>
-            <a:r>
-              <a:rPr lang="en-US" dirty="0" err="1"/>
-              <a:t>NonNegInt</a:t>
-            </a:r>
-            <a:r>
-              <a:rPr lang="en-US" dirty="0"/>
-              <a:t> -&gt; ??</a:t>
-            </a:r>
-          </a:p>
-          <a:p>
-            <a:r>
-              <a:rPr lang="en-US" dirty="0"/>
-              <a:t>(define (</a:t>
-            </a:r>
-            <a:r>
-              <a:rPr lang="en-US" dirty="0" err="1"/>
-              <a:t>nni-fn</a:t>
-            </a:r>
-            <a:r>
-              <a:rPr lang="en-US" dirty="0"/>
-              <a:t> n)</a:t>
-            </a:r>
-          </a:p>
-          <a:p>
-            <a:r>
-              <a:rPr lang="en-US" dirty="0"/>
-              <a:t> (cond</a:t>
-            </a:r>
-          </a:p>
-          <a:p>
-            <a:r>
-              <a:rPr lang="en-US" dirty="0"/>
-              <a:t>  [(zero? n) ...]</a:t>
-            </a:r>
-          </a:p>
-          <a:p>
-            <a:r>
-              <a:rPr lang="en-US" dirty="0"/>
-              <a:t>  [else (... n (</a:t>
-            </a:r>
-            <a:r>
-              <a:rPr lang="en-US" dirty="0" err="1"/>
-              <a:t>nni-fn</a:t>
-            </a:r>
-            <a:r>
-              <a:rPr lang="en-US" dirty="0"/>
-              <a:t> (- n 1)))]))</a:t>
-            </a:r>
-          </a:p>
-          <a:p>
-            <a:endParaRPr lang="en-US" dirty="0"/>
+              <a:t>A Blue number is one of</a:t>
+            </a:r>
+          </a:p>
+          <a:p>
+            <a:pPr marL="457200" indent="-457200">
+              <a:buFont typeface="Arial" panose="020B0604020202020204" pitchFamily="34" charset="0"/>
+              <a:buChar char="•"/>
+            </a:pPr>
+            <a:r>
+              <a:rPr lang="en-US" dirty="0"/>
+              <a:t>an integer that is a multiple of two</a:t>
+            </a:r>
+          </a:p>
+          <a:p>
+            <a:pPr marL="457200" indent="-457200">
+              <a:buFont typeface="Arial" panose="020B0604020202020204" pitchFamily="34" charset="0"/>
+              <a:buChar char="•"/>
+            </a:pPr>
+            <a:r>
+              <a:rPr lang="en-US" dirty="0"/>
+              <a:t>an integer that is a multiple of three</a:t>
+            </a:r>
           </a:p>
         </p:txBody>
       </p:sp>
@@ -8876,10 +7732,67 @@
           </a:p>
         </p:txBody>
       </p:sp>
+      <p:sp>
+        <p:nvSpPr>
+          <p:cNvPr id="6" name="Rectangle 5"/>
+          <p:cNvSpPr/>
+          <p:nvPr/>
+        </p:nvSpPr>
+        <p:spPr>
+          <a:xfrm>
+            <a:off x="2781300" y="4419600"/>
+            <a:ext cx="3581400" cy="914400"/>
+          </a:xfrm>
+          <a:prstGeom prst="rect">
+            <a:avLst/>
+          </a:prstGeom>
+          <a:solidFill>
+            <a:schemeClr val="accent3">
+              <a:lumMod val="40000"/>
+              <a:lumOff val="60000"/>
+            </a:schemeClr>
+          </a:solidFill>
+          <a:ln/>
+        </p:spPr>
+        <p:style>
+          <a:lnRef idx="2">
+            <a:schemeClr val="accent1"/>
+          </a:lnRef>
+          <a:fillRef idx="1">
+            <a:schemeClr val="lt1"/>
+          </a:fillRef>
+          <a:effectRef idx="0">
+            <a:schemeClr val="accent1"/>
+          </a:effectRef>
+          <a:fontRef idx="minor">
+            <a:schemeClr val="dk1"/>
+          </a:fontRef>
+        </p:style>
+        <p:txBody>
+          <a:bodyPr rot="0" spcFirstLastPara="0" vertOverflow="overflow" horzOverflow="overflow" vert="horz" wrap="square" lIns="91440" tIns="45720" rIns="91440" bIns="45720" numCol="1" spcCol="0" rtlCol="0" fromWordArt="0" anchor="ctr" anchorCtr="0" forceAA="0" compatLnSpc="1">
+            <a:prstTxWarp prst="textNoShape">
+              <a:avLst/>
+            </a:prstTxWarp>
+            <a:noAutofit/>
+          </a:bodyPr>
+          <a:lstStyle/>
+          <a:p>
+            <a:pPr algn="ctr"/>
+            <a:r>
+              <a:rPr lang="en-US" sz="2400" dirty="0">
+                <a:solidFill>
+                  <a:schemeClr val="tx1"/>
+                </a:solidFill>
+              </a:rPr>
+              <a:t>These categories are not mutually exclusive</a:t>
+            </a:r>
+          </a:p>
+        </p:txBody>
+      </p:sp>
     </p:spTree>
     <p:extLst>
       <p:ext uri="{BB962C8B-B14F-4D97-AF65-F5344CB8AC3E}">
-        <p14:creationId xmlns:p14="http://schemas.microsoft.com/office/powerpoint/2010/main" val="1198676815"/>
+        <p14:creationId xmlns:p14="http://schemas.microsoft.com/office/powerpoint/2010/main" val="1054972781"/>
       </p:ext>
     </p:extLst>
   </p:cSld>
@@ -8922,8 +7835,8 @@
           <a:lstStyle/>
           <a:p>
             <a:r>
-              <a:rPr lang="en-US" b="1" dirty="0"/>
-              <a:t>double</a:t>
+              <a:rPr lang="en-US" dirty="0"/>
+              <a:t>Example of a bad data definition</a:t>
             </a:r>
           </a:p>
         </p:txBody>
@@ -8945,64 +7858,27 @@
           <a:p>
             <a:r>
               <a:rPr lang="en-US" dirty="0"/>
-              <a:t>;; double : </a:t>
-            </a:r>
-            <a:r>
-              <a:rPr lang="en-US" dirty="0" err="1"/>
-              <a:t>NonNegInt</a:t>
-            </a:r>
-            <a:r>
-              <a:rPr lang="en-US" dirty="0"/>
-              <a:t> -&gt; </a:t>
-            </a:r>
-            <a:r>
-              <a:rPr lang="en-US" dirty="0" err="1"/>
-              <a:t>NonNegInt</a:t>
-            </a:r>
-            <a:endParaRPr lang="en-US" dirty="0"/>
-          </a:p>
-          <a:p>
-            <a:r>
-              <a:rPr lang="en-US" dirty="0"/>
-              <a:t>;; strategy: use template for</a:t>
-            </a:r>
-          </a:p>
-          <a:p>
-            <a:r>
-              <a:rPr lang="en-US" dirty="0"/>
-              <a:t>;;   </a:t>
-            </a:r>
-            <a:r>
-              <a:rPr lang="en-US" dirty="0" err="1"/>
-              <a:t>NonNegInt</a:t>
-            </a:r>
-            <a:r>
-              <a:rPr lang="en-US" dirty="0"/>
-              <a:t> on n</a:t>
-            </a:r>
-          </a:p>
-          <a:p>
-            <a:r>
-              <a:rPr lang="en-US" dirty="0"/>
-              <a:t>(define (double n)</a:t>
-            </a:r>
-          </a:p>
-          <a:p>
-            <a:r>
-              <a:rPr lang="en-US" dirty="0"/>
-              <a:t>  (cond</a:t>
-            </a:r>
-          </a:p>
-          <a:p>
-            <a:r>
-              <a:rPr lang="en-US" dirty="0"/>
-              <a:t>    [(zero? n) 0]</a:t>
-            </a:r>
-          </a:p>
-          <a:p>
-            <a:r>
-              <a:rPr lang="en-US" dirty="0"/>
-              <a:t>    [else (+ 2 (double (- n 1)))]))</a:t>
+              <a:t>A Green number is one of</a:t>
+            </a:r>
+          </a:p>
+          <a:p>
+            <a:pPr marL="457200" indent="-457200">
+              <a:buFont typeface="Arial" panose="020B0604020202020204" pitchFamily="34" charset="0"/>
+              <a:buChar char="•"/>
+            </a:pPr>
+            <a:r>
+              <a:rPr lang="en-US" dirty="0"/>
+              <a:t>an integer that is a product of exactly two prime numbers</a:t>
+            </a:r>
+          </a:p>
+          <a:p>
+            <a:pPr marL="457200" indent="-457200">
+              <a:buFont typeface="Arial" panose="020B0604020202020204" pitchFamily="34" charset="0"/>
+              <a:buChar char="•"/>
+            </a:pPr>
+            <a:r>
+              <a:rPr lang="en-US" dirty="0"/>
+              <a:t>any other integer</a:t>
             </a:r>
           </a:p>
         </p:txBody>
@@ -9030,10 +7906,67 @@
           </a:p>
         </p:txBody>
       </p:sp>
+      <p:sp>
+        <p:nvSpPr>
+          <p:cNvPr id="5" name="Rectangle 4"/>
+          <p:cNvSpPr/>
+          <p:nvPr/>
+        </p:nvSpPr>
+        <p:spPr>
+          <a:xfrm>
+            <a:off x="4038600" y="4343400"/>
+            <a:ext cx="4191000" cy="1676400"/>
+          </a:xfrm>
+          <a:prstGeom prst="rect">
+            <a:avLst/>
+          </a:prstGeom>
+          <a:solidFill>
+            <a:schemeClr val="accent3">
+              <a:lumMod val="40000"/>
+              <a:lumOff val="60000"/>
+            </a:schemeClr>
+          </a:solidFill>
+          <a:ln/>
+        </p:spPr>
+        <p:style>
+          <a:lnRef idx="2">
+            <a:schemeClr val="accent1"/>
+          </a:lnRef>
+          <a:fillRef idx="1">
+            <a:schemeClr val="lt1"/>
+          </a:fillRef>
+          <a:effectRef idx="0">
+            <a:schemeClr val="accent1"/>
+          </a:effectRef>
+          <a:fontRef idx="minor">
+            <a:schemeClr val="dk1"/>
+          </a:fontRef>
+        </p:style>
+        <p:txBody>
+          <a:bodyPr rot="0" spcFirstLastPara="0" vertOverflow="overflow" horzOverflow="overflow" vert="horz" wrap="square" lIns="91440" tIns="45720" rIns="91440" bIns="45720" numCol="1" spcCol="0" rtlCol="0" fromWordArt="0" anchor="ctr" anchorCtr="0" forceAA="0" compatLnSpc="1">
+            <a:prstTxWarp prst="textNoShape">
+              <a:avLst/>
+            </a:prstTxWarp>
+            <a:noAutofit/>
+          </a:bodyPr>
+          <a:lstStyle/>
+          <a:p>
+            <a:pPr algn="ctr"/>
+            <a:r>
+              <a:rPr lang="en-US" sz="2400" dirty="0">
+                <a:solidFill>
+                  <a:schemeClr val="tx1"/>
+                </a:solidFill>
+              </a:rPr>
+              <a:t>These categories are mutually exclusive, but it is complicated to distinguish them</a:t>
+            </a:r>
+          </a:p>
+        </p:txBody>
+      </p:sp>
     </p:spTree>
     <p:extLst>
       <p:ext uri="{BB962C8B-B14F-4D97-AF65-F5344CB8AC3E}">
-        <p14:creationId xmlns:p14="http://schemas.microsoft.com/office/powerpoint/2010/main" val="921509194"/>
+        <p14:creationId xmlns:p14="http://schemas.microsoft.com/office/powerpoint/2010/main" val="2780607024"/>
       </p:ext>
     </p:extLst>
   </p:cSld>
@@ -9076,8 +8009,8 @@
           <a:lstStyle/>
           <a:p>
             <a:r>
-              <a:rPr lang="en-US" b="1" dirty="0"/>
-              <a:t>sum</a:t>
+              <a:rPr lang="en-US" dirty="0"/>
+              <a:t>Example of a bad data definition</a:t>
             </a:r>
           </a:p>
         </p:txBody>
@@ -9094,85 +8027,32 @@
         </p:nvSpPr>
         <p:spPr/>
         <p:txBody>
-          <a:bodyPr>
-            <a:normAutofit fontScale="92500"/>
-          </a:bodyPr>
-          <a:lstStyle/>
-          <a:p>
-            <a:r>
-              <a:rPr lang="en-US" dirty="0"/>
-              <a:t>;; sum :</a:t>
-            </a:r>
-          </a:p>
-          <a:p>
-            <a:r>
-              <a:rPr lang="en-US" dirty="0"/>
-              <a:t>;;  </a:t>
-            </a:r>
-            <a:r>
-              <a:rPr lang="en-US" dirty="0" err="1"/>
-              <a:t>NonNegInt</a:t>
-            </a:r>
-            <a:r>
-              <a:rPr lang="en-US" dirty="0"/>
-              <a:t> </a:t>
-            </a:r>
-            <a:r>
-              <a:rPr lang="en-US" dirty="0" err="1"/>
-              <a:t>NonNegInt</a:t>
-            </a:r>
-            <a:r>
-              <a:rPr lang="en-US" dirty="0"/>
-              <a:t> -&gt; </a:t>
-            </a:r>
-            <a:r>
-              <a:rPr lang="en-US" dirty="0" err="1"/>
-              <a:t>NonNegInt</a:t>
-            </a:r>
-            <a:endParaRPr lang="en-US" dirty="0"/>
-          </a:p>
-          <a:p>
-            <a:r>
-              <a:rPr lang="en-US" dirty="0"/>
-              <a:t>;; strategy: use template for</a:t>
-            </a:r>
-          </a:p>
-          <a:p>
-            <a:r>
-              <a:rPr lang="en-US" dirty="0"/>
-              <a:t>;;   </a:t>
-            </a:r>
-            <a:r>
-              <a:rPr lang="en-US" dirty="0" err="1"/>
-              <a:t>NonNegInt</a:t>
-            </a:r>
-            <a:r>
-              <a:rPr lang="en-US" dirty="0"/>
-              <a:t> on x</a:t>
-            </a:r>
-          </a:p>
-          <a:p>
-            <a:r>
-              <a:rPr lang="en-US" dirty="0"/>
-              <a:t>(define (sum x y)</a:t>
-            </a:r>
-          </a:p>
-          <a:p>
-            <a:r>
-              <a:rPr lang="en-US" dirty="0"/>
-              <a:t> (cond</a:t>
-            </a:r>
-          </a:p>
-          <a:p>
-            <a:r>
-              <a:rPr lang="en-US" dirty="0"/>
-              <a:t>   [(zero? x) y]</a:t>
-            </a:r>
-          </a:p>
-          <a:p>
-            <a:r>
-              <a:rPr lang="en-US" dirty="0"/>
-              <a:t>   [else (+ 1 (sum (- x 1) y))])</a:t>
+          <a:bodyPr/>
+          <a:lstStyle/>
+          <a:p>
+            <a:r>
+              <a:rPr lang="en-US" dirty="0"/>
+              <a:t>A Purple number is one of</a:t>
+            </a:r>
+          </a:p>
+          <a:p>
+            <a:pPr marL="457200" indent="-457200">
+              <a:buFont typeface="Arial" panose="020B0604020202020204" pitchFamily="34" charset="0"/>
+              <a:buChar char="•"/>
+            </a:pPr>
+            <a:r>
+              <a:rPr lang="en-US" dirty="0"/>
+              <a:t>the number 1</a:t>
+            </a:r>
+          </a:p>
+          <a:p>
+            <a:pPr marL="457200" indent="-457200">
+              <a:buFont typeface="Arial" panose="020B0604020202020204" pitchFamily="34" charset="0"/>
+              <a:buChar char="•"/>
+            </a:pPr>
+            <a:r>
+              <a:rPr lang="en-US" dirty="0"/>
+              <a:t>a number of the form (+ n1 n2)</a:t>
             </a:r>
           </a:p>
         </p:txBody>
@@ -9200,10 +8080,147 @@
           </a:p>
         </p:txBody>
       </p:sp>
+      <p:sp>
+        <p:nvSpPr>
+          <p:cNvPr id="5" name="Rectangle 4"/>
+          <p:cNvSpPr/>
+          <p:nvPr/>
+        </p:nvSpPr>
+        <p:spPr>
+          <a:xfrm>
+            <a:off x="2667000" y="3429000"/>
+            <a:ext cx="5257800" cy="2057400"/>
+          </a:xfrm>
+          <a:prstGeom prst="rect">
+            <a:avLst/>
+          </a:prstGeom>
+          <a:solidFill>
+            <a:schemeClr val="accent3">
+              <a:lumMod val="40000"/>
+              <a:lumOff val="60000"/>
+            </a:schemeClr>
+          </a:solidFill>
+          <a:ln/>
+        </p:spPr>
+        <p:style>
+          <a:lnRef idx="2">
+            <a:schemeClr val="accent1"/>
+          </a:lnRef>
+          <a:fillRef idx="1">
+            <a:schemeClr val="lt1"/>
+          </a:fillRef>
+          <a:effectRef idx="0">
+            <a:schemeClr val="accent1"/>
+          </a:effectRef>
+          <a:fontRef idx="minor">
+            <a:schemeClr val="dk1"/>
+          </a:fontRef>
+        </p:style>
+        <p:txBody>
+          <a:bodyPr rot="0" spcFirstLastPara="0" vertOverflow="overflow" horzOverflow="overflow" vert="horz" wrap="square" lIns="91440" tIns="45720" rIns="91440" bIns="45720" numCol="1" spcCol="0" rtlCol="0" fromWordArt="0" anchor="ctr" anchorCtr="0" forceAA="0" compatLnSpc="1">
+            <a:prstTxWarp prst="textNoShape">
+              <a:avLst/>
+            </a:prstTxWarp>
+            <a:noAutofit/>
+          </a:bodyPr>
+          <a:lstStyle/>
+          <a:p>
+            <a:pPr algn="ctr"/>
+            <a:r>
+              <a:rPr lang="en-US" sz="2400" dirty="0">
+                <a:solidFill>
+                  <a:schemeClr val="tx1"/>
+                </a:solidFill>
+              </a:rPr>
+              <a:t>Just knowing the value of a purple number, like </a:t>
+            </a:r>
+            <a:r>
+              <a:rPr lang="en-US" sz="2400" b="1" dirty="0">
+                <a:solidFill>
+                  <a:schemeClr val="tx1"/>
+                </a:solidFill>
+              </a:rPr>
+              <a:t>56</a:t>
+            </a:r>
+            <a:r>
+              <a:rPr lang="en-US" sz="2400" dirty="0">
+                <a:solidFill>
+                  <a:schemeClr val="tx1"/>
+                </a:solidFill>
+              </a:rPr>
+              <a:t>, doesn't tell you how it was constructed as </a:t>
+            </a:r>
+            <a:r>
+              <a:rPr lang="en-US" sz="2400" b="1" dirty="0">
+                <a:solidFill>
+                  <a:schemeClr val="tx1"/>
+                </a:solidFill>
+              </a:rPr>
+              <a:t>(+ n1 n2) </a:t>
+            </a:r>
+            <a:r>
+              <a:rPr lang="en-US" sz="2400" dirty="0">
+                <a:solidFill>
+                  <a:schemeClr val="tx1"/>
+                </a:solidFill>
+              </a:rPr>
+              <a:t>.  There are many choices of </a:t>
+            </a:r>
+            <a:r>
+              <a:rPr lang="en-US" sz="2400" b="1" dirty="0">
+                <a:solidFill>
+                  <a:schemeClr val="tx1"/>
+                </a:solidFill>
+              </a:rPr>
+              <a:t>n1</a:t>
+            </a:r>
+            <a:r>
+              <a:rPr lang="en-US" sz="2400" dirty="0">
+                <a:solidFill>
+                  <a:schemeClr val="tx1"/>
+                </a:solidFill>
+              </a:rPr>
+              <a:t> and </a:t>
+            </a:r>
+            <a:r>
+              <a:rPr lang="en-US" sz="2400" b="1" dirty="0">
+                <a:solidFill>
+                  <a:schemeClr val="tx1"/>
+                </a:solidFill>
+              </a:rPr>
+              <a:t>n2</a:t>
+            </a:r>
+            <a:r>
+              <a:rPr lang="en-US" sz="2400" dirty="0">
+                <a:solidFill>
+                  <a:schemeClr val="tx1"/>
+                </a:solidFill>
+              </a:rPr>
+              <a:t> that would build </a:t>
+            </a:r>
+            <a:r>
+              <a:rPr lang="en-US" sz="2400" b="1" dirty="0">
+                <a:solidFill>
+                  <a:schemeClr val="tx1"/>
+                </a:solidFill>
+              </a:rPr>
+              <a:t>56</a:t>
+            </a:r>
+            <a:r>
+              <a:rPr lang="en-US" sz="2400" dirty="0">
+                <a:solidFill>
+                  <a:schemeClr val="tx1"/>
+                </a:solidFill>
+              </a:rPr>
+              <a:t>.</a:t>
+            </a:r>
+          </a:p>
+        </p:txBody>
+      </p:sp>
     </p:spTree>
     <p:extLst>
       <p:ext uri="{BB962C8B-B14F-4D97-AF65-F5344CB8AC3E}">
-        <p14:creationId xmlns:p14="http://schemas.microsoft.com/office/powerpoint/2010/main" val="482102373"/>
+        <p14:creationId xmlns:p14="http://schemas.microsoft.com/office/powerpoint/2010/main" val="4236092672"/>
       </p:ext>
     </p:extLst>
   </p:cSld>
@@ -9232,7 +8249,7 @@
       </p:grpSpPr>
       <p:sp>
         <p:nvSpPr>
-          <p:cNvPr id="2" name="Title 1"/>
+          <p:cNvPr id="5" name="Title 4"/>
           <p:cNvSpPr>
             <a:spLocks noGrp="1"/>
           </p:cNvSpPr>
@@ -9247,14 +8264,14 @@
           <a:p>
             <a:r>
               <a:rPr lang="en-US" dirty="0"/>
-              <a:t>Example</a:t>
-            </a:r>
-          </a:p>
-        </p:txBody>
-      </p:sp>
-      <p:sp>
-        <p:nvSpPr>
-          <p:cNvPr id="3" name="Content Placeholder 2"/>
+              <a:t>The Natural Numbers</a:t>
+            </a:r>
+          </a:p>
+        </p:txBody>
+      </p:sp>
+      <p:sp>
+        <p:nvSpPr>
+          <p:cNvPr id="6" name="Content Placeholder 5"/>
           <p:cNvSpPr>
             <a:spLocks noGrp="1"/>
           </p:cNvSpPr>
@@ -9269,85 +8286,22 @@
           <a:p>
             <a:r>
               <a:rPr lang="en-US" dirty="0"/>
-              <a:t>(</a:t>
-            </a:r>
-            <a:r>
-              <a:rPr lang="en-US" dirty="0">
-                <a:solidFill>
-                  <a:srgbClr val="FF0000"/>
-                </a:solidFill>
-              </a:rPr>
-              <a:t>sum</a:t>
-            </a:r>
-            <a:r>
-              <a:rPr lang="en-US" dirty="0"/>
-              <a:t> 3 2)</a:t>
-            </a:r>
-          </a:p>
-          <a:p>
-            <a:r>
-              <a:rPr lang="en-US" dirty="0"/>
-              <a:t>= (+ 1 (</a:t>
-            </a:r>
-            <a:r>
-              <a:rPr lang="en-US" dirty="0">
-                <a:solidFill>
-                  <a:srgbClr val="FF0000"/>
-                </a:solidFill>
-              </a:rPr>
-              <a:t>sum</a:t>
-            </a:r>
-            <a:r>
-              <a:rPr lang="en-US" dirty="0"/>
-              <a:t> 2 2))</a:t>
-            </a:r>
-          </a:p>
-          <a:p>
-            <a:r>
-              <a:rPr lang="en-US" dirty="0"/>
-              <a:t>= (+ 1 (+ 1 (</a:t>
-            </a:r>
-            <a:r>
-              <a:rPr lang="en-US" dirty="0">
-                <a:solidFill>
-                  <a:srgbClr val="FF0000"/>
-                </a:solidFill>
-              </a:rPr>
-              <a:t>sum</a:t>
-            </a:r>
-            <a:r>
-              <a:rPr lang="en-US" dirty="0"/>
-              <a:t> 1 2)))</a:t>
-            </a:r>
-          </a:p>
-          <a:p>
-            <a:r>
-              <a:rPr lang="en-US" dirty="0"/>
-              <a:t>= (+ 1 (+ 1 (+ 1 (</a:t>
-            </a:r>
-            <a:r>
-              <a:rPr lang="en-US" dirty="0">
-                <a:solidFill>
-                  <a:srgbClr val="FF0000"/>
-                </a:solidFill>
-              </a:rPr>
-              <a:t>sum</a:t>
-            </a:r>
-            <a:r>
-              <a:rPr lang="en-US" dirty="0"/>
-              <a:t> 0 2))))</a:t>
-            </a:r>
-          </a:p>
-          <a:p>
-            <a:r>
-              <a:rPr lang="en-US" dirty="0"/>
-              <a:t>= (+ 1 (+ 1 (+ 1 2)))</a:t>
-            </a:r>
-          </a:p>
-          <a:p>
-            <a:r>
-              <a:rPr lang="en-US" dirty="0"/>
-              <a:t>= 5</a:t>
+              <a:t>The natural numbers are the counting numbers:</a:t>
+            </a:r>
+          </a:p>
+          <a:p>
+            <a:pPr marL="0" indent="0" algn="ctr">
+              <a:buNone/>
+            </a:pPr>
+            <a:r>
+              <a:rPr lang="en-US" dirty="0"/>
+              <a:t>0, 1, 2, 3, 4, ... </a:t>
+            </a:r>
+          </a:p>
+          <a:p>
+            <a:r>
+              <a:rPr lang="en-US" dirty="0"/>
+              <a:t>This is just another name for the non-negative integers</a:t>
             </a:r>
           </a:p>
         </p:txBody>
@@ -9378,7 +8332,7 @@
     </p:spTree>
     <p:extLst>
       <p:ext uri="{BB962C8B-B14F-4D97-AF65-F5344CB8AC3E}">
-        <p14:creationId xmlns:p14="http://schemas.microsoft.com/office/powerpoint/2010/main" val="1465050915"/>
+        <p14:creationId xmlns:p14="http://schemas.microsoft.com/office/powerpoint/2010/main" val="3402712715"/>
       </p:ext>
     </p:extLst>
   </p:cSld>
@@ -9698,8 +8652,8 @@
         <a:noAutofit/>
       </a:bodyPr>
       <a:lstStyle>
-        <a:defPPr>
-          <a:defRPr dirty="0">
+        <a:defPPr algn="ctr">
+          <a:defRPr sz="2400" dirty="0" smtClean="0">
             <a:solidFill>
               <a:schemeClr val="tx1"/>
             </a:solidFill>

--- a/Slides/Lesson 4.4 More Recursive Data Types.pptx
+++ b/Slides/Lesson 4.4 More Recursive Data Types.pptx
@@ -233,7 +233,7 @@
             <a:fld id="{CF8F25F6-E1EF-4065-8525-42EDEBD9BD22}" type="datetimeFigureOut">
               <a:rPr lang="en-US" smtClean="0"/>
               <a:pPr/>
-              <a:t>8/22/2016</a:t>
+              <a:t>9/25/2016</a:t>
             </a:fld>
             <a:endParaRPr lang="en-US"/>
           </a:p>
@@ -941,7 +941,7 @@
           <a:p>
             <a:fld id="{2F1F79F5-7BEC-496A-AFC7-876E38F64D71}" type="datetime1">
               <a:rPr lang="en-US" smtClean="0"/>
-              <a:t>8/22/2016</a:t>
+              <a:t>9/25/2016</a:t>
             </a:fld>
             <a:endParaRPr lang="en-US"/>
           </a:p>
@@ -1036,7 +1036,7 @@
           <a:p>
             <a:fld id="{0A05703A-7669-4FEA-9056-25299B4D29D4}" type="datetime1">
               <a:rPr lang="en-US" smtClean="0"/>
-              <a:t>8/22/2016</a:t>
+              <a:t>9/25/2016</a:t>
             </a:fld>
             <a:endParaRPr lang="en-US"/>
           </a:p>
@@ -1311,7 +1311,7 @@
           <a:p>
             <a:fld id="{6E5077B5-BB57-49DB-88CA-226A139E5C01}" type="datetime1">
               <a:rPr lang="en-US" smtClean="0"/>
-              <a:t>8/22/2016</a:t>
+              <a:t>9/25/2016</a:t>
             </a:fld>
             <a:endParaRPr lang="en-US"/>
           </a:p>
@@ -1563,7 +1563,7 @@
           <a:p>
             <a:fld id="{C48D9447-CBD6-49A1-89FD-8512A8CF8999}" type="datetime1">
               <a:rPr lang="en-US" smtClean="0"/>
-              <a:t>8/22/2016</a:t>
+              <a:t>9/25/2016</a:t>
             </a:fld>
             <a:endParaRPr lang="en-US"/>
           </a:p>
@@ -1731,7 +1731,7 @@
           <a:p>
             <a:fld id="{A3639A2A-823D-48B7-9ACE-7FAF42870BA9}" type="datetime1">
               <a:rPr lang="en-US" smtClean="0"/>
-              <a:t>8/22/2016</a:t>
+              <a:t>9/25/2016</a:t>
             </a:fld>
             <a:endParaRPr lang="en-US"/>
           </a:p>
@@ -1909,7 +1909,7 @@
           <a:p>
             <a:fld id="{ED1B6996-82E9-463C-972C-7B56056E426C}" type="datetime1">
               <a:rPr lang="en-US" smtClean="0"/>
-              <a:t>8/22/2016</a:t>
+              <a:t>9/25/2016</a:t>
             </a:fld>
             <a:endParaRPr lang="en-US"/>
           </a:p>
@@ -2083,7 +2083,7 @@
           <a:p>
             <a:fld id="{E22ED4DA-448D-4BB1-B935-CC112220207B}" type="datetime1">
               <a:rPr lang="en-US" smtClean="0"/>
-              <a:t>8/22/2016</a:t>
+              <a:t>9/25/2016</a:t>
             </a:fld>
             <a:endParaRPr lang="en-US"/>
           </a:p>
@@ -2256,7 +2256,7 @@
           <a:p>
             <a:fld id="{E22ED4DA-448D-4BB1-B935-CC112220207B}" type="datetime1">
               <a:rPr lang="en-US" smtClean="0"/>
-              <a:t>8/22/2016</a:t>
+              <a:t>9/25/2016</a:t>
             </a:fld>
             <a:endParaRPr lang="en-US"/>
           </a:p>
@@ -2516,7 +2516,7 @@
           <a:p>
             <a:fld id="{FF5D65A6-AB94-4435-B0B7-3743215FA46C}" type="datetime1">
               <a:rPr lang="en-US" smtClean="0"/>
-              <a:t>8/22/2016</a:t>
+              <a:t>9/25/2016</a:t>
             </a:fld>
             <a:endParaRPr lang="en-US"/>
           </a:p>
@@ -2692,7 +2692,7 @@
           <a:p>
             <a:fld id="{FF5D65A6-AB94-4435-B0B7-3743215FA46C}" type="datetime1">
               <a:rPr lang="en-US" smtClean="0"/>
-              <a:t>8/22/2016</a:t>
+              <a:t>9/25/2016</a:t>
             </a:fld>
             <a:endParaRPr lang="en-US"/>
           </a:p>
@@ -2986,7 +2986,7 @@
           <a:p>
             <a:fld id="{7C193DC4-6EF0-48C9-B29C-616106A645E1}" type="datetime1">
               <a:rPr lang="en-US" smtClean="0"/>
-              <a:t>8/22/2016</a:t>
+              <a:t>9/25/2016</a:t>
             </a:fld>
             <a:endParaRPr lang="en-US"/>
           </a:p>
@@ -3271,7 +3271,7 @@
           <a:p>
             <a:fld id="{5D1846AD-9252-4647-9435-4C2AC365653A}" type="datetime1">
               <a:rPr lang="en-US" smtClean="0"/>
-              <a:t>8/22/2016</a:t>
+              <a:t>9/25/2016</a:t>
             </a:fld>
             <a:endParaRPr lang="en-US"/>
           </a:p>
@@ -3690,7 +3690,7 @@
           <a:p>
             <a:fld id="{CE56DC10-3561-4063-A6AF-C1CC7A41040A}" type="datetime1">
               <a:rPr lang="en-US" smtClean="0"/>
-              <a:t>8/22/2016</a:t>
+              <a:t>9/25/2016</a:t>
             </a:fld>
             <a:endParaRPr lang="en-US"/>
           </a:p>
@@ -3807,7 +3807,7 @@
           <a:p>
             <a:fld id="{2F7B77F5-1464-4F6B-92A8-64FC8A508293}" type="datetime1">
               <a:rPr lang="en-US" smtClean="0"/>
-              <a:t>8/22/2016</a:t>
+              <a:t>9/25/2016</a:t>
             </a:fld>
             <a:endParaRPr lang="en-US"/>
           </a:p>
@@ -4030,7 +4030,7 @@
           <a:p>
             <a:fld id="{02B3F677-983B-48DB-ADFD-63FE6CBC7FB2}" type="datetime1">
               <a:rPr lang="en-US" smtClean="0"/>
-              <a:t>8/22/2016</a:t>
+              <a:t>9/25/2016</a:t>
             </a:fld>
             <a:endParaRPr lang="en-US"/>
           </a:p>
@@ -5248,8 +5248,8 @@
           <a:chExt cx="0" cy="0"/>
         </a:xfrm>
       </p:grpSpPr>
-      <mc:AlternateContent xmlns:mc="http://schemas.openxmlformats.org/markup-compatibility/2006">
-        <mc:Choice xmlns:a14="http://schemas.microsoft.com/office/drawing/2010/main" Requires="a14">
+      <mc:AlternateContent xmlns:mc="http://schemas.openxmlformats.org/markup-compatibility/2006" xmlns:a14="http://schemas.microsoft.com/office/drawing/2010/main">
+        <mc:Choice Requires="a14">
           <p:sp>
             <p:nvSpPr>
               <p:cNvPr id="3" name="Content Placeholder 2"/>
@@ -5313,7 +5313,7 @@
             </p:txBody>
           </p:sp>
         </mc:Choice>
-        <mc:Fallback>
+        <mc:Fallback xmlns="">
           <p:sp>
             <p:nvSpPr>
               <p:cNvPr id="3" name="Content Placeholder 2"/>
@@ -5445,8 +5445,8 @@
           </a:p>
         </p:txBody>
       </p:sp>
-      <mc:AlternateContent xmlns:mc="http://schemas.openxmlformats.org/markup-compatibility/2006">
-        <mc:Choice xmlns:a14="http://schemas.microsoft.com/office/drawing/2010/main" Requires="a14">
+      <mc:AlternateContent xmlns:mc="http://schemas.openxmlformats.org/markup-compatibility/2006" xmlns:a14="http://schemas.microsoft.com/office/drawing/2010/main">
+        <mc:Choice Requires="a14">
           <p:sp>
             <p:nvSpPr>
               <p:cNvPr id="6" name="TextBox 5"/>
@@ -5487,7 +5487,7 @@
             </p:txBody>
           </p:sp>
         </mc:Choice>
-        <mc:Fallback>
+        <mc:Fallback xmlns="">
           <p:sp>
             <p:nvSpPr>
               <p:cNvPr id="6" name="TextBox 5"/>
@@ -6983,8 +6983,13 @@
           <a:p>
             <a:r>
               <a:rPr lang="en-US" dirty="0"/>
-              <a:t>Do Guided Practice 4.4++</a:t>
-            </a:r>
+              <a:t>Do Guided </a:t>
+            </a:r>
+            <a:r>
+              <a:rPr lang="en-US"/>
+              <a:t>Practice 4.4</a:t>
+            </a:r>
+            <a:endParaRPr lang="en-US" dirty="0"/>
           </a:p>
           <a:p>
             <a:r>
@@ -7015,87 +7020,6 @@
               <a:t>22</a:t>
             </a:fld>
             <a:endParaRPr lang="en-US"/>
-          </a:p>
-        </p:txBody>
-      </p:sp>
-      <p:sp>
-        <p:nvSpPr>
-          <p:cNvPr id="5" name="Rectangle 4"/>
-          <p:cNvSpPr/>
-          <p:nvPr/>
-        </p:nvSpPr>
-        <p:spPr>
-          <a:xfrm>
-            <a:off x="5334000" y="4724399"/>
-            <a:ext cx="3048000" cy="1401763"/>
-          </a:xfrm>
-          <a:prstGeom prst="rect">
-            <a:avLst/>
-          </a:prstGeom>
-          <a:solidFill>
-            <a:srgbClr val="FFFF00"/>
-          </a:solidFill>
-          <a:ln/>
-        </p:spPr>
-        <p:style>
-          <a:lnRef idx="2">
-            <a:schemeClr val="accent1"/>
-          </a:lnRef>
-          <a:fillRef idx="1">
-            <a:schemeClr val="lt1"/>
-          </a:fillRef>
-          <a:effectRef idx="0">
-            <a:schemeClr val="accent1"/>
-          </a:effectRef>
-          <a:fontRef idx="minor">
-            <a:schemeClr val="dk1"/>
-          </a:fontRef>
-        </p:style>
-        <p:txBody>
-          <a:bodyPr rot="0" spcFirstLastPara="0" vertOverflow="overflow" horzOverflow="overflow" vert="horz" wrap="square" lIns="91440" tIns="45720" rIns="91440" bIns="45720" numCol="1" spcCol="0" rtlCol="0" fromWordArt="0" anchor="ctr" anchorCtr="0" forceAA="0" compatLnSpc="1">
-            <a:prstTxWarp prst="textNoShape">
-              <a:avLst/>
-            </a:prstTxWarp>
-            <a:noAutofit/>
-          </a:bodyPr>
-          <a:lstStyle/>
-          <a:p>
-            <a:pPr algn="ctr"/>
-            <a:r>
-              <a:rPr lang="en-US" dirty="0">
-                <a:solidFill>
-                  <a:schemeClr val="tx1"/>
-                </a:solidFill>
-              </a:rPr>
-              <a:t>Guided Practices (to be written): recur on the other argument; </a:t>
-            </a:r>
-            <a:r>
-              <a:rPr lang="en-US" dirty="0" err="1">
-                <a:solidFill>
-                  <a:schemeClr val="tx1"/>
-                </a:solidFill>
-              </a:rPr>
-              <a:t>expt</a:t>
-            </a:r>
-            <a:r>
-              <a:rPr lang="en-US" dirty="0">
-                <a:solidFill>
-                  <a:schemeClr val="tx1"/>
-                </a:solidFill>
-              </a:rPr>
-              <a:t>;</a:t>
-            </a:r>
-          </a:p>
-          <a:p>
-            <a:pPr algn="ctr"/>
-            <a:r>
-              <a:rPr lang="en-US" dirty="0">
-                <a:solidFill>
-                  <a:schemeClr val="tx1"/>
-                </a:solidFill>
-              </a:rPr>
-              <a:t>left-nested lists </a:t>
-            </a:r>
           </a:p>
         </p:txBody>
       </p:sp>
